--- a/302CEM G2 logistics PPT.pptx
+++ b/302CEM G2 logistics PPT.pptx
@@ -1,49 +1,50 @@
 
 <file path=ppt/presentation.xml><?xml version="1.0" encoding="utf-8"?>
-<p:presentation xmlns:a="http://schemas.openxmlformats.org/drawingml/2006/main" xmlns:r="http://schemas.openxmlformats.org/officeDocument/2006/relationships" xmlns:mc="http://schemas.openxmlformats.org/markup-compatibility/2006" xmlns:mv="urn:schemas-microsoft-com:mac:vml" xmlns:p="http://schemas.openxmlformats.org/presentationml/2006/main" xmlns:c="http://schemas.openxmlformats.org/drawingml/2006/chart" xmlns:dgm="http://schemas.openxmlformats.org/drawingml/2006/diagram" xmlns:o="urn:schemas-microsoft-com:office:office" xmlns:v="urn:schemas-microsoft-com:vml" xmlns:pvml="urn:schemas-microsoft-com:office:powerpoint" xmlns:com="http://schemas.openxmlformats.org/drawingml/2006/compatibility" xmlns:p14="http://schemas.microsoft.com/office/powerpoint/2010/main" xmlns:p15="http://schemas.microsoft.com/office/powerpoint/2012/main" autoCompressPictures="0" embedTrueTypeFonts="1" strictFirstAndLastChars="0" saveSubsetFonts="1">
+<p:presentation xmlns:a="http://schemas.openxmlformats.org/drawingml/2006/main" xmlns:r="http://schemas.openxmlformats.org/officeDocument/2006/relationships" xmlns:p="http://schemas.openxmlformats.org/presentationml/2006/main" strictFirstAndLastChars="0" embedTrueTypeFonts="1" saveSubsetFonts="1" autoCompressPictures="0">
   <p:sldMasterIdLst>
-    <p:sldMasterId id="2147483659" r:id="rId5"/>
+    <p:sldMasterId id="2147483659" r:id="rId1"/>
   </p:sldMasterIdLst>
   <p:notesMasterIdLst>
-    <p:notesMasterId r:id="rId6"/>
+    <p:notesMasterId r:id="rId18"/>
   </p:notesMasterIdLst>
   <p:sldIdLst>
-    <p:sldId id="256" r:id="rId7"/>
-    <p:sldId id="257" r:id="rId8"/>
-    <p:sldId id="258" r:id="rId9"/>
-    <p:sldId id="259" r:id="rId10"/>
-    <p:sldId id="260" r:id="rId11"/>
-    <p:sldId id="261" r:id="rId12"/>
-    <p:sldId id="262" r:id="rId13"/>
-    <p:sldId id="263" r:id="rId14"/>
-    <p:sldId id="264" r:id="rId15"/>
-    <p:sldId id="265" r:id="rId16"/>
-    <p:sldId id="266" r:id="rId17"/>
-    <p:sldId id="267" r:id="rId18"/>
-    <p:sldId id="268" r:id="rId19"/>
-    <p:sldId id="269" r:id="rId20"/>
-    <p:sldId id="270" r:id="rId21"/>
+    <p:sldId id="256" r:id="rId2"/>
+    <p:sldId id="257" r:id="rId3"/>
+    <p:sldId id="258" r:id="rId4"/>
+    <p:sldId id="259" r:id="rId5"/>
+    <p:sldId id="260" r:id="rId6"/>
+    <p:sldId id="261" r:id="rId7"/>
+    <p:sldId id="262" r:id="rId8"/>
+    <p:sldId id="263" r:id="rId9"/>
+    <p:sldId id="264" r:id="rId10"/>
+    <p:sldId id="265" r:id="rId11"/>
+    <p:sldId id="266" r:id="rId12"/>
+    <p:sldId id="267" r:id="rId13"/>
+    <p:sldId id="268" r:id="rId14"/>
+    <p:sldId id="269" r:id="rId15"/>
+    <p:sldId id="271" r:id="rId16"/>
+    <p:sldId id="270" r:id="rId17"/>
   </p:sldIdLst>
-  <p:sldSz cy="5143500" cx="9144000"/>
+  <p:sldSz cx="9144000" cy="5143500" type="screen16x9"/>
   <p:notesSz cx="6858000" cy="9144000"/>
   <p:embeddedFontLst>
     <p:embeddedFont>
-      <p:font typeface="Raleway"/>
-      <p:regular r:id="rId22"/>
-      <p:bold r:id="rId23"/>
-      <p:italic r:id="rId24"/>
-      <p:boldItalic r:id="rId25"/>
+      <p:font typeface="Lato" panose="02020500000000000000" charset="0"/>
+      <p:regular r:id="rId19"/>
+      <p:bold r:id="rId20"/>
+      <p:italic r:id="rId21"/>
+      <p:boldItalic r:id="rId22"/>
     </p:embeddedFont>
     <p:embeddedFont>
-      <p:font typeface="Lato"/>
-      <p:regular r:id="rId26"/>
-      <p:bold r:id="rId27"/>
-      <p:italic r:id="rId28"/>
-      <p:boldItalic r:id="rId29"/>
+      <p:font typeface="Raleway" panose="02020500000000000000" charset="0"/>
+      <p:regular r:id="rId23"/>
+      <p:bold r:id="rId24"/>
+      <p:italic r:id="rId25"/>
+      <p:boldItalic r:id="rId26"/>
     </p:embeddedFont>
   </p:embeddedFontLst>
   <p:defaultTextStyle>
-    <a:defPPr lvl="0" marR="0" rtl="0" algn="l">
+    <a:defPPr marR="0" lvl="0" algn="l" rtl="0">
       <a:lnSpc>
         <a:spcPct val="100000"/>
       </a:lnSpc>
@@ -54,7 +55,7 @@
         <a:spcPts val="0"/>
       </a:spcAft>
     </a:defPPr>
-    <a:lvl1pPr lvl="0" marR="0" rtl="0" algn="l">
+    <a:lvl1pPr marR="0" lvl="0" algn="l" rtl="0">
       <a:lnSpc>
         <a:spcPct val="100000"/>
       </a:lnSpc>
@@ -68,7 +69,7 @@
         <a:srgbClr val="000000"/>
       </a:buClr>
       <a:buFont typeface="Arial"/>
-      <a:defRPr b="0" i="0" sz="1400" u="none" cap="none" strike="noStrike">
+      <a:defRPr sz="1400" b="0" i="0" u="none" strike="noStrike" cap="none">
         <a:solidFill>
           <a:srgbClr val="000000"/>
         </a:solidFill>
@@ -78,7 +79,7 @@
         <a:sym typeface="Arial"/>
       </a:defRPr>
     </a:lvl1pPr>
-    <a:lvl2pPr lvl="1" marR="0" rtl="0" algn="l">
+    <a:lvl2pPr marR="0" lvl="1" algn="l" rtl="0">
       <a:lnSpc>
         <a:spcPct val="100000"/>
       </a:lnSpc>
@@ -92,7 +93,7 @@
         <a:srgbClr val="000000"/>
       </a:buClr>
       <a:buFont typeface="Arial"/>
-      <a:defRPr b="0" i="0" sz="1400" u="none" cap="none" strike="noStrike">
+      <a:defRPr sz="1400" b="0" i="0" u="none" strike="noStrike" cap="none">
         <a:solidFill>
           <a:srgbClr val="000000"/>
         </a:solidFill>
@@ -102,7 +103,7 @@
         <a:sym typeface="Arial"/>
       </a:defRPr>
     </a:lvl2pPr>
-    <a:lvl3pPr lvl="2" marR="0" rtl="0" algn="l">
+    <a:lvl3pPr marR="0" lvl="2" algn="l" rtl="0">
       <a:lnSpc>
         <a:spcPct val="100000"/>
       </a:lnSpc>
@@ -116,7 +117,7 @@
         <a:srgbClr val="000000"/>
       </a:buClr>
       <a:buFont typeface="Arial"/>
-      <a:defRPr b="0" i="0" sz="1400" u="none" cap="none" strike="noStrike">
+      <a:defRPr sz="1400" b="0" i="0" u="none" strike="noStrike" cap="none">
         <a:solidFill>
           <a:srgbClr val="000000"/>
         </a:solidFill>
@@ -126,7 +127,7 @@
         <a:sym typeface="Arial"/>
       </a:defRPr>
     </a:lvl3pPr>
-    <a:lvl4pPr lvl="3" marR="0" rtl="0" algn="l">
+    <a:lvl4pPr marR="0" lvl="3" algn="l" rtl="0">
       <a:lnSpc>
         <a:spcPct val="100000"/>
       </a:lnSpc>
@@ -140,7 +141,7 @@
         <a:srgbClr val="000000"/>
       </a:buClr>
       <a:buFont typeface="Arial"/>
-      <a:defRPr b="0" i="0" sz="1400" u="none" cap="none" strike="noStrike">
+      <a:defRPr sz="1400" b="0" i="0" u="none" strike="noStrike" cap="none">
         <a:solidFill>
           <a:srgbClr val="000000"/>
         </a:solidFill>
@@ -150,7 +151,7 @@
         <a:sym typeface="Arial"/>
       </a:defRPr>
     </a:lvl4pPr>
-    <a:lvl5pPr lvl="4" marR="0" rtl="0" algn="l">
+    <a:lvl5pPr marR="0" lvl="4" algn="l" rtl="0">
       <a:lnSpc>
         <a:spcPct val="100000"/>
       </a:lnSpc>
@@ -164,7 +165,7 @@
         <a:srgbClr val="000000"/>
       </a:buClr>
       <a:buFont typeface="Arial"/>
-      <a:defRPr b="0" i="0" sz="1400" u="none" cap="none" strike="noStrike">
+      <a:defRPr sz="1400" b="0" i="0" u="none" strike="noStrike" cap="none">
         <a:solidFill>
           <a:srgbClr val="000000"/>
         </a:solidFill>
@@ -174,7 +175,7 @@
         <a:sym typeface="Arial"/>
       </a:defRPr>
     </a:lvl5pPr>
-    <a:lvl6pPr lvl="5" marR="0" rtl="0" algn="l">
+    <a:lvl6pPr marR="0" lvl="5" algn="l" rtl="0">
       <a:lnSpc>
         <a:spcPct val="100000"/>
       </a:lnSpc>
@@ -188,7 +189,7 @@
         <a:srgbClr val="000000"/>
       </a:buClr>
       <a:buFont typeface="Arial"/>
-      <a:defRPr b="0" i="0" sz="1400" u="none" cap="none" strike="noStrike">
+      <a:defRPr sz="1400" b="0" i="0" u="none" strike="noStrike" cap="none">
         <a:solidFill>
           <a:srgbClr val="000000"/>
         </a:solidFill>
@@ -198,7 +199,7 @@
         <a:sym typeface="Arial"/>
       </a:defRPr>
     </a:lvl6pPr>
-    <a:lvl7pPr lvl="6" marR="0" rtl="0" algn="l">
+    <a:lvl7pPr marR="0" lvl="6" algn="l" rtl="0">
       <a:lnSpc>
         <a:spcPct val="100000"/>
       </a:lnSpc>
@@ -212,7 +213,7 @@
         <a:srgbClr val="000000"/>
       </a:buClr>
       <a:buFont typeface="Arial"/>
-      <a:defRPr b="0" i="0" sz="1400" u="none" cap="none" strike="noStrike">
+      <a:defRPr sz="1400" b="0" i="0" u="none" strike="noStrike" cap="none">
         <a:solidFill>
           <a:srgbClr val="000000"/>
         </a:solidFill>
@@ -222,7 +223,7 @@
         <a:sym typeface="Arial"/>
       </a:defRPr>
     </a:lvl7pPr>
-    <a:lvl8pPr lvl="7" marR="0" rtl="0" algn="l">
+    <a:lvl8pPr marR="0" lvl="7" algn="l" rtl="0">
       <a:lnSpc>
         <a:spcPct val="100000"/>
       </a:lnSpc>
@@ -236,7 +237,7 @@
         <a:srgbClr val="000000"/>
       </a:buClr>
       <a:buFont typeface="Arial"/>
-      <a:defRPr b="0" i="0" sz="1400" u="none" cap="none" strike="noStrike">
+      <a:defRPr sz="1400" b="0" i="0" u="none" strike="noStrike" cap="none">
         <a:solidFill>
           <a:srgbClr val="000000"/>
         </a:solidFill>
@@ -246,7 +247,7 @@
         <a:sym typeface="Arial"/>
       </a:defRPr>
     </a:lvl8pPr>
-    <a:lvl9pPr lvl="8" marR="0" rtl="0" algn="l">
+    <a:lvl9pPr marR="0" lvl="8" algn="l" rtl="0">
       <a:lnSpc>
         <a:spcPct val="100000"/>
       </a:lnSpc>
@@ -260,7 +261,7 @@
         <a:srgbClr val="000000"/>
       </a:buClr>
       <a:buFont typeface="Arial"/>
-      <a:defRPr b="0" i="0" sz="1400" u="none" cap="none" strike="noStrike">
+      <a:defRPr sz="1400" b="0" i="0" u="none" strike="noStrike" cap="none">
         <a:solidFill>
           <a:srgbClr val="000000"/>
         </a:solidFill>
@@ -273,7 +274,7 @@
   </p:defaultTextStyle>
   <p:extLst>
     <p:ext uri="{EFAFB233-063F-42B5-8137-9DF3F51BA10A}">
-      <p15:sldGuideLst>
+      <p15:sldGuideLst xmlns:p15="http://schemas.microsoft.com/office/powerpoint/2012/main">
         <p15:guide id="1" orient="horz" pos="1620">
           <p15:clr>
             <a:srgbClr val="A4A3A4"/>
@@ -291,11 +292,16 @@
 </file>
 
 <file path=ppt/notesMasters/notesMaster1.xml><?xml version="1.0" encoding="utf-8"?>
-<p:notesMaster xmlns:a="http://schemas.openxmlformats.org/drawingml/2006/main" xmlns:r="http://schemas.openxmlformats.org/officeDocument/2006/relationships" xmlns:mc="http://schemas.openxmlformats.org/markup-compatibility/2006" xmlns:mv="urn:schemas-microsoft-com:mac:vml" xmlns:p="http://schemas.openxmlformats.org/presentationml/2006/main" xmlns:c="http://schemas.openxmlformats.org/drawingml/2006/chart" xmlns:dgm="http://schemas.openxmlformats.org/drawingml/2006/diagram" xmlns:o="urn:schemas-microsoft-com:office:office" xmlns:v="urn:schemas-microsoft-com:vml" xmlns:pvml="urn:schemas-microsoft-com:office:powerpoint" xmlns:com="http://schemas.openxmlformats.org/drawingml/2006/compatibility" xmlns:p14="http://schemas.microsoft.com/office/powerpoint/2010/main" xmlns:p15="http://schemas.microsoft.com/office/powerpoint/2012/main">
+<p:notesMaster xmlns:a="http://schemas.openxmlformats.org/drawingml/2006/main" xmlns:r="http://schemas.openxmlformats.org/officeDocument/2006/relationships" xmlns:p="http://schemas.openxmlformats.org/presentationml/2006/main">
   <p:cSld>
+    <p:bg>
+      <p:bgRef idx="1001">
+        <a:schemeClr val="bg1"/>
+      </p:bgRef>
+    </p:bg>
     <p:spTree>
       <p:nvGrpSpPr>
-        <p:cNvPr id="2" name="Shape 2"/>
+        <p:cNvPr id="1" name="Shape 2"/>
         <p:cNvGrpSpPr/>
         <p:nvPr/>
       </p:nvGrpSpPr>
@@ -310,9 +316,11 @@
       <p:sp>
         <p:nvSpPr>
           <p:cNvPr id="3" name="Google Shape;3;n"/>
-          <p:cNvSpPr/>
+          <p:cNvSpPr>
+            <a:spLocks noGrp="1" noRot="1" noChangeAspect="1"/>
+          </p:cNvSpPr>
           <p:nvPr>
-            <p:ph idx="2" type="sldImg"/>
+            <p:ph type="sldImg" idx="2"/>
           </p:nvPr>
         </p:nvSpPr>
         <p:spPr>
@@ -321,9 +329,13 @@
             <a:ext cx="6096075" cy="3429000"/>
           </a:xfrm>
           <a:custGeom>
-            <a:rect b="b" l="l" r="r" t="t"/>
+            <a:avLst/>
+            <a:gdLst/>
+            <a:ahLst/>
+            <a:cxnLst/>
+            <a:rect l="l" t="t" r="r" b="b"/>
             <a:pathLst>
-              <a:path extrusionOk="0" h="120000" w="120000">
+              <a:path w="120000" h="120000" extrusionOk="0">
                 <a:moveTo>
                   <a:pt x="0" y="0"/>
                 </a:moveTo>
@@ -341,23 +353,25 @@
             </a:pathLst>
           </a:custGeom>
           <a:noFill/>
-          <a:ln cap="flat" cmpd="sng" w="9525">
+          <a:ln w="9525" cap="flat" cmpd="sng">
             <a:solidFill>
               <a:srgbClr val="000000"/>
             </a:solidFill>
             <a:prstDash val="solid"/>
             <a:round/>
-            <a:headEnd len="sm" w="sm" type="none"/>
-            <a:tailEnd len="sm" w="sm" type="none"/>
+            <a:headEnd type="none" w="sm" len="sm"/>
+            <a:tailEnd type="none" w="sm" len="sm"/>
           </a:ln>
         </p:spPr>
       </p:sp>
       <p:sp>
         <p:nvSpPr>
           <p:cNvPr id="4" name="Google Shape;4;n"/>
-          <p:cNvSpPr txBox="1"/>
+          <p:cNvSpPr txBox="1">
+            <a:spLocks noGrp="1"/>
+          </p:cNvSpPr>
           <p:nvPr>
-            <p:ph idx="1" type="body"/>
+            <p:ph type="body" idx="1"/>
           </p:nvPr>
         </p:nvSpPr>
         <p:spPr>
@@ -374,9 +388,9 @@
           </a:ln>
         </p:spPr>
         <p:txBody>
-          <a:bodyPr anchorCtr="0" anchor="t" bIns="91425" lIns="91425" spcFirstLastPara="1" rIns="91425" wrap="square" tIns="91425"/>
+          <a:bodyPr spcFirstLastPara="1" wrap="square" lIns="91425" tIns="91425" rIns="91425" bIns="91425" anchor="t" anchorCtr="0"/>
           <a:lstStyle>
-            <a:lvl1pPr indent="-298450" lvl="0" marL="457200">
+            <a:lvl1pPr marL="457200" lvl="0" indent="-298450">
               <a:spcBef>
                 <a:spcPts val="0"/>
               </a:spcBef>
@@ -387,7 +401,7 @@
               <a:buChar char="●"/>
               <a:defRPr sz="1100"/>
             </a:lvl1pPr>
-            <a:lvl2pPr indent="-298450" lvl="1" marL="914400">
+            <a:lvl2pPr marL="914400" lvl="1" indent="-298450">
               <a:spcBef>
                 <a:spcPts val="0"/>
               </a:spcBef>
@@ -398,7 +412,7 @@
               <a:buChar char="○"/>
               <a:defRPr sz="1100"/>
             </a:lvl2pPr>
-            <a:lvl3pPr indent="-298450" lvl="2" marL="1371600">
+            <a:lvl3pPr marL="1371600" lvl="2" indent="-298450">
               <a:spcBef>
                 <a:spcPts val="0"/>
               </a:spcBef>
@@ -409,7 +423,7 @@
               <a:buChar char="■"/>
               <a:defRPr sz="1100"/>
             </a:lvl3pPr>
-            <a:lvl4pPr indent="-298450" lvl="3" marL="1828800">
+            <a:lvl4pPr marL="1828800" lvl="3" indent="-298450">
               <a:spcBef>
                 <a:spcPts val="0"/>
               </a:spcBef>
@@ -420,7 +434,7 @@
               <a:buChar char="●"/>
               <a:defRPr sz="1100"/>
             </a:lvl4pPr>
-            <a:lvl5pPr indent="-298450" lvl="4" marL="2286000">
+            <a:lvl5pPr marL="2286000" lvl="4" indent="-298450">
               <a:spcBef>
                 <a:spcPts val="0"/>
               </a:spcBef>
@@ -431,7 +445,7 @@
               <a:buChar char="○"/>
               <a:defRPr sz="1100"/>
             </a:lvl5pPr>
-            <a:lvl6pPr indent="-298450" lvl="5" marL="2743200">
+            <a:lvl6pPr marL="2743200" lvl="5" indent="-298450">
               <a:spcBef>
                 <a:spcPts val="0"/>
               </a:spcBef>
@@ -442,7 +456,7 @@
               <a:buChar char="■"/>
               <a:defRPr sz="1100"/>
             </a:lvl6pPr>
-            <a:lvl7pPr indent="-298450" lvl="6" marL="3200400">
+            <a:lvl7pPr marL="3200400" lvl="6" indent="-298450">
               <a:spcBef>
                 <a:spcPts val="0"/>
               </a:spcBef>
@@ -453,7 +467,7 @@
               <a:buChar char="●"/>
               <a:defRPr sz="1100"/>
             </a:lvl7pPr>
-            <a:lvl8pPr indent="-298450" lvl="7" marL="3657600">
+            <a:lvl8pPr marL="3657600" lvl="7" indent="-298450">
               <a:spcBef>
                 <a:spcPts val="0"/>
               </a:spcBef>
@@ -464,7 +478,7 @@
               <a:buChar char="○"/>
               <a:defRPr sz="1100"/>
             </a:lvl8pPr>
-            <a:lvl9pPr indent="-298450" lvl="8" marL="4114800">
+            <a:lvl9pPr marL="4114800" lvl="8" indent="-298450">
               <a:spcBef>
                 <a:spcPts val="0"/>
               </a:spcBef>
@@ -476,14 +490,16 @@
               <a:defRPr sz="1100"/>
             </a:lvl9pPr>
           </a:lstStyle>
-          <a:p/>
+          <a:p>
+            <a:endParaRPr/>
+          </a:p>
         </p:txBody>
       </p:sp>
     </p:spTree>
   </p:cSld>
-  <p:clrMap accent1="accent1" accent2="accent2" accent3="accent3" accent4="accent4" accent5="accent5" accent6="accent6" bg1="lt1" bg2="dk2" tx1="dk1" tx2="lt2" folHlink="folHlink" hlink="hlink"/>
+  <p:clrMap bg1="lt1" tx1="dk1" bg2="dk2" tx2="lt2" accent1="accent1" accent2="accent2" accent3="accent3" accent4="accent4" accent5="accent5" accent6="accent6" hlink="hlink" folHlink="folHlink"/>
   <p:notesStyle>
-    <a:defPPr lvl="0" marR="0" rtl="0" algn="l">
+    <a:defPPr marR="0" lvl="0" algn="l" rtl="0">
       <a:lnSpc>
         <a:spcPct val="100000"/>
       </a:lnSpc>
@@ -494,7 +510,7 @@
         <a:spcPts val="0"/>
       </a:spcAft>
     </a:defPPr>
-    <a:lvl1pPr lvl="0" marR="0" rtl="0" algn="l">
+    <a:lvl1pPr marR="0" lvl="0" algn="l" rtl="0">
       <a:lnSpc>
         <a:spcPct val="100000"/>
       </a:lnSpc>
@@ -508,7 +524,7 @@
         <a:srgbClr val="000000"/>
       </a:buClr>
       <a:buFont typeface="Arial"/>
-      <a:defRPr b="0" i="0" sz="1400" u="none" cap="none" strike="noStrike">
+      <a:defRPr sz="1400" b="0" i="0" u="none" strike="noStrike" cap="none">
         <a:solidFill>
           <a:srgbClr val="000000"/>
         </a:solidFill>
@@ -518,7 +534,7 @@
         <a:sym typeface="Arial"/>
       </a:defRPr>
     </a:lvl1pPr>
-    <a:lvl2pPr lvl="1" marR="0" rtl="0" algn="l">
+    <a:lvl2pPr marR="0" lvl="1" algn="l" rtl="0">
       <a:lnSpc>
         <a:spcPct val="100000"/>
       </a:lnSpc>
@@ -532,7 +548,7 @@
         <a:srgbClr val="000000"/>
       </a:buClr>
       <a:buFont typeface="Arial"/>
-      <a:defRPr b="0" i="0" sz="1400" u="none" cap="none" strike="noStrike">
+      <a:defRPr sz="1400" b="0" i="0" u="none" strike="noStrike" cap="none">
         <a:solidFill>
           <a:srgbClr val="000000"/>
         </a:solidFill>
@@ -542,7 +558,7 @@
         <a:sym typeface="Arial"/>
       </a:defRPr>
     </a:lvl2pPr>
-    <a:lvl3pPr lvl="2" marR="0" rtl="0" algn="l">
+    <a:lvl3pPr marR="0" lvl="2" algn="l" rtl="0">
       <a:lnSpc>
         <a:spcPct val="100000"/>
       </a:lnSpc>
@@ -556,7 +572,7 @@
         <a:srgbClr val="000000"/>
       </a:buClr>
       <a:buFont typeface="Arial"/>
-      <a:defRPr b="0" i="0" sz="1400" u="none" cap="none" strike="noStrike">
+      <a:defRPr sz="1400" b="0" i="0" u="none" strike="noStrike" cap="none">
         <a:solidFill>
           <a:srgbClr val="000000"/>
         </a:solidFill>
@@ -566,7 +582,7 @@
         <a:sym typeface="Arial"/>
       </a:defRPr>
     </a:lvl3pPr>
-    <a:lvl4pPr lvl="3" marR="0" rtl="0" algn="l">
+    <a:lvl4pPr marR="0" lvl="3" algn="l" rtl="0">
       <a:lnSpc>
         <a:spcPct val="100000"/>
       </a:lnSpc>
@@ -580,7 +596,7 @@
         <a:srgbClr val="000000"/>
       </a:buClr>
       <a:buFont typeface="Arial"/>
-      <a:defRPr b="0" i="0" sz="1400" u="none" cap="none" strike="noStrike">
+      <a:defRPr sz="1400" b="0" i="0" u="none" strike="noStrike" cap="none">
         <a:solidFill>
           <a:srgbClr val="000000"/>
         </a:solidFill>
@@ -590,7 +606,7 @@
         <a:sym typeface="Arial"/>
       </a:defRPr>
     </a:lvl4pPr>
-    <a:lvl5pPr lvl="4" marR="0" rtl="0" algn="l">
+    <a:lvl5pPr marR="0" lvl="4" algn="l" rtl="0">
       <a:lnSpc>
         <a:spcPct val="100000"/>
       </a:lnSpc>
@@ -604,7 +620,7 @@
         <a:srgbClr val="000000"/>
       </a:buClr>
       <a:buFont typeface="Arial"/>
-      <a:defRPr b="0" i="0" sz="1400" u="none" cap="none" strike="noStrike">
+      <a:defRPr sz="1400" b="0" i="0" u="none" strike="noStrike" cap="none">
         <a:solidFill>
           <a:srgbClr val="000000"/>
         </a:solidFill>
@@ -614,7 +630,7 @@
         <a:sym typeface="Arial"/>
       </a:defRPr>
     </a:lvl5pPr>
-    <a:lvl6pPr lvl="5" marR="0" rtl="0" algn="l">
+    <a:lvl6pPr marR="0" lvl="5" algn="l" rtl="0">
       <a:lnSpc>
         <a:spcPct val="100000"/>
       </a:lnSpc>
@@ -628,7 +644,7 @@
         <a:srgbClr val="000000"/>
       </a:buClr>
       <a:buFont typeface="Arial"/>
-      <a:defRPr b="0" i="0" sz="1400" u="none" cap="none" strike="noStrike">
+      <a:defRPr sz="1400" b="0" i="0" u="none" strike="noStrike" cap="none">
         <a:solidFill>
           <a:srgbClr val="000000"/>
         </a:solidFill>
@@ -638,7 +654,7 @@
         <a:sym typeface="Arial"/>
       </a:defRPr>
     </a:lvl6pPr>
-    <a:lvl7pPr lvl="6" marR="0" rtl="0" algn="l">
+    <a:lvl7pPr marR="0" lvl="6" algn="l" rtl="0">
       <a:lnSpc>
         <a:spcPct val="100000"/>
       </a:lnSpc>
@@ -652,7 +668,7 @@
         <a:srgbClr val="000000"/>
       </a:buClr>
       <a:buFont typeface="Arial"/>
-      <a:defRPr b="0" i="0" sz="1400" u="none" cap="none" strike="noStrike">
+      <a:defRPr sz="1400" b="0" i="0" u="none" strike="noStrike" cap="none">
         <a:solidFill>
           <a:srgbClr val="000000"/>
         </a:solidFill>
@@ -662,7 +678,7 @@
         <a:sym typeface="Arial"/>
       </a:defRPr>
     </a:lvl7pPr>
-    <a:lvl8pPr lvl="7" marR="0" rtl="0" algn="l">
+    <a:lvl8pPr marR="0" lvl="7" algn="l" rtl="0">
       <a:lnSpc>
         <a:spcPct val="100000"/>
       </a:lnSpc>
@@ -676,7 +692,7 @@
         <a:srgbClr val="000000"/>
       </a:buClr>
       <a:buFont typeface="Arial"/>
-      <a:defRPr b="0" i="0" sz="1400" u="none" cap="none" strike="noStrike">
+      <a:defRPr sz="1400" b="0" i="0" u="none" strike="noStrike" cap="none">
         <a:solidFill>
           <a:srgbClr val="000000"/>
         </a:solidFill>
@@ -686,7 +702,7 @@
         <a:sym typeface="Arial"/>
       </a:defRPr>
     </a:lvl8pPr>
-    <a:lvl9pPr lvl="8" marR="0" rtl="0" algn="l">
+    <a:lvl9pPr marR="0" lvl="8" algn="l" rtl="0">
       <a:lnSpc>
         <a:spcPct val="100000"/>
       </a:lnSpc>
@@ -700,7 +716,7 @@
         <a:srgbClr val="000000"/>
       </a:buClr>
       <a:buFont typeface="Arial"/>
-      <a:defRPr b="0" i="0" sz="1400" u="none" cap="none" strike="noStrike">
+      <a:defRPr sz="1400" b="0" i="0" u="none" strike="noStrike" cap="none">
         <a:solidFill>
           <a:srgbClr val="000000"/>
         </a:solidFill>
@@ -715,11 +731,11 @@
 </file>
 
 <file path=ppt/notesSlides/notesSlide1.xml><?xml version="1.0" encoding="utf-8"?>
-<p:notes xmlns:a="http://schemas.openxmlformats.org/drawingml/2006/main" xmlns:r="http://schemas.openxmlformats.org/officeDocument/2006/relationships" xmlns:mc="http://schemas.openxmlformats.org/markup-compatibility/2006" xmlns:mv="urn:schemas-microsoft-com:mac:vml" xmlns:p="http://schemas.openxmlformats.org/presentationml/2006/main" xmlns:c="http://schemas.openxmlformats.org/drawingml/2006/chart" xmlns:dgm="http://schemas.openxmlformats.org/drawingml/2006/diagram" xmlns:o="urn:schemas-microsoft-com:office:office" xmlns:v="urn:schemas-microsoft-com:vml" xmlns:pvml="urn:schemas-microsoft-com:office:powerpoint" xmlns:com="http://schemas.openxmlformats.org/drawingml/2006/compatibility" xmlns:p14="http://schemas.microsoft.com/office/powerpoint/2010/main" xmlns:p15="http://schemas.microsoft.com/office/powerpoint/2012/main" showMasterPhAnim="0" showMasterSp="0">
+<p:notes xmlns:a="http://schemas.openxmlformats.org/drawingml/2006/main" xmlns:r="http://schemas.openxmlformats.org/officeDocument/2006/relationships" xmlns:p="http://schemas.openxmlformats.org/presentationml/2006/main" showMasterSp="0" showMasterPhAnim="0">
   <p:cSld>
     <p:spTree>
       <p:nvGrpSpPr>
-        <p:cNvPr id="82" name="Shape 82"/>
+        <p:cNvPr id="1" name="Shape 82"/>
         <p:cNvGrpSpPr/>
         <p:nvPr/>
       </p:nvGrpSpPr>
@@ -734,9 +750,11 @@
       <p:sp>
         <p:nvSpPr>
           <p:cNvPr id="83" name="Google Shape;83;p:notes"/>
-          <p:cNvSpPr/>
+          <p:cNvSpPr>
+            <a:spLocks noGrp="1" noRot="1" noChangeAspect="1"/>
+          </p:cNvSpPr>
           <p:nvPr>
-            <p:ph idx="2" type="sldImg"/>
+            <p:ph type="sldImg" idx="2"/>
           </p:nvPr>
         </p:nvSpPr>
         <p:spPr>
@@ -745,9 +763,13 @@
             <a:ext cx="6096075" cy="3429000"/>
           </a:xfrm>
           <a:custGeom>
-            <a:rect b="b" l="l" r="r" t="t"/>
+            <a:avLst/>
+            <a:gdLst/>
+            <a:ahLst/>
+            <a:cxnLst/>
+            <a:rect l="l" t="t" r="r" b="b"/>
             <a:pathLst>
-              <a:path extrusionOk="0" h="120000" w="120000">
+              <a:path w="120000" h="120000" extrusionOk="0">
                 <a:moveTo>
                   <a:pt x="0" y="0"/>
                 </a:moveTo>
@@ -769,9 +791,11 @@
       <p:sp>
         <p:nvSpPr>
           <p:cNvPr id="84" name="Google Shape;84;p:notes"/>
-          <p:cNvSpPr txBox="1"/>
+          <p:cNvSpPr txBox="1">
+            <a:spLocks noGrp="1"/>
+          </p:cNvSpPr>
           <p:nvPr>
-            <p:ph idx="1" type="body"/>
+            <p:ph type="body" idx="1"/>
           </p:nvPr>
         </p:nvSpPr>
         <p:spPr>
@@ -784,12 +808,12 @@
           </a:prstGeom>
         </p:spPr>
         <p:txBody>
-          <a:bodyPr anchorCtr="0" anchor="t" bIns="91425" lIns="91425" spcFirstLastPara="1" rIns="91425" wrap="square" tIns="91425">
+          <a:bodyPr spcFirstLastPara="1" wrap="square" lIns="91425" tIns="91425" rIns="91425" bIns="91425" anchor="t" anchorCtr="0">
             <a:noAutofit/>
           </a:bodyPr>
           <a:lstStyle/>
           <a:p>
-            <a:pPr indent="0" lvl="0" marL="0" rtl="0" algn="l">
+            <a:pPr marL="0" lvl="0" indent="0" algn="l" rtl="0">
               <a:spcBef>
                 <a:spcPts val="0"/>
               </a:spcBef>
@@ -798,9 +822,6 @@
               </a:spcAft>
               <a:buNone/>
             </a:pPr>
-            <a:r>
-              <a:t/>
-            </a:r>
             <a:endParaRPr/>
           </a:p>
         </p:txBody>
@@ -814,11 +835,11 @@
 </file>
 
 <file path=ppt/notesSlides/notesSlide10.xml><?xml version="1.0" encoding="utf-8"?>
-<p:notes xmlns:a="http://schemas.openxmlformats.org/drawingml/2006/main" xmlns:r="http://schemas.openxmlformats.org/officeDocument/2006/relationships" xmlns:mc="http://schemas.openxmlformats.org/markup-compatibility/2006" xmlns:mv="urn:schemas-microsoft-com:mac:vml" xmlns:p="http://schemas.openxmlformats.org/presentationml/2006/main" xmlns:c="http://schemas.openxmlformats.org/drawingml/2006/chart" xmlns:dgm="http://schemas.openxmlformats.org/drawingml/2006/diagram" xmlns:o="urn:schemas-microsoft-com:office:office" xmlns:v="urn:schemas-microsoft-com:vml" xmlns:pvml="urn:schemas-microsoft-com:office:powerpoint" xmlns:com="http://schemas.openxmlformats.org/drawingml/2006/compatibility" xmlns:p14="http://schemas.microsoft.com/office/powerpoint/2010/main" xmlns:p15="http://schemas.microsoft.com/office/powerpoint/2012/main" showMasterPhAnim="0" showMasterSp="0">
+<p:notes xmlns:a="http://schemas.openxmlformats.org/drawingml/2006/main" xmlns:r="http://schemas.openxmlformats.org/officeDocument/2006/relationships" xmlns:p="http://schemas.openxmlformats.org/presentationml/2006/main" showMasterSp="0" showMasterPhAnim="0">
   <p:cSld>
     <p:spTree>
       <p:nvGrpSpPr>
-        <p:cNvPr id="141" name="Shape 141"/>
+        <p:cNvPr id="1" name="Shape 141"/>
         <p:cNvGrpSpPr/>
         <p:nvPr/>
       </p:nvGrpSpPr>
@@ -833,9 +854,11 @@
       <p:sp>
         <p:nvSpPr>
           <p:cNvPr id="142" name="Google Shape;142;g557a8cbc1f_0_372:notes"/>
-          <p:cNvSpPr/>
+          <p:cNvSpPr>
+            <a:spLocks noGrp="1" noRot="1" noChangeAspect="1"/>
+          </p:cNvSpPr>
           <p:nvPr>
-            <p:ph idx="2" type="sldImg"/>
+            <p:ph type="sldImg" idx="2"/>
           </p:nvPr>
         </p:nvSpPr>
         <p:spPr>
@@ -844,9 +867,13 @@
             <a:ext cx="6096000" cy="3429000"/>
           </a:xfrm>
           <a:custGeom>
-            <a:rect b="b" l="l" r="r" t="t"/>
+            <a:avLst/>
+            <a:gdLst/>
+            <a:ahLst/>
+            <a:cxnLst/>
+            <a:rect l="l" t="t" r="r" b="b"/>
             <a:pathLst>
-              <a:path extrusionOk="0" h="120000" w="120000">
+              <a:path w="120000" h="120000" extrusionOk="0">
                 <a:moveTo>
                   <a:pt x="0" y="0"/>
                 </a:moveTo>
@@ -868,9 +895,11 @@
       <p:sp>
         <p:nvSpPr>
           <p:cNvPr id="143" name="Google Shape;143;g557a8cbc1f_0_372:notes"/>
-          <p:cNvSpPr txBox="1"/>
+          <p:cNvSpPr txBox="1">
+            <a:spLocks noGrp="1"/>
+          </p:cNvSpPr>
           <p:nvPr>
-            <p:ph idx="1" type="body"/>
+            <p:ph type="body" idx="1"/>
           </p:nvPr>
         </p:nvSpPr>
         <p:spPr>
@@ -883,12 +912,12 @@
           </a:prstGeom>
         </p:spPr>
         <p:txBody>
-          <a:bodyPr anchorCtr="0" anchor="t" bIns="91425" lIns="91425" spcFirstLastPara="1" rIns="91425" wrap="square" tIns="91425">
+          <a:bodyPr spcFirstLastPara="1" wrap="square" lIns="91425" tIns="91425" rIns="91425" bIns="91425" anchor="t" anchorCtr="0">
             <a:noAutofit/>
           </a:bodyPr>
           <a:lstStyle/>
           <a:p>
-            <a:pPr indent="0" lvl="0" marL="0" rtl="0" algn="l">
+            <a:pPr marL="0" lvl="0" indent="0" algn="l" rtl="0">
               <a:spcBef>
                 <a:spcPts val="0"/>
               </a:spcBef>
@@ -897,9 +926,6 @@
               </a:spcAft>
               <a:buNone/>
             </a:pPr>
-            <a:r>
-              <a:t/>
-            </a:r>
             <a:endParaRPr/>
           </a:p>
         </p:txBody>
@@ -913,11 +939,11 @@
 </file>
 
 <file path=ppt/notesSlides/notesSlide11.xml><?xml version="1.0" encoding="utf-8"?>
-<p:notes xmlns:a="http://schemas.openxmlformats.org/drawingml/2006/main" xmlns:r="http://schemas.openxmlformats.org/officeDocument/2006/relationships" xmlns:mc="http://schemas.openxmlformats.org/markup-compatibility/2006" xmlns:mv="urn:schemas-microsoft-com:mac:vml" xmlns:p="http://schemas.openxmlformats.org/presentationml/2006/main" xmlns:c="http://schemas.openxmlformats.org/drawingml/2006/chart" xmlns:dgm="http://schemas.openxmlformats.org/drawingml/2006/diagram" xmlns:o="urn:schemas-microsoft-com:office:office" xmlns:v="urn:schemas-microsoft-com:vml" xmlns:pvml="urn:schemas-microsoft-com:office:powerpoint" xmlns:com="http://schemas.openxmlformats.org/drawingml/2006/compatibility" xmlns:p14="http://schemas.microsoft.com/office/powerpoint/2010/main" xmlns:p15="http://schemas.microsoft.com/office/powerpoint/2012/main" showMasterPhAnim="0" showMasterSp="0">
+<p:notes xmlns:a="http://schemas.openxmlformats.org/drawingml/2006/main" xmlns:r="http://schemas.openxmlformats.org/officeDocument/2006/relationships" xmlns:p="http://schemas.openxmlformats.org/presentationml/2006/main" showMasterSp="0" showMasterPhAnim="0">
   <p:cSld>
     <p:spTree>
       <p:nvGrpSpPr>
-        <p:cNvPr id="148" name="Shape 148"/>
+        <p:cNvPr id="1" name="Shape 148"/>
         <p:cNvGrpSpPr/>
         <p:nvPr/>
       </p:nvGrpSpPr>
@@ -932,9 +958,11 @@
       <p:sp>
         <p:nvSpPr>
           <p:cNvPr id="149" name="Google Shape;149;g557a8cbc1f_0_378:notes"/>
-          <p:cNvSpPr/>
+          <p:cNvSpPr>
+            <a:spLocks noGrp="1" noRot="1" noChangeAspect="1"/>
+          </p:cNvSpPr>
           <p:nvPr>
-            <p:ph idx="2" type="sldImg"/>
+            <p:ph type="sldImg" idx="2"/>
           </p:nvPr>
         </p:nvSpPr>
         <p:spPr>
@@ -943,9 +971,13 @@
             <a:ext cx="6096000" cy="3429000"/>
           </a:xfrm>
           <a:custGeom>
-            <a:rect b="b" l="l" r="r" t="t"/>
+            <a:avLst/>
+            <a:gdLst/>
+            <a:ahLst/>
+            <a:cxnLst/>
+            <a:rect l="l" t="t" r="r" b="b"/>
             <a:pathLst>
-              <a:path extrusionOk="0" h="120000" w="120000">
+              <a:path w="120000" h="120000" extrusionOk="0">
                 <a:moveTo>
                   <a:pt x="0" y="0"/>
                 </a:moveTo>
@@ -967,9 +999,11 @@
       <p:sp>
         <p:nvSpPr>
           <p:cNvPr id="150" name="Google Shape;150;g557a8cbc1f_0_378:notes"/>
-          <p:cNvSpPr txBox="1"/>
+          <p:cNvSpPr txBox="1">
+            <a:spLocks noGrp="1"/>
+          </p:cNvSpPr>
           <p:nvPr>
-            <p:ph idx="1" type="body"/>
+            <p:ph type="body" idx="1"/>
           </p:nvPr>
         </p:nvSpPr>
         <p:spPr>
@@ -982,12 +1016,12 @@
           </a:prstGeom>
         </p:spPr>
         <p:txBody>
-          <a:bodyPr anchorCtr="0" anchor="t" bIns="91425" lIns="91425" spcFirstLastPara="1" rIns="91425" wrap="square" tIns="91425">
+          <a:bodyPr spcFirstLastPara="1" wrap="square" lIns="91425" tIns="91425" rIns="91425" bIns="91425" anchor="t" anchorCtr="0">
             <a:noAutofit/>
           </a:bodyPr>
           <a:lstStyle/>
           <a:p>
-            <a:pPr indent="0" lvl="0" marL="0" rtl="0" algn="l">
+            <a:pPr marL="0" lvl="0" indent="0" algn="l" rtl="0">
               <a:spcBef>
                 <a:spcPts val="0"/>
               </a:spcBef>
@@ -996,9 +1030,6 @@
               </a:spcAft>
               <a:buNone/>
             </a:pPr>
-            <a:r>
-              <a:t/>
-            </a:r>
             <a:endParaRPr/>
           </a:p>
         </p:txBody>
@@ -1012,11 +1043,11 @@
 </file>
 
 <file path=ppt/notesSlides/notesSlide12.xml><?xml version="1.0" encoding="utf-8"?>
-<p:notes xmlns:a="http://schemas.openxmlformats.org/drawingml/2006/main" xmlns:r="http://schemas.openxmlformats.org/officeDocument/2006/relationships" xmlns:mc="http://schemas.openxmlformats.org/markup-compatibility/2006" xmlns:mv="urn:schemas-microsoft-com:mac:vml" xmlns:p="http://schemas.openxmlformats.org/presentationml/2006/main" xmlns:c="http://schemas.openxmlformats.org/drawingml/2006/chart" xmlns:dgm="http://schemas.openxmlformats.org/drawingml/2006/diagram" xmlns:o="urn:schemas-microsoft-com:office:office" xmlns:v="urn:schemas-microsoft-com:vml" xmlns:pvml="urn:schemas-microsoft-com:office:powerpoint" xmlns:com="http://schemas.openxmlformats.org/drawingml/2006/compatibility" xmlns:p14="http://schemas.microsoft.com/office/powerpoint/2010/main" xmlns:p15="http://schemas.microsoft.com/office/powerpoint/2012/main" showMasterPhAnim="0" showMasterSp="0">
+<p:notes xmlns:a="http://schemas.openxmlformats.org/drawingml/2006/main" xmlns:r="http://schemas.openxmlformats.org/officeDocument/2006/relationships" xmlns:p="http://schemas.openxmlformats.org/presentationml/2006/main" showMasterSp="0" showMasterPhAnim="0">
   <p:cSld>
     <p:spTree>
       <p:nvGrpSpPr>
-        <p:cNvPr id="155" name="Shape 155"/>
+        <p:cNvPr id="1" name="Shape 155"/>
         <p:cNvGrpSpPr/>
         <p:nvPr/>
       </p:nvGrpSpPr>
@@ -1031,9 +1062,11 @@
       <p:sp>
         <p:nvSpPr>
           <p:cNvPr id="156" name="Google Shape;156;g557a8cbc1f_0_328:notes"/>
-          <p:cNvSpPr/>
+          <p:cNvSpPr>
+            <a:spLocks noGrp="1" noRot="1" noChangeAspect="1"/>
+          </p:cNvSpPr>
           <p:nvPr>
-            <p:ph idx="2" type="sldImg"/>
+            <p:ph type="sldImg" idx="2"/>
           </p:nvPr>
         </p:nvSpPr>
         <p:spPr>
@@ -1042,9 +1075,13 @@
             <a:ext cx="6096000" cy="3429000"/>
           </a:xfrm>
           <a:custGeom>
-            <a:rect b="b" l="l" r="r" t="t"/>
+            <a:avLst/>
+            <a:gdLst/>
+            <a:ahLst/>
+            <a:cxnLst/>
+            <a:rect l="l" t="t" r="r" b="b"/>
             <a:pathLst>
-              <a:path extrusionOk="0" h="120000" w="120000">
+              <a:path w="120000" h="120000" extrusionOk="0">
                 <a:moveTo>
                   <a:pt x="0" y="0"/>
                 </a:moveTo>
@@ -1066,9 +1103,11 @@
       <p:sp>
         <p:nvSpPr>
           <p:cNvPr id="157" name="Google Shape;157;g557a8cbc1f_0_328:notes"/>
-          <p:cNvSpPr txBox="1"/>
+          <p:cNvSpPr txBox="1">
+            <a:spLocks noGrp="1"/>
+          </p:cNvSpPr>
           <p:nvPr>
-            <p:ph idx="1" type="body"/>
+            <p:ph type="body" idx="1"/>
           </p:nvPr>
         </p:nvSpPr>
         <p:spPr>
@@ -1081,12 +1120,12 @@
           </a:prstGeom>
         </p:spPr>
         <p:txBody>
-          <a:bodyPr anchorCtr="0" anchor="t" bIns="91425" lIns="91425" spcFirstLastPara="1" rIns="91425" wrap="square" tIns="91425">
+          <a:bodyPr spcFirstLastPara="1" wrap="square" lIns="91425" tIns="91425" rIns="91425" bIns="91425" anchor="t" anchorCtr="0">
             <a:noAutofit/>
           </a:bodyPr>
           <a:lstStyle/>
           <a:p>
-            <a:pPr indent="0" lvl="0" marL="0" rtl="0" algn="l">
+            <a:pPr marL="0" lvl="0" indent="0" algn="l" rtl="0">
               <a:spcBef>
                 <a:spcPts val="0"/>
               </a:spcBef>
@@ -1095,9 +1134,6 @@
               </a:spcAft>
               <a:buNone/>
             </a:pPr>
-            <a:r>
-              <a:t/>
-            </a:r>
             <a:endParaRPr/>
           </a:p>
         </p:txBody>
@@ -1111,11 +1147,11 @@
 </file>
 
 <file path=ppt/notesSlides/notesSlide13.xml><?xml version="1.0" encoding="utf-8"?>
-<p:notes xmlns:a="http://schemas.openxmlformats.org/drawingml/2006/main" xmlns:r="http://schemas.openxmlformats.org/officeDocument/2006/relationships" xmlns:mc="http://schemas.openxmlformats.org/markup-compatibility/2006" xmlns:mv="urn:schemas-microsoft-com:mac:vml" xmlns:p="http://schemas.openxmlformats.org/presentationml/2006/main" xmlns:c="http://schemas.openxmlformats.org/drawingml/2006/chart" xmlns:dgm="http://schemas.openxmlformats.org/drawingml/2006/diagram" xmlns:o="urn:schemas-microsoft-com:office:office" xmlns:v="urn:schemas-microsoft-com:vml" xmlns:pvml="urn:schemas-microsoft-com:office:powerpoint" xmlns:com="http://schemas.openxmlformats.org/drawingml/2006/compatibility" xmlns:p14="http://schemas.microsoft.com/office/powerpoint/2010/main" xmlns:p15="http://schemas.microsoft.com/office/powerpoint/2012/main" showMasterPhAnim="0" showMasterSp="0">
+<p:notes xmlns:a="http://schemas.openxmlformats.org/drawingml/2006/main" xmlns:r="http://schemas.openxmlformats.org/officeDocument/2006/relationships" xmlns:p="http://schemas.openxmlformats.org/presentationml/2006/main" showMasterSp="0" showMasterPhAnim="0">
   <p:cSld>
     <p:spTree>
       <p:nvGrpSpPr>
-        <p:cNvPr id="162" name="Shape 162"/>
+        <p:cNvPr id="1" name="Shape 162"/>
         <p:cNvGrpSpPr/>
         <p:nvPr/>
       </p:nvGrpSpPr>
@@ -1130,9 +1166,11 @@
       <p:sp>
         <p:nvSpPr>
           <p:cNvPr id="163" name="Google Shape;163;g557a8cbc1f_0_385:notes"/>
-          <p:cNvSpPr/>
+          <p:cNvSpPr>
+            <a:spLocks noGrp="1" noRot="1" noChangeAspect="1"/>
+          </p:cNvSpPr>
           <p:nvPr>
-            <p:ph idx="2" type="sldImg"/>
+            <p:ph type="sldImg" idx="2"/>
           </p:nvPr>
         </p:nvSpPr>
         <p:spPr>
@@ -1141,9 +1179,13 @@
             <a:ext cx="6096000" cy="3429000"/>
           </a:xfrm>
           <a:custGeom>
-            <a:rect b="b" l="l" r="r" t="t"/>
+            <a:avLst/>
+            <a:gdLst/>
+            <a:ahLst/>
+            <a:cxnLst/>
+            <a:rect l="l" t="t" r="r" b="b"/>
             <a:pathLst>
-              <a:path extrusionOk="0" h="120000" w="120000">
+              <a:path w="120000" h="120000" extrusionOk="0">
                 <a:moveTo>
                   <a:pt x="0" y="0"/>
                 </a:moveTo>
@@ -1165,9 +1207,11 @@
       <p:sp>
         <p:nvSpPr>
           <p:cNvPr id="164" name="Google Shape;164;g557a8cbc1f_0_385:notes"/>
-          <p:cNvSpPr txBox="1"/>
+          <p:cNvSpPr txBox="1">
+            <a:spLocks noGrp="1"/>
+          </p:cNvSpPr>
           <p:nvPr>
-            <p:ph idx="1" type="body"/>
+            <p:ph type="body" idx="1"/>
           </p:nvPr>
         </p:nvSpPr>
         <p:spPr>
@@ -1180,12 +1224,12 @@
           </a:prstGeom>
         </p:spPr>
         <p:txBody>
-          <a:bodyPr anchorCtr="0" anchor="t" bIns="91425" lIns="91425" spcFirstLastPara="1" rIns="91425" wrap="square" tIns="91425">
+          <a:bodyPr spcFirstLastPara="1" wrap="square" lIns="91425" tIns="91425" rIns="91425" bIns="91425" anchor="t" anchorCtr="0">
             <a:noAutofit/>
           </a:bodyPr>
           <a:lstStyle/>
           <a:p>
-            <a:pPr indent="0" lvl="0" marL="0" rtl="0" algn="l">
+            <a:pPr marL="0" lvl="0" indent="0" algn="l" rtl="0">
               <a:spcBef>
                 <a:spcPts val="0"/>
               </a:spcBef>
@@ -1194,9 +1238,6 @@
               </a:spcAft>
               <a:buNone/>
             </a:pPr>
-            <a:r>
-              <a:t/>
-            </a:r>
             <a:endParaRPr/>
           </a:p>
         </p:txBody>
@@ -1210,11 +1251,11 @@
 </file>
 
 <file path=ppt/notesSlides/notesSlide14.xml><?xml version="1.0" encoding="utf-8"?>
-<p:notes xmlns:a="http://schemas.openxmlformats.org/drawingml/2006/main" xmlns:r="http://schemas.openxmlformats.org/officeDocument/2006/relationships" xmlns:mc="http://schemas.openxmlformats.org/markup-compatibility/2006" xmlns:mv="urn:schemas-microsoft-com:mac:vml" xmlns:p="http://schemas.openxmlformats.org/presentationml/2006/main" xmlns:c="http://schemas.openxmlformats.org/drawingml/2006/chart" xmlns:dgm="http://schemas.openxmlformats.org/drawingml/2006/diagram" xmlns:o="urn:schemas-microsoft-com:office:office" xmlns:v="urn:schemas-microsoft-com:vml" xmlns:pvml="urn:schemas-microsoft-com:office:powerpoint" xmlns:com="http://schemas.openxmlformats.org/drawingml/2006/compatibility" xmlns:p14="http://schemas.microsoft.com/office/powerpoint/2010/main" xmlns:p15="http://schemas.microsoft.com/office/powerpoint/2012/main" showMasterPhAnim="0" showMasterSp="0">
+<p:notes xmlns:a="http://schemas.openxmlformats.org/drawingml/2006/main" xmlns:r="http://schemas.openxmlformats.org/officeDocument/2006/relationships" xmlns:p="http://schemas.openxmlformats.org/presentationml/2006/main" showMasterSp="0" showMasterPhAnim="0">
   <p:cSld>
     <p:spTree>
       <p:nvGrpSpPr>
-        <p:cNvPr id="169" name="Shape 169"/>
+        <p:cNvPr id="1" name="Shape 169"/>
         <p:cNvGrpSpPr/>
         <p:nvPr/>
       </p:nvGrpSpPr>
@@ -1229,9 +1270,11 @@
       <p:sp>
         <p:nvSpPr>
           <p:cNvPr id="170" name="Google Shape;170;g557a8cbc1f_0_333:notes"/>
-          <p:cNvSpPr/>
+          <p:cNvSpPr>
+            <a:spLocks noGrp="1" noRot="1" noChangeAspect="1"/>
+          </p:cNvSpPr>
           <p:nvPr>
-            <p:ph idx="2" type="sldImg"/>
+            <p:ph type="sldImg" idx="2"/>
           </p:nvPr>
         </p:nvSpPr>
         <p:spPr>
@@ -1240,9 +1283,13 @@
             <a:ext cx="6096000" cy="3429000"/>
           </a:xfrm>
           <a:custGeom>
-            <a:rect b="b" l="l" r="r" t="t"/>
+            <a:avLst/>
+            <a:gdLst/>
+            <a:ahLst/>
+            <a:cxnLst/>
+            <a:rect l="l" t="t" r="r" b="b"/>
             <a:pathLst>
-              <a:path extrusionOk="0" h="120000" w="120000">
+              <a:path w="120000" h="120000" extrusionOk="0">
                 <a:moveTo>
                   <a:pt x="0" y="0"/>
                 </a:moveTo>
@@ -1264,9 +1311,11 @@
       <p:sp>
         <p:nvSpPr>
           <p:cNvPr id="171" name="Google Shape;171;g557a8cbc1f_0_333:notes"/>
-          <p:cNvSpPr txBox="1"/>
+          <p:cNvSpPr txBox="1">
+            <a:spLocks noGrp="1"/>
+          </p:cNvSpPr>
           <p:nvPr>
-            <p:ph idx="1" type="body"/>
+            <p:ph type="body" idx="1"/>
           </p:nvPr>
         </p:nvSpPr>
         <p:spPr>
@@ -1279,12 +1328,12 @@
           </a:prstGeom>
         </p:spPr>
         <p:txBody>
-          <a:bodyPr anchorCtr="0" anchor="t" bIns="91425" lIns="91425" spcFirstLastPara="1" rIns="91425" wrap="square" tIns="91425">
+          <a:bodyPr spcFirstLastPara="1" wrap="square" lIns="91425" tIns="91425" rIns="91425" bIns="91425" anchor="t" anchorCtr="0">
             <a:noAutofit/>
           </a:bodyPr>
           <a:lstStyle/>
           <a:p>
-            <a:pPr indent="0" lvl="0" marL="0" rtl="0" algn="l">
+            <a:pPr marL="0" lvl="0" indent="0" algn="l" rtl="0">
               <a:spcBef>
                 <a:spcPts val="0"/>
               </a:spcBef>
@@ -1293,9 +1342,6 @@
               </a:spcAft>
               <a:buNone/>
             </a:pPr>
-            <a:r>
-              <a:t/>
-            </a:r>
             <a:endParaRPr/>
           </a:p>
         </p:txBody>
@@ -1309,11 +1355,11 @@
 </file>
 
 <file path=ppt/notesSlides/notesSlide15.xml><?xml version="1.0" encoding="utf-8"?>
-<p:notes xmlns:a="http://schemas.openxmlformats.org/drawingml/2006/main" xmlns:r="http://schemas.openxmlformats.org/officeDocument/2006/relationships" xmlns:mc="http://schemas.openxmlformats.org/markup-compatibility/2006" xmlns:mv="urn:schemas-microsoft-com:mac:vml" xmlns:p="http://schemas.openxmlformats.org/presentationml/2006/main" xmlns:c="http://schemas.openxmlformats.org/drawingml/2006/chart" xmlns:dgm="http://schemas.openxmlformats.org/drawingml/2006/diagram" xmlns:o="urn:schemas-microsoft-com:office:office" xmlns:v="urn:schemas-microsoft-com:vml" xmlns:pvml="urn:schemas-microsoft-com:office:powerpoint" xmlns:com="http://schemas.openxmlformats.org/drawingml/2006/compatibility" xmlns:p14="http://schemas.microsoft.com/office/powerpoint/2010/main" xmlns:p15="http://schemas.microsoft.com/office/powerpoint/2012/main" showMasterPhAnim="0" showMasterSp="0">
+<p:notes xmlns:a="http://schemas.openxmlformats.org/drawingml/2006/main" xmlns:r="http://schemas.openxmlformats.org/officeDocument/2006/relationships" xmlns:p="http://schemas.openxmlformats.org/presentationml/2006/main" showMasterSp="0" showMasterPhAnim="0">
   <p:cSld>
     <p:spTree>
       <p:nvGrpSpPr>
-        <p:cNvPr id="178" name="Shape 178"/>
+        <p:cNvPr id="1" name="Shape 178"/>
         <p:cNvGrpSpPr/>
         <p:nvPr/>
       </p:nvGrpSpPr>
@@ -1328,9 +1374,11 @@
       <p:sp>
         <p:nvSpPr>
           <p:cNvPr id="179" name="Google Shape;179;g557a8cbc1f_0_340:notes"/>
-          <p:cNvSpPr/>
+          <p:cNvSpPr>
+            <a:spLocks noGrp="1" noRot="1" noChangeAspect="1"/>
+          </p:cNvSpPr>
           <p:nvPr>
-            <p:ph idx="2" type="sldImg"/>
+            <p:ph type="sldImg" idx="2"/>
           </p:nvPr>
         </p:nvSpPr>
         <p:spPr>
@@ -1339,9 +1387,13 @@
             <a:ext cx="6096000" cy="3429000"/>
           </a:xfrm>
           <a:custGeom>
-            <a:rect b="b" l="l" r="r" t="t"/>
+            <a:avLst/>
+            <a:gdLst/>
+            <a:ahLst/>
+            <a:cxnLst/>
+            <a:rect l="l" t="t" r="r" b="b"/>
             <a:pathLst>
-              <a:path extrusionOk="0" h="120000" w="120000">
+              <a:path w="120000" h="120000" extrusionOk="0">
                 <a:moveTo>
                   <a:pt x="0" y="0"/>
                 </a:moveTo>
@@ -1363,9 +1415,11 @@
       <p:sp>
         <p:nvSpPr>
           <p:cNvPr id="180" name="Google Shape;180;g557a8cbc1f_0_340:notes"/>
-          <p:cNvSpPr txBox="1"/>
+          <p:cNvSpPr txBox="1">
+            <a:spLocks noGrp="1"/>
+          </p:cNvSpPr>
           <p:nvPr>
-            <p:ph idx="1" type="body"/>
+            <p:ph type="body" idx="1"/>
           </p:nvPr>
         </p:nvSpPr>
         <p:spPr>
@@ -1378,12 +1432,12 @@
           </a:prstGeom>
         </p:spPr>
         <p:txBody>
-          <a:bodyPr anchorCtr="0" anchor="t" bIns="91425" lIns="91425" spcFirstLastPara="1" rIns="91425" wrap="square" tIns="91425">
+          <a:bodyPr spcFirstLastPara="1" wrap="square" lIns="91425" tIns="91425" rIns="91425" bIns="91425" anchor="t" anchorCtr="0">
             <a:noAutofit/>
           </a:bodyPr>
           <a:lstStyle/>
           <a:p>
-            <a:pPr indent="0" lvl="0" marL="0" rtl="0" algn="l">
+            <a:pPr marL="0" lvl="0" indent="0" algn="l" rtl="0">
               <a:spcBef>
                 <a:spcPts val="0"/>
               </a:spcBef>
@@ -1392,9 +1446,6 @@
               </a:spcAft>
               <a:buNone/>
             </a:pPr>
-            <a:r>
-              <a:t/>
-            </a:r>
             <a:endParaRPr/>
           </a:p>
         </p:txBody>
@@ -1408,11 +1459,11 @@
 </file>
 
 <file path=ppt/notesSlides/notesSlide2.xml><?xml version="1.0" encoding="utf-8"?>
-<p:notes xmlns:a="http://schemas.openxmlformats.org/drawingml/2006/main" xmlns:r="http://schemas.openxmlformats.org/officeDocument/2006/relationships" xmlns:mc="http://schemas.openxmlformats.org/markup-compatibility/2006" xmlns:mv="urn:schemas-microsoft-com:mac:vml" xmlns:p="http://schemas.openxmlformats.org/presentationml/2006/main" xmlns:c="http://schemas.openxmlformats.org/drawingml/2006/chart" xmlns:dgm="http://schemas.openxmlformats.org/drawingml/2006/diagram" xmlns:o="urn:schemas-microsoft-com:office:office" xmlns:v="urn:schemas-microsoft-com:vml" xmlns:pvml="urn:schemas-microsoft-com:office:powerpoint" xmlns:com="http://schemas.openxmlformats.org/drawingml/2006/compatibility" xmlns:p14="http://schemas.microsoft.com/office/powerpoint/2010/main" xmlns:p15="http://schemas.microsoft.com/office/powerpoint/2012/main" showMasterPhAnim="0" showMasterSp="0">
+<p:notes xmlns:a="http://schemas.openxmlformats.org/drawingml/2006/main" xmlns:r="http://schemas.openxmlformats.org/officeDocument/2006/relationships" xmlns:p="http://schemas.openxmlformats.org/presentationml/2006/main" showMasterSp="0" showMasterPhAnim="0">
   <p:cSld>
     <p:spTree>
       <p:nvGrpSpPr>
-        <p:cNvPr id="88" name="Shape 88"/>
+        <p:cNvPr id="1" name="Shape 88"/>
         <p:cNvGrpSpPr/>
         <p:nvPr/>
       </p:nvGrpSpPr>
@@ -1427,9 +1478,11 @@
       <p:sp>
         <p:nvSpPr>
           <p:cNvPr id="89" name="Google Shape;89;g557a8cbc1f_1_0:notes"/>
-          <p:cNvSpPr/>
+          <p:cNvSpPr>
+            <a:spLocks noGrp="1" noRot="1" noChangeAspect="1"/>
+          </p:cNvSpPr>
           <p:nvPr>
-            <p:ph idx="2" type="sldImg"/>
+            <p:ph type="sldImg" idx="2"/>
           </p:nvPr>
         </p:nvSpPr>
         <p:spPr>
@@ -1438,9 +1491,13 @@
             <a:ext cx="6096000" cy="3429000"/>
           </a:xfrm>
           <a:custGeom>
-            <a:rect b="b" l="l" r="r" t="t"/>
+            <a:avLst/>
+            <a:gdLst/>
+            <a:ahLst/>
+            <a:cxnLst/>
+            <a:rect l="l" t="t" r="r" b="b"/>
             <a:pathLst>
-              <a:path extrusionOk="0" h="120000" w="120000">
+              <a:path w="120000" h="120000" extrusionOk="0">
                 <a:moveTo>
                   <a:pt x="0" y="0"/>
                 </a:moveTo>
@@ -1462,9 +1519,11 @@
       <p:sp>
         <p:nvSpPr>
           <p:cNvPr id="90" name="Google Shape;90;g557a8cbc1f_1_0:notes"/>
-          <p:cNvSpPr txBox="1"/>
+          <p:cNvSpPr txBox="1">
+            <a:spLocks noGrp="1"/>
+          </p:cNvSpPr>
           <p:nvPr>
-            <p:ph idx="1" type="body"/>
+            <p:ph type="body" idx="1"/>
           </p:nvPr>
         </p:nvSpPr>
         <p:spPr>
@@ -1477,12 +1536,12 @@
           </a:prstGeom>
         </p:spPr>
         <p:txBody>
-          <a:bodyPr anchorCtr="0" anchor="t" bIns="91425" lIns="91425" spcFirstLastPara="1" rIns="91425" wrap="square" tIns="91425">
+          <a:bodyPr spcFirstLastPara="1" wrap="square" lIns="91425" tIns="91425" rIns="91425" bIns="91425" anchor="t" anchorCtr="0">
             <a:noAutofit/>
           </a:bodyPr>
           <a:lstStyle/>
           <a:p>
-            <a:pPr indent="0" lvl="0" marL="0" rtl="0" algn="l">
+            <a:pPr marL="0" lvl="0" indent="0" algn="l" rtl="0">
               <a:spcBef>
                 <a:spcPts val="0"/>
               </a:spcBef>
@@ -1491,9 +1550,6 @@
               </a:spcAft>
               <a:buNone/>
             </a:pPr>
-            <a:r>
-              <a:t/>
-            </a:r>
             <a:endParaRPr/>
           </a:p>
         </p:txBody>
@@ -1507,11 +1563,11 @@
 </file>
 
 <file path=ppt/notesSlides/notesSlide3.xml><?xml version="1.0" encoding="utf-8"?>
-<p:notes xmlns:a="http://schemas.openxmlformats.org/drawingml/2006/main" xmlns:r="http://schemas.openxmlformats.org/officeDocument/2006/relationships" xmlns:mc="http://schemas.openxmlformats.org/markup-compatibility/2006" xmlns:mv="urn:schemas-microsoft-com:mac:vml" xmlns:p="http://schemas.openxmlformats.org/presentationml/2006/main" xmlns:c="http://schemas.openxmlformats.org/drawingml/2006/chart" xmlns:dgm="http://schemas.openxmlformats.org/drawingml/2006/diagram" xmlns:o="urn:schemas-microsoft-com:office:office" xmlns:v="urn:schemas-microsoft-com:vml" xmlns:pvml="urn:schemas-microsoft-com:office:powerpoint" xmlns:com="http://schemas.openxmlformats.org/drawingml/2006/compatibility" xmlns:p14="http://schemas.microsoft.com/office/powerpoint/2010/main" xmlns:p15="http://schemas.microsoft.com/office/powerpoint/2012/main" showMasterPhAnim="0" showMasterSp="0">
+<p:notes xmlns:a="http://schemas.openxmlformats.org/drawingml/2006/main" xmlns:r="http://schemas.openxmlformats.org/officeDocument/2006/relationships" xmlns:p="http://schemas.openxmlformats.org/presentationml/2006/main" showMasterSp="0" showMasterPhAnim="0">
   <p:cSld>
     <p:spTree>
       <p:nvGrpSpPr>
-        <p:cNvPr id="94" name="Shape 94"/>
+        <p:cNvPr id="1" name="Shape 94"/>
         <p:cNvGrpSpPr/>
         <p:nvPr/>
       </p:nvGrpSpPr>
@@ -1526,9 +1582,11 @@
       <p:sp>
         <p:nvSpPr>
           <p:cNvPr id="95" name="Google Shape;95;g557a8cbc1f_1_5:notes"/>
-          <p:cNvSpPr/>
+          <p:cNvSpPr>
+            <a:spLocks noGrp="1" noRot="1" noChangeAspect="1"/>
+          </p:cNvSpPr>
           <p:nvPr>
-            <p:ph idx="2" type="sldImg"/>
+            <p:ph type="sldImg" idx="2"/>
           </p:nvPr>
         </p:nvSpPr>
         <p:spPr>
@@ -1537,9 +1595,13 @@
             <a:ext cx="6096000" cy="3429000"/>
           </a:xfrm>
           <a:custGeom>
-            <a:rect b="b" l="l" r="r" t="t"/>
+            <a:avLst/>
+            <a:gdLst/>
+            <a:ahLst/>
+            <a:cxnLst/>
+            <a:rect l="l" t="t" r="r" b="b"/>
             <a:pathLst>
-              <a:path extrusionOk="0" h="120000" w="120000">
+              <a:path w="120000" h="120000" extrusionOk="0">
                 <a:moveTo>
                   <a:pt x="0" y="0"/>
                 </a:moveTo>
@@ -1561,9 +1623,11 @@
       <p:sp>
         <p:nvSpPr>
           <p:cNvPr id="96" name="Google Shape;96;g557a8cbc1f_1_5:notes"/>
-          <p:cNvSpPr txBox="1"/>
+          <p:cNvSpPr txBox="1">
+            <a:spLocks noGrp="1"/>
+          </p:cNvSpPr>
           <p:nvPr>
-            <p:ph idx="1" type="body"/>
+            <p:ph type="body" idx="1"/>
           </p:nvPr>
         </p:nvSpPr>
         <p:spPr>
@@ -1576,12 +1640,12 @@
           </a:prstGeom>
         </p:spPr>
         <p:txBody>
-          <a:bodyPr anchorCtr="0" anchor="t" bIns="91425" lIns="91425" spcFirstLastPara="1" rIns="91425" wrap="square" tIns="91425">
+          <a:bodyPr spcFirstLastPara="1" wrap="square" lIns="91425" tIns="91425" rIns="91425" bIns="91425" anchor="t" anchorCtr="0">
             <a:noAutofit/>
           </a:bodyPr>
           <a:lstStyle/>
           <a:p>
-            <a:pPr indent="0" lvl="0" marL="0" rtl="0" algn="l">
+            <a:pPr marL="0" lvl="0" indent="0" algn="l" rtl="0">
               <a:spcBef>
                 <a:spcPts val="0"/>
               </a:spcBef>
@@ -1590,9 +1654,6 @@
               </a:spcAft>
               <a:buNone/>
             </a:pPr>
-            <a:r>
-              <a:t/>
-            </a:r>
             <a:endParaRPr/>
           </a:p>
         </p:txBody>
@@ -1606,11 +1667,11 @@
 </file>
 
 <file path=ppt/notesSlides/notesSlide4.xml><?xml version="1.0" encoding="utf-8"?>
-<p:notes xmlns:a="http://schemas.openxmlformats.org/drawingml/2006/main" xmlns:r="http://schemas.openxmlformats.org/officeDocument/2006/relationships" xmlns:mc="http://schemas.openxmlformats.org/markup-compatibility/2006" xmlns:mv="urn:schemas-microsoft-com:mac:vml" xmlns:p="http://schemas.openxmlformats.org/presentationml/2006/main" xmlns:c="http://schemas.openxmlformats.org/drawingml/2006/chart" xmlns:dgm="http://schemas.openxmlformats.org/drawingml/2006/diagram" xmlns:o="urn:schemas-microsoft-com:office:office" xmlns:v="urn:schemas-microsoft-com:vml" xmlns:pvml="urn:schemas-microsoft-com:office:powerpoint" xmlns:com="http://schemas.openxmlformats.org/drawingml/2006/compatibility" xmlns:p14="http://schemas.microsoft.com/office/powerpoint/2010/main" xmlns:p15="http://schemas.microsoft.com/office/powerpoint/2012/main" showMasterPhAnim="0" showMasterSp="0">
+<p:notes xmlns:a="http://schemas.openxmlformats.org/drawingml/2006/main" xmlns:r="http://schemas.openxmlformats.org/officeDocument/2006/relationships" xmlns:p="http://schemas.openxmlformats.org/presentationml/2006/main" showMasterSp="0" showMasterPhAnim="0">
   <p:cSld>
     <p:spTree>
       <p:nvGrpSpPr>
-        <p:cNvPr id="101" name="Shape 101"/>
+        <p:cNvPr id="1" name="Shape 101"/>
         <p:cNvGrpSpPr/>
         <p:nvPr/>
       </p:nvGrpSpPr>
@@ -1625,9 +1686,11 @@
       <p:sp>
         <p:nvSpPr>
           <p:cNvPr id="102" name="Google Shape;102;g557a8cbc1f_1_10:notes"/>
-          <p:cNvSpPr/>
+          <p:cNvSpPr>
+            <a:spLocks noGrp="1" noRot="1" noChangeAspect="1"/>
+          </p:cNvSpPr>
           <p:nvPr>
-            <p:ph idx="2" type="sldImg"/>
+            <p:ph type="sldImg" idx="2"/>
           </p:nvPr>
         </p:nvSpPr>
         <p:spPr>
@@ -1636,9 +1699,13 @@
             <a:ext cx="6096000" cy="3429000"/>
           </a:xfrm>
           <a:custGeom>
-            <a:rect b="b" l="l" r="r" t="t"/>
+            <a:avLst/>
+            <a:gdLst/>
+            <a:ahLst/>
+            <a:cxnLst/>
+            <a:rect l="l" t="t" r="r" b="b"/>
             <a:pathLst>
-              <a:path extrusionOk="0" h="120000" w="120000">
+              <a:path w="120000" h="120000" extrusionOk="0">
                 <a:moveTo>
                   <a:pt x="0" y="0"/>
                 </a:moveTo>
@@ -1660,9 +1727,11 @@
       <p:sp>
         <p:nvSpPr>
           <p:cNvPr id="103" name="Google Shape;103;g557a8cbc1f_1_10:notes"/>
-          <p:cNvSpPr txBox="1"/>
+          <p:cNvSpPr txBox="1">
+            <a:spLocks noGrp="1"/>
+          </p:cNvSpPr>
           <p:nvPr>
-            <p:ph idx="1" type="body"/>
+            <p:ph type="body" idx="1"/>
           </p:nvPr>
         </p:nvSpPr>
         <p:spPr>
@@ -1675,12 +1744,12 @@
           </a:prstGeom>
         </p:spPr>
         <p:txBody>
-          <a:bodyPr anchorCtr="0" anchor="t" bIns="91425" lIns="91425" spcFirstLastPara="1" rIns="91425" wrap="square" tIns="91425">
+          <a:bodyPr spcFirstLastPara="1" wrap="square" lIns="91425" tIns="91425" rIns="91425" bIns="91425" anchor="t" anchorCtr="0">
             <a:noAutofit/>
           </a:bodyPr>
           <a:lstStyle/>
           <a:p>
-            <a:pPr indent="0" lvl="0" marL="0" rtl="0" algn="l">
+            <a:pPr marL="0" lvl="0" indent="0" algn="l" rtl="0">
               <a:spcBef>
                 <a:spcPts val="0"/>
               </a:spcBef>
@@ -1689,9 +1758,6 @@
               </a:spcAft>
               <a:buNone/>
             </a:pPr>
-            <a:r>
-              <a:t/>
-            </a:r>
             <a:endParaRPr/>
           </a:p>
         </p:txBody>
@@ -1705,11 +1771,11 @@
 </file>
 
 <file path=ppt/notesSlides/notesSlide5.xml><?xml version="1.0" encoding="utf-8"?>
-<p:notes xmlns:a="http://schemas.openxmlformats.org/drawingml/2006/main" xmlns:r="http://schemas.openxmlformats.org/officeDocument/2006/relationships" xmlns:mc="http://schemas.openxmlformats.org/markup-compatibility/2006" xmlns:mv="urn:schemas-microsoft-com:mac:vml" xmlns:p="http://schemas.openxmlformats.org/presentationml/2006/main" xmlns:c="http://schemas.openxmlformats.org/drawingml/2006/chart" xmlns:dgm="http://schemas.openxmlformats.org/drawingml/2006/diagram" xmlns:o="urn:schemas-microsoft-com:office:office" xmlns:v="urn:schemas-microsoft-com:vml" xmlns:pvml="urn:schemas-microsoft-com:office:powerpoint" xmlns:com="http://schemas.openxmlformats.org/drawingml/2006/compatibility" xmlns:p14="http://schemas.microsoft.com/office/powerpoint/2010/main" xmlns:p15="http://schemas.microsoft.com/office/powerpoint/2012/main" showMasterPhAnim="0" showMasterSp="0">
+<p:notes xmlns:a="http://schemas.openxmlformats.org/drawingml/2006/main" xmlns:r="http://schemas.openxmlformats.org/officeDocument/2006/relationships" xmlns:p="http://schemas.openxmlformats.org/presentationml/2006/main" showMasterSp="0" showMasterPhAnim="0">
   <p:cSld>
     <p:spTree>
       <p:nvGrpSpPr>
-        <p:cNvPr id="107" name="Shape 107"/>
+        <p:cNvPr id="1" name="Shape 107"/>
         <p:cNvGrpSpPr/>
         <p:nvPr/>
       </p:nvGrpSpPr>
@@ -1724,9 +1790,11 @@
       <p:sp>
         <p:nvSpPr>
           <p:cNvPr id="108" name="Google Shape;108;g557a8cbc1f_1_15:notes"/>
-          <p:cNvSpPr/>
+          <p:cNvSpPr>
+            <a:spLocks noGrp="1" noRot="1" noChangeAspect="1"/>
+          </p:cNvSpPr>
           <p:nvPr>
-            <p:ph idx="2" type="sldImg"/>
+            <p:ph type="sldImg" idx="2"/>
           </p:nvPr>
         </p:nvSpPr>
         <p:spPr>
@@ -1735,9 +1803,13 @@
             <a:ext cx="6096000" cy="3429000"/>
           </a:xfrm>
           <a:custGeom>
-            <a:rect b="b" l="l" r="r" t="t"/>
+            <a:avLst/>
+            <a:gdLst/>
+            <a:ahLst/>
+            <a:cxnLst/>
+            <a:rect l="l" t="t" r="r" b="b"/>
             <a:pathLst>
-              <a:path extrusionOk="0" h="120000" w="120000">
+              <a:path w="120000" h="120000" extrusionOk="0">
                 <a:moveTo>
                   <a:pt x="0" y="0"/>
                 </a:moveTo>
@@ -1759,9 +1831,11 @@
       <p:sp>
         <p:nvSpPr>
           <p:cNvPr id="109" name="Google Shape;109;g557a8cbc1f_1_15:notes"/>
-          <p:cNvSpPr txBox="1"/>
+          <p:cNvSpPr txBox="1">
+            <a:spLocks noGrp="1"/>
+          </p:cNvSpPr>
           <p:nvPr>
-            <p:ph idx="1" type="body"/>
+            <p:ph type="body" idx="1"/>
           </p:nvPr>
         </p:nvSpPr>
         <p:spPr>
@@ -1774,12 +1848,12 @@
           </a:prstGeom>
         </p:spPr>
         <p:txBody>
-          <a:bodyPr anchorCtr="0" anchor="t" bIns="91425" lIns="91425" spcFirstLastPara="1" rIns="91425" wrap="square" tIns="91425">
+          <a:bodyPr spcFirstLastPara="1" wrap="square" lIns="91425" tIns="91425" rIns="91425" bIns="91425" anchor="t" anchorCtr="0">
             <a:noAutofit/>
           </a:bodyPr>
           <a:lstStyle/>
           <a:p>
-            <a:pPr indent="0" lvl="0" marL="0" rtl="0" algn="l">
+            <a:pPr marL="0" lvl="0" indent="0" algn="l" rtl="0">
               <a:spcBef>
                 <a:spcPts val="0"/>
               </a:spcBef>
@@ -1788,9 +1862,6 @@
               </a:spcAft>
               <a:buNone/>
             </a:pPr>
-            <a:r>
-              <a:t/>
-            </a:r>
             <a:endParaRPr/>
           </a:p>
         </p:txBody>
@@ -1804,11 +1875,11 @@
 </file>
 
 <file path=ppt/notesSlides/notesSlide6.xml><?xml version="1.0" encoding="utf-8"?>
-<p:notes xmlns:a="http://schemas.openxmlformats.org/drawingml/2006/main" xmlns:r="http://schemas.openxmlformats.org/officeDocument/2006/relationships" xmlns:mc="http://schemas.openxmlformats.org/markup-compatibility/2006" xmlns:mv="urn:schemas-microsoft-com:mac:vml" xmlns:p="http://schemas.openxmlformats.org/presentationml/2006/main" xmlns:c="http://schemas.openxmlformats.org/drawingml/2006/chart" xmlns:dgm="http://schemas.openxmlformats.org/drawingml/2006/diagram" xmlns:o="urn:schemas-microsoft-com:office:office" xmlns:v="urn:schemas-microsoft-com:vml" xmlns:pvml="urn:schemas-microsoft-com:office:powerpoint" xmlns:com="http://schemas.openxmlformats.org/drawingml/2006/compatibility" xmlns:p14="http://schemas.microsoft.com/office/powerpoint/2010/main" xmlns:p15="http://schemas.microsoft.com/office/powerpoint/2012/main" showMasterPhAnim="0" showMasterSp="0">
+<p:notes xmlns:a="http://schemas.openxmlformats.org/drawingml/2006/main" xmlns:r="http://schemas.openxmlformats.org/officeDocument/2006/relationships" xmlns:p="http://schemas.openxmlformats.org/presentationml/2006/main" showMasterSp="0" showMasterPhAnim="0">
   <p:cSld>
     <p:spTree>
       <p:nvGrpSpPr>
-        <p:cNvPr id="114" name="Shape 114"/>
+        <p:cNvPr id="1" name="Shape 114"/>
         <p:cNvGrpSpPr/>
         <p:nvPr/>
       </p:nvGrpSpPr>
@@ -1823,9 +1894,11 @@
       <p:sp>
         <p:nvSpPr>
           <p:cNvPr id="115" name="Google Shape;115;g557a8cbc1f_0_322:notes"/>
-          <p:cNvSpPr/>
+          <p:cNvSpPr>
+            <a:spLocks noGrp="1" noRot="1" noChangeAspect="1"/>
+          </p:cNvSpPr>
           <p:nvPr>
-            <p:ph idx="2" type="sldImg"/>
+            <p:ph type="sldImg" idx="2"/>
           </p:nvPr>
         </p:nvSpPr>
         <p:spPr>
@@ -1834,9 +1907,13 @@
             <a:ext cx="6096000" cy="3429000"/>
           </a:xfrm>
           <a:custGeom>
-            <a:rect b="b" l="l" r="r" t="t"/>
+            <a:avLst/>
+            <a:gdLst/>
+            <a:ahLst/>
+            <a:cxnLst/>
+            <a:rect l="l" t="t" r="r" b="b"/>
             <a:pathLst>
-              <a:path extrusionOk="0" h="120000" w="120000">
+              <a:path w="120000" h="120000" extrusionOk="0">
                 <a:moveTo>
                   <a:pt x="0" y="0"/>
                 </a:moveTo>
@@ -1858,9 +1935,11 @@
       <p:sp>
         <p:nvSpPr>
           <p:cNvPr id="116" name="Google Shape;116;g557a8cbc1f_0_322:notes"/>
-          <p:cNvSpPr txBox="1"/>
+          <p:cNvSpPr txBox="1">
+            <a:spLocks noGrp="1"/>
+          </p:cNvSpPr>
           <p:nvPr>
-            <p:ph idx="1" type="body"/>
+            <p:ph type="body" idx="1"/>
           </p:nvPr>
         </p:nvSpPr>
         <p:spPr>
@@ -1873,12 +1952,12 @@
           </a:prstGeom>
         </p:spPr>
         <p:txBody>
-          <a:bodyPr anchorCtr="0" anchor="t" bIns="91425" lIns="91425" spcFirstLastPara="1" rIns="91425" wrap="square" tIns="91425">
+          <a:bodyPr spcFirstLastPara="1" wrap="square" lIns="91425" tIns="91425" rIns="91425" bIns="91425" anchor="t" anchorCtr="0">
             <a:noAutofit/>
           </a:bodyPr>
           <a:lstStyle/>
           <a:p>
-            <a:pPr indent="0" lvl="0" marL="0" rtl="0" algn="l">
+            <a:pPr marL="0" lvl="0" indent="0" algn="l" rtl="0">
               <a:spcBef>
                 <a:spcPts val="0"/>
               </a:spcBef>
@@ -1887,9 +1966,6 @@
               </a:spcAft>
               <a:buNone/>
             </a:pPr>
-            <a:r>
-              <a:t/>
-            </a:r>
             <a:endParaRPr/>
           </a:p>
         </p:txBody>
@@ -1903,11 +1979,11 @@
 </file>
 
 <file path=ppt/notesSlides/notesSlide7.xml><?xml version="1.0" encoding="utf-8"?>
-<p:notes xmlns:a="http://schemas.openxmlformats.org/drawingml/2006/main" xmlns:r="http://schemas.openxmlformats.org/officeDocument/2006/relationships" xmlns:mc="http://schemas.openxmlformats.org/markup-compatibility/2006" xmlns:mv="urn:schemas-microsoft-com:mac:vml" xmlns:p="http://schemas.openxmlformats.org/presentationml/2006/main" xmlns:c="http://schemas.openxmlformats.org/drawingml/2006/chart" xmlns:dgm="http://schemas.openxmlformats.org/drawingml/2006/diagram" xmlns:o="urn:schemas-microsoft-com:office:office" xmlns:v="urn:schemas-microsoft-com:vml" xmlns:pvml="urn:schemas-microsoft-com:office:powerpoint" xmlns:com="http://schemas.openxmlformats.org/drawingml/2006/compatibility" xmlns:p14="http://schemas.microsoft.com/office/powerpoint/2010/main" xmlns:p15="http://schemas.microsoft.com/office/powerpoint/2012/main" showMasterPhAnim="0" showMasterSp="0">
+<p:notes xmlns:a="http://schemas.openxmlformats.org/drawingml/2006/main" xmlns:r="http://schemas.openxmlformats.org/officeDocument/2006/relationships" xmlns:p="http://schemas.openxmlformats.org/presentationml/2006/main" showMasterSp="0" showMasterPhAnim="0">
   <p:cSld>
     <p:spTree>
       <p:nvGrpSpPr>
-        <p:cNvPr id="120" name="Shape 120"/>
+        <p:cNvPr id="1" name="Shape 120"/>
         <p:cNvGrpSpPr/>
         <p:nvPr/>
       </p:nvGrpSpPr>
@@ -1922,9 +1998,11 @@
       <p:sp>
         <p:nvSpPr>
           <p:cNvPr id="121" name="Google Shape;121;g557a8cbc1f_0_352:notes"/>
-          <p:cNvSpPr/>
+          <p:cNvSpPr>
+            <a:spLocks noGrp="1" noRot="1" noChangeAspect="1"/>
+          </p:cNvSpPr>
           <p:nvPr>
-            <p:ph idx="2" type="sldImg"/>
+            <p:ph type="sldImg" idx="2"/>
           </p:nvPr>
         </p:nvSpPr>
         <p:spPr>
@@ -1933,9 +2011,13 @@
             <a:ext cx="6096000" cy="3429000"/>
           </a:xfrm>
           <a:custGeom>
-            <a:rect b="b" l="l" r="r" t="t"/>
+            <a:avLst/>
+            <a:gdLst/>
+            <a:ahLst/>
+            <a:cxnLst/>
+            <a:rect l="l" t="t" r="r" b="b"/>
             <a:pathLst>
-              <a:path extrusionOk="0" h="120000" w="120000">
+              <a:path w="120000" h="120000" extrusionOk="0">
                 <a:moveTo>
                   <a:pt x="0" y="0"/>
                 </a:moveTo>
@@ -1957,9 +2039,11 @@
       <p:sp>
         <p:nvSpPr>
           <p:cNvPr id="122" name="Google Shape;122;g557a8cbc1f_0_352:notes"/>
-          <p:cNvSpPr txBox="1"/>
+          <p:cNvSpPr txBox="1">
+            <a:spLocks noGrp="1"/>
+          </p:cNvSpPr>
           <p:nvPr>
-            <p:ph idx="1" type="body"/>
+            <p:ph type="body" idx="1"/>
           </p:nvPr>
         </p:nvSpPr>
         <p:spPr>
@@ -1972,12 +2056,12 @@
           </a:prstGeom>
         </p:spPr>
         <p:txBody>
-          <a:bodyPr anchorCtr="0" anchor="t" bIns="91425" lIns="91425" spcFirstLastPara="1" rIns="91425" wrap="square" tIns="91425">
+          <a:bodyPr spcFirstLastPara="1" wrap="square" lIns="91425" tIns="91425" rIns="91425" bIns="91425" anchor="t" anchorCtr="0">
             <a:noAutofit/>
           </a:bodyPr>
           <a:lstStyle/>
           <a:p>
-            <a:pPr indent="0" lvl="0" marL="0" rtl="0" algn="l">
+            <a:pPr marL="0" lvl="0" indent="0" algn="l" rtl="0">
               <a:spcBef>
                 <a:spcPts val="0"/>
               </a:spcBef>
@@ -1986,9 +2070,6 @@
               </a:spcAft>
               <a:buNone/>
             </a:pPr>
-            <a:r>
-              <a:t/>
-            </a:r>
             <a:endParaRPr/>
           </a:p>
         </p:txBody>
@@ -2002,11 +2083,11 @@
 </file>
 
 <file path=ppt/notesSlides/notesSlide8.xml><?xml version="1.0" encoding="utf-8"?>
-<p:notes xmlns:a="http://schemas.openxmlformats.org/drawingml/2006/main" xmlns:r="http://schemas.openxmlformats.org/officeDocument/2006/relationships" xmlns:mc="http://schemas.openxmlformats.org/markup-compatibility/2006" xmlns:mv="urn:schemas-microsoft-com:mac:vml" xmlns:p="http://schemas.openxmlformats.org/presentationml/2006/main" xmlns:c="http://schemas.openxmlformats.org/drawingml/2006/chart" xmlns:dgm="http://schemas.openxmlformats.org/drawingml/2006/diagram" xmlns:o="urn:schemas-microsoft-com:office:office" xmlns:v="urn:schemas-microsoft-com:vml" xmlns:pvml="urn:schemas-microsoft-com:office:powerpoint" xmlns:com="http://schemas.openxmlformats.org/drawingml/2006/compatibility" xmlns:p14="http://schemas.microsoft.com/office/powerpoint/2010/main" xmlns:p15="http://schemas.microsoft.com/office/powerpoint/2012/main" showMasterPhAnim="0" showMasterSp="0">
+<p:notes xmlns:a="http://schemas.openxmlformats.org/drawingml/2006/main" xmlns:r="http://schemas.openxmlformats.org/officeDocument/2006/relationships" xmlns:p="http://schemas.openxmlformats.org/presentationml/2006/main" showMasterSp="0" showMasterPhAnim="0">
   <p:cSld>
     <p:spTree>
       <p:nvGrpSpPr>
-        <p:cNvPr id="127" name="Shape 127"/>
+        <p:cNvPr id="1" name="Shape 127"/>
         <p:cNvGrpSpPr/>
         <p:nvPr/>
       </p:nvGrpSpPr>
@@ -2021,9 +2102,11 @@
       <p:sp>
         <p:nvSpPr>
           <p:cNvPr id="128" name="Google Shape;128;g557a8cbc1f_0_359:notes"/>
-          <p:cNvSpPr/>
+          <p:cNvSpPr>
+            <a:spLocks noGrp="1" noRot="1" noChangeAspect="1"/>
+          </p:cNvSpPr>
           <p:nvPr>
-            <p:ph idx="2" type="sldImg"/>
+            <p:ph type="sldImg" idx="2"/>
           </p:nvPr>
         </p:nvSpPr>
         <p:spPr>
@@ -2032,9 +2115,13 @@
             <a:ext cx="6096000" cy="3429000"/>
           </a:xfrm>
           <a:custGeom>
-            <a:rect b="b" l="l" r="r" t="t"/>
+            <a:avLst/>
+            <a:gdLst/>
+            <a:ahLst/>
+            <a:cxnLst/>
+            <a:rect l="l" t="t" r="r" b="b"/>
             <a:pathLst>
-              <a:path extrusionOk="0" h="120000" w="120000">
+              <a:path w="120000" h="120000" extrusionOk="0">
                 <a:moveTo>
                   <a:pt x="0" y="0"/>
                 </a:moveTo>
@@ -2056,9 +2143,11 @@
       <p:sp>
         <p:nvSpPr>
           <p:cNvPr id="129" name="Google Shape;129;g557a8cbc1f_0_359:notes"/>
-          <p:cNvSpPr txBox="1"/>
+          <p:cNvSpPr txBox="1">
+            <a:spLocks noGrp="1"/>
+          </p:cNvSpPr>
           <p:nvPr>
-            <p:ph idx="1" type="body"/>
+            <p:ph type="body" idx="1"/>
           </p:nvPr>
         </p:nvSpPr>
         <p:spPr>
@@ -2071,12 +2160,12 @@
           </a:prstGeom>
         </p:spPr>
         <p:txBody>
-          <a:bodyPr anchorCtr="0" anchor="t" bIns="91425" lIns="91425" spcFirstLastPara="1" rIns="91425" wrap="square" tIns="91425">
+          <a:bodyPr spcFirstLastPara="1" wrap="square" lIns="91425" tIns="91425" rIns="91425" bIns="91425" anchor="t" anchorCtr="0">
             <a:noAutofit/>
           </a:bodyPr>
           <a:lstStyle/>
           <a:p>
-            <a:pPr indent="0" lvl="0" marL="0" rtl="0" algn="l">
+            <a:pPr marL="0" lvl="0" indent="0" algn="l" rtl="0">
               <a:spcBef>
                 <a:spcPts val="0"/>
               </a:spcBef>
@@ -2085,9 +2174,6 @@
               </a:spcAft>
               <a:buNone/>
             </a:pPr>
-            <a:r>
-              <a:t/>
-            </a:r>
             <a:endParaRPr/>
           </a:p>
         </p:txBody>
@@ -2101,11 +2187,11 @@
 </file>
 
 <file path=ppt/notesSlides/notesSlide9.xml><?xml version="1.0" encoding="utf-8"?>
-<p:notes xmlns:a="http://schemas.openxmlformats.org/drawingml/2006/main" xmlns:r="http://schemas.openxmlformats.org/officeDocument/2006/relationships" xmlns:mc="http://schemas.openxmlformats.org/markup-compatibility/2006" xmlns:mv="urn:schemas-microsoft-com:mac:vml" xmlns:p="http://schemas.openxmlformats.org/presentationml/2006/main" xmlns:c="http://schemas.openxmlformats.org/drawingml/2006/chart" xmlns:dgm="http://schemas.openxmlformats.org/drawingml/2006/diagram" xmlns:o="urn:schemas-microsoft-com:office:office" xmlns:v="urn:schemas-microsoft-com:vml" xmlns:pvml="urn:schemas-microsoft-com:office:powerpoint" xmlns:com="http://schemas.openxmlformats.org/drawingml/2006/compatibility" xmlns:p14="http://schemas.microsoft.com/office/powerpoint/2010/main" xmlns:p15="http://schemas.microsoft.com/office/powerpoint/2012/main" showMasterPhAnim="0" showMasterSp="0">
+<p:notes xmlns:a="http://schemas.openxmlformats.org/drawingml/2006/main" xmlns:r="http://schemas.openxmlformats.org/officeDocument/2006/relationships" xmlns:p="http://schemas.openxmlformats.org/presentationml/2006/main" showMasterSp="0" showMasterPhAnim="0">
   <p:cSld>
     <p:spTree>
       <p:nvGrpSpPr>
-        <p:cNvPr id="134" name="Shape 134"/>
+        <p:cNvPr id="1" name="Shape 134"/>
         <p:cNvGrpSpPr/>
         <p:nvPr/>
       </p:nvGrpSpPr>
@@ -2120,9 +2206,11 @@
       <p:sp>
         <p:nvSpPr>
           <p:cNvPr id="135" name="Google Shape;135;g557a8cbc1f_0_366:notes"/>
-          <p:cNvSpPr/>
+          <p:cNvSpPr>
+            <a:spLocks noGrp="1" noRot="1" noChangeAspect="1"/>
+          </p:cNvSpPr>
           <p:nvPr>
-            <p:ph idx="2" type="sldImg"/>
+            <p:ph type="sldImg" idx="2"/>
           </p:nvPr>
         </p:nvSpPr>
         <p:spPr>
@@ -2131,9 +2219,13 @@
             <a:ext cx="6096000" cy="3429000"/>
           </a:xfrm>
           <a:custGeom>
-            <a:rect b="b" l="l" r="r" t="t"/>
+            <a:avLst/>
+            <a:gdLst/>
+            <a:ahLst/>
+            <a:cxnLst/>
+            <a:rect l="l" t="t" r="r" b="b"/>
             <a:pathLst>
-              <a:path extrusionOk="0" h="120000" w="120000">
+              <a:path w="120000" h="120000" extrusionOk="0">
                 <a:moveTo>
                   <a:pt x="0" y="0"/>
                 </a:moveTo>
@@ -2155,9 +2247,11 @@
       <p:sp>
         <p:nvSpPr>
           <p:cNvPr id="136" name="Google Shape;136;g557a8cbc1f_0_366:notes"/>
-          <p:cNvSpPr txBox="1"/>
+          <p:cNvSpPr txBox="1">
+            <a:spLocks noGrp="1"/>
+          </p:cNvSpPr>
           <p:nvPr>
-            <p:ph idx="1" type="body"/>
+            <p:ph type="body" idx="1"/>
           </p:nvPr>
         </p:nvSpPr>
         <p:spPr>
@@ -2170,12 +2264,12 @@
           </a:prstGeom>
         </p:spPr>
         <p:txBody>
-          <a:bodyPr anchorCtr="0" anchor="t" bIns="91425" lIns="91425" spcFirstLastPara="1" rIns="91425" wrap="square" tIns="91425">
+          <a:bodyPr spcFirstLastPara="1" wrap="square" lIns="91425" tIns="91425" rIns="91425" bIns="91425" anchor="t" anchorCtr="0">
             <a:noAutofit/>
           </a:bodyPr>
           <a:lstStyle/>
           <a:p>
-            <a:pPr indent="0" lvl="0" marL="0" rtl="0" algn="l">
+            <a:pPr marL="0" lvl="0" indent="0" algn="l" rtl="0">
               <a:spcBef>
                 <a:spcPts val="0"/>
               </a:spcBef>
@@ -2184,9 +2278,6 @@
               </a:spcAft>
               <a:buNone/>
             </a:pPr>
-            <a:r>
-              <a:t/>
-            </a:r>
             <a:endParaRPr/>
           </a:p>
         </p:txBody>
@@ -2200,18 +2291,19 @@
 </file>
 
 <file path=ppt/slideLayouts/slideLayout1.xml><?xml version="1.0" encoding="utf-8"?>
-<p:sldLayout xmlns:a="http://schemas.openxmlformats.org/drawingml/2006/main" xmlns:r="http://schemas.openxmlformats.org/officeDocument/2006/relationships" xmlns:mc="http://schemas.openxmlformats.org/markup-compatibility/2006" xmlns:mv="urn:schemas-microsoft-com:mac:vml" xmlns:p="http://schemas.openxmlformats.org/presentationml/2006/main" xmlns:c="http://schemas.openxmlformats.org/drawingml/2006/chart" xmlns:dgm="http://schemas.openxmlformats.org/drawingml/2006/diagram" xmlns:o="urn:schemas-microsoft-com:office:office" xmlns:v="urn:schemas-microsoft-com:vml" xmlns:pvml="urn:schemas-microsoft-com:office:powerpoint" xmlns:com="http://schemas.openxmlformats.org/drawingml/2006/compatibility" xmlns:p14="http://schemas.microsoft.com/office/powerpoint/2010/main" xmlns:p15="http://schemas.microsoft.com/office/powerpoint/2012/main" matchingName="Title slide" type="title">
+<p:sldLayout xmlns:a="http://schemas.openxmlformats.org/drawingml/2006/main" xmlns:r="http://schemas.openxmlformats.org/officeDocument/2006/relationships" xmlns:p="http://schemas.openxmlformats.org/presentationml/2006/main" matchingName="Title slide" type="title">
   <p:cSld name="TITLE">
     <p:bg>
       <p:bgPr>
         <a:solidFill>
           <a:schemeClr val="lt2"/>
         </a:solidFill>
+        <a:effectLst/>
       </p:bgPr>
     </p:bg>
     <p:spTree>
       <p:nvGrpSpPr>
-        <p:cNvPr id="9" name="Shape 9"/>
+        <p:cNvPr id="1" name="Shape 9"/>
         <p:cNvGrpSpPr/>
         <p:nvPr/>
       </p:nvGrpSpPr>
@@ -2245,12 +2337,12 @@
           </a:ln>
         </p:spPr>
         <p:txBody>
-          <a:bodyPr anchorCtr="0" anchor="ctr" bIns="91425" lIns="91425" spcFirstLastPara="1" rIns="91425" wrap="square" tIns="91425">
+          <a:bodyPr spcFirstLastPara="1" wrap="square" lIns="91425" tIns="91425" rIns="91425" bIns="91425" anchor="ctr" anchorCtr="0">
             <a:noAutofit/>
           </a:bodyPr>
           <a:lstStyle/>
           <a:p>
-            <a:pPr indent="0" lvl="0" marL="0" rtl="0" algn="l">
+            <a:pPr marL="0" lvl="0" indent="0" algn="l" rtl="0">
               <a:spcBef>
                 <a:spcPts val="0"/>
               </a:spcBef>
@@ -2259,9 +2351,6 @@
               </a:spcAft>
               <a:buNone/>
             </a:pPr>
-            <a:r>
-              <a:t/>
-            </a:r>
             <a:endParaRPr/>
           </a:p>
         </p:txBody>
@@ -2302,12 +2391,12 @@
             </a:ln>
           </p:spPr>
           <p:txBody>
-            <a:bodyPr anchorCtr="0" anchor="ctr" bIns="91425" lIns="91425" spcFirstLastPara="1" rIns="91425" wrap="square" tIns="91425">
+            <a:bodyPr spcFirstLastPara="1" wrap="square" lIns="91425" tIns="91425" rIns="91425" bIns="91425" anchor="ctr" anchorCtr="0">
               <a:noAutofit/>
             </a:bodyPr>
             <a:lstStyle/>
             <a:p>
-              <a:pPr indent="0" lvl="0" marL="0" rtl="0" algn="l">
+              <a:pPr marL="0" lvl="0" indent="0" algn="l" rtl="0">
                 <a:spcBef>
                   <a:spcPts val="0"/>
                 </a:spcBef>
@@ -2316,9 +2405,6 @@
                 </a:spcAft>
                 <a:buNone/>
               </a:pPr>
-              <a:r>
-                <a:t/>
-              </a:r>
               <a:endParaRPr/>
             </a:p>
           </p:txBody>
@@ -2345,12 +2431,12 @@
             </a:ln>
           </p:spPr>
           <p:txBody>
-            <a:bodyPr anchorCtr="0" anchor="ctr" bIns="91425" lIns="91425" spcFirstLastPara="1" rIns="91425" wrap="square" tIns="91425">
+            <a:bodyPr spcFirstLastPara="1" wrap="square" lIns="91425" tIns="91425" rIns="91425" bIns="91425" anchor="ctr" anchorCtr="0">
               <a:noAutofit/>
             </a:bodyPr>
             <a:lstStyle/>
             <a:p>
-              <a:pPr indent="0" lvl="0" marL="0" rtl="0" algn="l">
+              <a:pPr marL="0" lvl="0" indent="0" algn="l" rtl="0">
                 <a:spcBef>
                   <a:spcPts val="0"/>
                 </a:spcBef>
@@ -2359,9 +2445,6 @@
                 </a:spcAft>
                 <a:buNone/>
               </a:pPr>
-              <a:r>
-                <a:t/>
-              </a:r>
               <a:endParaRPr/>
             </a:p>
           </p:txBody>
@@ -2370,7 +2453,9 @@
       <p:sp>
         <p:nvSpPr>
           <p:cNvPr id="14" name="Google Shape;14;p2"/>
-          <p:cNvSpPr txBox="1"/>
+          <p:cNvSpPr txBox="1">
+            <a:spLocks noGrp="1"/>
+          </p:cNvSpPr>
           <p:nvPr>
             <p:ph type="ctrTitle"/>
           </p:nvPr>
@@ -2385,7 +2470,7 @@
           </a:prstGeom>
         </p:spPr>
         <p:txBody>
-          <a:bodyPr anchorCtr="0" anchor="t" bIns="91425" lIns="91425" spcFirstLastPara="1" rIns="91425" wrap="square" tIns="91425"/>
+          <a:bodyPr spcFirstLastPara="1" wrap="square" lIns="91425" tIns="91425" rIns="91425" bIns="91425" anchor="t" anchorCtr="0"/>
           <a:lstStyle>
             <a:lvl1pPr lvl="0">
               <a:spcBef>
@@ -2550,15 +2635,19 @@
               </a:defRPr>
             </a:lvl9pPr>
           </a:lstStyle>
-          <a:p/>
+          <a:p>
+            <a:endParaRPr/>
+          </a:p>
         </p:txBody>
       </p:sp>
       <p:sp>
         <p:nvSpPr>
           <p:cNvPr id="15" name="Google Shape;15;p2"/>
-          <p:cNvSpPr txBox="1"/>
+          <p:cNvSpPr txBox="1">
+            <a:spLocks noGrp="1"/>
+          </p:cNvSpPr>
           <p:nvPr>
-            <p:ph idx="1" type="subTitle"/>
+            <p:ph type="subTitle" idx="1"/>
           </p:nvPr>
         </p:nvSpPr>
         <p:spPr>
@@ -2571,7 +2660,7 @@
           </a:prstGeom>
         </p:spPr>
         <p:txBody>
-          <a:bodyPr anchorCtr="0" anchor="t" bIns="91425" lIns="91425" spcFirstLastPara="1" rIns="91425" wrap="square" tIns="91425"/>
+          <a:bodyPr spcFirstLastPara="1" wrap="square" lIns="91425" tIns="91425" rIns="91425" bIns="91425" anchor="t" anchorCtr="0"/>
           <a:lstStyle>
             <a:lvl1pPr lvl="0">
               <a:lnSpc>
@@ -2700,15 +2789,19 @@
               <a:defRPr sz="1600"/>
             </a:lvl9pPr>
           </a:lstStyle>
-          <a:p/>
+          <a:p>
+            <a:endParaRPr/>
+          </a:p>
         </p:txBody>
       </p:sp>
       <p:sp>
         <p:nvSpPr>
           <p:cNvPr id="16" name="Google Shape;16;p2"/>
-          <p:cNvSpPr txBox="1"/>
+          <p:cNvSpPr txBox="1">
+            <a:spLocks noGrp="1"/>
+          </p:cNvSpPr>
           <p:nvPr>
-            <p:ph idx="12" type="sldNum"/>
+            <p:ph type="sldNum" idx="12"/>
           </p:nvPr>
         </p:nvSpPr>
         <p:spPr>
@@ -2721,7 +2814,7 @@
           </a:prstGeom>
         </p:spPr>
         <p:txBody>
-          <a:bodyPr anchorCtr="0" anchor="ctr" bIns="91425" lIns="91425" spcFirstLastPara="1" rIns="91425" wrap="square" tIns="91425">
+          <a:bodyPr spcFirstLastPara="1" wrap="square" lIns="91425" tIns="91425" rIns="91425" bIns="91425" anchor="ctr" anchorCtr="0">
             <a:noAutofit/>
           </a:bodyPr>
           <a:lstStyle>
@@ -2763,7 +2856,7 @@
             </a:lvl9pPr>
           </a:lstStyle>
           <a:p>
-            <a:pPr indent="0" lvl="0" marL="0" rtl="0" algn="r">
+            <a:pPr marL="0" lvl="0" indent="0" algn="r" rtl="0">
               <a:spcBef>
                 <a:spcPts val="0"/>
               </a:spcBef>
@@ -2789,18 +2882,19 @@
 </file>
 
 <file path=ppt/slideLayouts/slideLayout10.xml><?xml version="1.0" encoding="utf-8"?>
-<p:sldLayout xmlns:a="http://schemas.openxmlformats.org/drawingml/2006/main" xmlns:r="http://schemas.openxmlformats.org/officeDocument/2006/relationships" xmlns:mc="http://schemas.openxmlformats.org/markup-compatibility/2006" xmlns:mv="urn:schemas-microsoft-com:mac:vml" xmlns:p="http://schemas.openxmlformats.org/presentationml/2006/main" xmlns:c="http://schemas.openxmlformats.org/drawingml/2006/chart" xmlns:dgm="http://schemas.openxmlformats.org/drawingml/2006/diagram" xmlns:o="urn:schemas-microsoft-com:office:office" xmlns:v="urn:schemas-microsoft-com:vml" xmlns:pvml="urn:schemas-microsoft-com:office:powerpoint" xmlns:com="http://schemas.openxmlformats.org/drawingml/2006/compatibility" xmlns:p14="http://schemas.microsoft.com/office/powerpoint/2010/main" xmlns:p15="http://schemas.microsoft.com/office/powerpoint/2012/main" matchingName="Big number">
+<p:sldLayout xmlns:a="http://schemas.openxmlformats.org/drawingml/2006/main" xmlns:r="http://schemas.openxmlformats.org/officeDocument/2006/relationships" xmlns:p="http://schemas.openxmlformats.org/presentationml/2006/main" matchingName="Big number">
   <p:cSld name="BIG_NUMBER">
     <p:bg>
       <p:bgPr>
         <a:solidFill>
           <a:schemeClr val="dk1"/>
         </a:solidFill>
+        <a:effectLst/>
       </p:bgPr>
     </p:bg>
     <p:spTree>
       <p:nvGrpSpPr>
-        <p:cNvPr id="73" name="Shape 73"/>
+        <p:cNvPr id="1" name="Shape 73"/>
         <p:cNvGrpSpPr/>
         <p:nvPr/>
       </p:nvGrpSpPr>
@@ -2848,12 +2942,12 @@
             </a:ln>
           </p:spPr>
           <p:txBody>
-            <a:bodyPr anchorCtr="0" anchor="ctr" bIns="91425" lIns="91425" spcFirstLastPara="1" rIns="91425" wrap="square" tIns="91425">
+            <a:bodyPr spcFirstLastPara="1" wrap="square" lIns="91425" tIns="91425" rIns="91425" bIns="91425" anchor="ctr" anchorCtr="0">
               <a:noAutofit/>
             </a:bodyPr>
             <a:lstStyle/>
             <a:p>
-              <a:pPr indent="0" lvl="0" marL="0" rtl="0" algn="l">
+              <a:pPr marL="0" lvl="0" indent="0" algn="l" rtl="0">
                 <a:spcBef>
                   <a:spcPts val="0"/>
                 </a:spcBef>
@@ -2862,9 +2956,6 @@
                 </a:spcAft>
                 <a:buNone/>
               </a:pPr>
-              <a:r>
-                <a:t/>
-              </a:r>
               <a:endParaRPr/>
             </a:p>
           </p:txBody>
@@ -2891,12 +2982,12 @@
             </a:ln>
           </p:spPr>
           <p:txBody>
-            <a:bodyPr anchorCtr="0" anchor="ctr" bIns="91425" lIns="91425" spcFirstLastPara="1" rIns="91425" wrap="square" tIns="91425">
+            <a:bodyPr spcFirstLastPara="1" wrap="square" lIns="91425" tIns="91425" rIns="91425" bIns="91425" anchor="ctr" anchorCtr="0">
               <a:noAutofit/>
             </a:bodyPr>
             <a:lstStyle/>
             <a:p>
-              <a:pPr indent="0" lvl="0" marL="0" rtl="0" algn="l">
+              <a:pPr marL="0" lvl="0" indent="0" algn="l" rtl="0">
                 <a:spcBef>
                   <a:spcPts val="0"/>
                 </a:spcBef>
@@ -2905,9 +2996,6 @@
                 </a:spcAft>
                 <a:buNone/>
               </a:pPr>
-              <a:r>
-                <a:t/>
-              </a:r>
               <a:endParaRPr/>
             </a:p>
           </p:txBody>
@@ -2916,9 +3004,11 @@
       <p:sp>
         <p:nvSpPr>
           <p:cNvPr id="77" name="Google Shape;77;p11"/>
-          <p:cNvSpPr txBox="1"/>
+          <p:cNvSpPr txBox="1">
+            <a:spLocks noGrp="1"/>
+          </p:cNvSpPr>
           <p:nvPr>
-            <p:ph hasCustomPrompt="1" type="title"/>
+            <p:ph type="title" hasCustomPrompt="1"/>
           </p:nvPr>
         </p:nvSpPr>
         <p:spPr>
@@ -2931,7 +3021,7 @@
           </a:prstGeom>
         </p:spPr>
         <p:txBody>
-          <a:bodyPr anchorCtr="0" anchor="t" bIns="91425" lIns="91425" spcFirstLastPara="1" rIns="91425" wrap="square" tIns="91425"/>
+          <a:bodyPr spcFirstLastPara="1" wrap="square" lIns="91425" tIns="91425" rIns="91425" bIns="91425" anchor="t" anchorCtr="0"/>
           <a:lstStyle>
             <a:lvl1pPr lvl="0">
               <a:spcBef>
@@ -3106,9 +3196,11 @@
       <p:sp>
         <p:nvSpPr>
           <p:cNvPr id="78" name="Google Shape;78;p11"/>
-          <p:cNvSpPr txBox="1"/>
+          <p:cNvSpPr txBox="1">
+            <a:spLocks noGrp="1"/>
+          </p:cNvSpPr>
           <p:nvPr>
-            <p:ph idx="1" type="body"/>
+            <p:ph type="body" idx="1"/>
           </p:nvPr>
         </p:nvSpPr>
         <p:spPr>
@@ -3121,9 +3213,9 @@
           </a:prstGeom>
         </p:spPr>
         <p:txBody>
-          <a:bodyPr anchorCtr="0" anchor="t" bIns="91425" lIns="91425" spcFirstLastPara="1" rIns="91425" wrap="square" tIns="91425"/>
+          <a:bodyPr spcFirstLastPara="1" wrap="square" lIns="91425" tIns="91425" rIns="91425" bIns="91425" anchor="t" anchorCtr="0"/>
           <a:lstStyle>
-            <a:lvl1pPr indent="-311150" lvl="0" marL="457200">
+            <a:lvl1pPr marL="457200" lvl="0" indent="-311150">
               <a:spcBef>
                 <a:spcPts val="0"/>
               </a:spcBef>
@@ -3141,7 +3233,7 @@
                 </a:solidFill>
               </a:defRPr>
             </a:lvl1pPr>
-            <a:lvl2pPr indent="-298450" lvl="1" marL="914400">
+            <a:lvl2pPr marL="914400" lvl="1" indent="-298450">
               <a:spcBef>
                 <a:spcPts val="1600"/>
               </a:spcBef>
@@ -3159,7 +3251,7 @@
                 </a:solidFill>
               </a:defRPr>
             </a:lvl2pPr>
-            <a:lvl3pPr indent="-298450" lvl="2" marL="1371600">
+            <a:lvl3pPr marL="1371600" lvl="2" indent="-298450">
               <a:spcBef>
                 <a:spcPts val="1600"/>
               </a:spcBef>
@@ -3177,7 +3269,7 @@
                 </a:solidFill>
               </a:defRPr>
             </a:lvl3pPr>
-            <a:lvl4pPr indent="-298450" lvl="3" marL="1828800">
+            <a:lvl4pPr marL="1828800" lvl="3" indent="-298450">
               <a:spcBef>
                 <a:spcPts val="1600"/>
               </a:spcBef>
@@ -3195,7 +3287,7 @@
                 </a:solidFill>
               </a:defRPr>
             </a:lvl4pPr>
-            <a:lvl5pPr indent="-298450" lvl="4" marL="2286000">
+            <a:lvl5pPr marL="2286000" lvl="4" indent="-298450">
               <a:spcBef>
                 <a:spcPts val="1600"/>
               </a:spcBef>
@@ -3213,7 +3305,7 @@
                 </a:solidFill>
               </a:defRPr>
             </a:lvl5pPr>
-            <a:lvl6pPr indent="-298450" lvl="5" marL="2743200">
+            <a:lvl6pPr marL="2743200" lvl="5" indent="-298450">
               <a:spcBef>
                 <a:spcPts val="1600"/>
               </a:spcBef>
@@ -3231,7 +3323,7 @@
                 </a:solidFill>
               </a:defRPr>
             </a:lvl6pPr>
-            <a:lvl7pPr indent="-298450" lvl="6" marL="3200400">
+            <a:lvl7pPr marL="3200400" lvl="6" indent="-298450">
               <a:spcBef>
                 <a:spcPts val="1600"/>
               </a:spcBef>
@@ -3249,7 +3341,7 @@
                 </a:solidFill>
               </a:defRPr>
             </a:lvl7pPr>
-            <a:lvl8pPr indent="-298450" lvl="7" marL="3657600">
+            <a:lvl8pPr marL="3657600" lvl="7" indent="-298450">
               <a:spcBef>
                 <a:spcPts val="1600"/>
               </a:spcBef>
@@ -3267,7 +3359,7 @@
                 </a:solidFill>
               </a:defRPr>
             </a:lvl8pPr>
-            <a:lvl9pPr indent="-298450" lvl="8" marL="4114800">
+            <a:lvl9pPr marL="4114800" lvl="8" indent="-298450">
               <a:spcBef>
                 <a:spcPts val="1600"/>
               </a:spcBef>
@@ -3286,15 +3378,19 @@
               </a:defRPr>
             </a:lvl9pPr>
           </a:lstStyle>
-          <a:p/>
+          <a:p>
+            <a:endParaRPr/>
+          </a:p>
         </p:txBody>
       </p:sp>
       <p:sp>
         <p:nvSpPr>
           <p:cNvPr id="79" name="Google Shape;79;p11"/>
-          <p:cNvSpPr txBox="1"/>
+          <p:cNvSpPr txBox="1">
+            <a:spLocks noGrp="1"/>
+          </p:cNvSpPr>
           <p:nvPr>
-            <p:ph idx="12" type="sldNum"/>
+            <p:ph type="sldNum" idx="12"/>
           </p:nvPr>
         </p:nvSpPr>
         <p:spPr>
@@ -3307,7 +3403,7 @@
           </a:prstGeom>
         </p:spPr>
         <p:txBody>
-          <a:bodyPr anchorCtr="0" anchor="ctr" bIns="91425" lIns="91425" spcFirstLastPara="1" rIns="91425" wrap="square" tIns="91425">
+          <a:bodyPr spcFirstLastPara="1" wrap="square" lIns="91425" tIns="91425" rIns="91425" bIns="91425" anchor="ctr" anchorCtr="0">
             <a:noAutofit/>
           </a:bodyPr>
           <a:lstStyle>
@@ -3385,7 +3481,7 @@
             </a:lvl9pPr>
           </a:lstStyle>
           <a:p>
-            <a:pPr indent="0" lvl="0" marL="0" rtl="0" algn="r">
+            <a:pPr marL="0" lvl="0" indent="0" algn="r" rtl="0">
               <a:spcBef>
                 <a:spcPts val="0"/>
               </a:spcBef>
@@ -3411,11 +3507,11 @@
 </file>
 
 <file path=ppt/slideLayouts/slideLayout11.xml><?xml version="1.0" encoding="utf-8"?>
-<p:sldLayout xmlns:a="http://schemas.openxmlformats.org/drawingml/2006/main" xmlns:r="http://schemas.openxmlformats.org/officeDocument/2006/relationships" xmlns:mc="http://schemas.openxmlformats.org/markup-compatibility/2006" xmlns:mv="urn:schemas-microsoft-com:mac:vml" xmlns:p="http://schemas.openxmlformats.org/presentationml/2006/main" xmlns:c="http://schemas.openxmlformats.org/drawingml/2006/chart" xmlns:dgm="http://schemas.openxmlformats.org/drawingml/2006/diagram" xmlns:o="urn:schemas-microsoft-com:office:office" xmlns:v="urn:schemas-microsoft-com:vml" xmlns:pvml="urn:schemas-microsoft-com:office:powerpoint" xmlns:com="http://schemas.openxmlformats.org/drawingml/2006/compatibility" xmlns:p14="http://schemas.microsoft.com/office/powerpoint/2010/main" xmlns:p15="http://schemas.microsoft.com/office/powerpoint/2012/main" matchingName="Blank" type="blank">
+<p:sldLayout xmlns:a="http://schemas.openxmlformats.org/drawingml/2006/main" xmlns:r="http://schemas.openxmlformats.org/officeDocument/2006/relationships" xmlns:p="http://schemas.openxmlformats.org/presentationml/2006/main" matchingName="Blank" type="blank">
   <p:cSld name="BLANK">
     <p:spTree>
       <p:nvGrpSpPr>
-        <p:cNvPr id="80" name="Shape 80"/>
+        <p:cNvPr id="1" name="Shape 80"/>
         <p:cNvGrpSpPr/>
         <p:nvPr/>
       </p:nvGrpSpPr>
@@ -3430,9 +3526,11 @@
       <p:sp>
         <p:nvSpPr>
           <p:cNvPr id="81" name="Google Shape;81;p12"/>
-          <p:cNvSpPr txBox="1"/>
+          <p:cNvSpPr txBox="1">
+            <a:spLocks noGrp="1"/>
+          </p:cNvSpPr>
           <p:nvPr>
-            <p:ph idx="12" type="sldNum"/>
+            <p:ph type="sldNum" idx="12"/>
           </p:nvPr>
         </p:nvSpPr>
         <p:spPr>
@@ -3445,7 +3543,7 @@
           </a:prstGeom>
         </p:spPr>
         <p:txBody>
-          <a:bodyPr anchorCtr="0" anchor="ctr" bIns="91425" lIns="91425" spcFirstLastPara="1" rIns="91425" wrap="square" tIns="91425">
+          <a:bodyPr spcFirstLastPara="1" wrap="square" lIns="91425" tIns="91425" rIns="91425" bIns="91425" anchor="ctr" anchorCtr="0">
             <a:noAutofit/>
           </a:bodyPr>
           <a:lstStyle>
@@ -3487,7 +3585,7 @@
             </a:lvl9pPr>
           </a:lstStyle>
           <a:p>
-            <a:pPr indent="0" lvl="0" marL="0" rtl="0" algn="r">
+            <a:pPr marL="0" lvl="0" indent="0" algn="r" rtl="0">
               <a:spcBef>
                 <a:spcPts val="0"/>
               </a:spcBef>
@@ -3513,18 +3611,19 @@
 </file>
 
 <file path=ppt/slideLayouts/slideLayout2.xml><?xml version="1.0" encoding="utf-8"?>
-<p:sldLayout xmlns:a="http://schemas.openxmlformats.org/drawingml/2006/main" xmlns:r="http://schemas.openxmlformats.org/officeDocument/2006/relationships" xmlns:mc="http://schemas.openxmlformats.org/markup-compatibility/2006" xmlns:mv="urn:schemas-microsoft-com:mac:vml" xmlns:p="http://schemas.openxmlformats.org/presentationml/2006/main" xmlns:c="http://schemas.openxmlformats.org/drawingml/2006/chart" xmlns:dgm="http://schemas.openxmlformats.org/drawingml/2006/diagram" xmlns:o="urn:schemas-microsoft-com:office:office" xmlns:v="urn:schemas-microsoft-com:vml" xmlns:pvml="urn:schemas-microsoft-com:office:powerpoint" xmlns:com="http://schemas.openxmlformats.org/drawingml/2006/compatibility" xmlns:p14="http://schemas.microsoft.com/office/powerpoint/2010/main" xmlns:p15="http://schemas.microsoft.com/office/powerpoint/2012/main" matchingName="Section header" type="secHead">
+<p:sldLayout xmlns:a="http://schemas.openxmlformats.org/drawingml/2006/main" xmlns:r="http://schemas.openxmlformats.org/officeDocument/2006/relationships" xmlns:p="http://schemas.openxmlformats.org/presentationml/2006/main" matchingName="Section header" type="secHead">
   <p:cSld name="SECTION_HEADER">
     <p:bg>
       <p:bgPr>
         <a:solidFill>
           <a:schemeClr val="dk1"/>
         </a:solidFill>
+        <a:effectLst/>
       </p:bgPr>
     </p:bg>
     <p:spTree>
       <p:nvGrpSpPr>
-        <p:cNvPr id="17" name="Shape 17"/>
+        <p:cNvPr id="1" name="Shape 17"/>
         <p:cNvGrpSpPr/>
         <p:nvPr/>
       </p:nvGrpSpPr>
@@ -3572,12 +3671,12 @@
             </a:ln>
           </p:spPr>
           <p:txBody>
-            <a:bodyPr anchorCtr="0" anchor="ctr" bIns="91425" lIns="91425" spcFirstLastPara="1" rIns="91425" wrap="square" tIns="91425">
+            <a:bodyPr spcFirstLastPara="1" wrap="square" lIns="91425" tIns="91425" rIns="91425" bIns="91425" anchor="ctr" anchorCtr="0">
               <a:noAutofit/>
             </a:bodyPr>
             <a:lstStyle/>
             <a:p>
-              <a:pPr indent="0" lvl="0" marL="0" rtl="0" algn="l">
+              <a:pPr marL="0" lvl="0" indent="0" algn="l" rtl="0">
                 <a:spcBef>
                   <a:spcPts val="0"/>
                 </a:spcBef>
@@ -3586,9 +3685,6 @@
                 </a:spcAft>
                 <a:buNone/>
               </a:pPr>
-              <a:r>
-                <a:t/>
-              </a:r>
               <a:endParaRPr/>
             </a:p>
           </p:txBody>
@@ -3615,12 +3711,12 @@
             </a:ln>
           </p:spPr>
           <p:txBody>
-            <a:bodyPr anchorCtr="0" anchor="ctr" bIns="91425" lIns="91425" spcFirstLastPara="1" rIns="91425" wrap="square" tIns="91425">
+            <a:bodyPr spcFirstLastPara="1" wrap="square" lIns="91425" tIns="91425" rIns="91425" bIns="91425" anchor="ctr" anchorCtr="0">
               <a:noAutofit/>
             </a:bodyPr>
             <a:lstStyle/>
             <a:p>
-              <a:pPr indent="0" lvl="0" marL="0" rtl="0" algn="l">
+              <a:pPr marL="0" lvl="0" indent="0" algn="l" rtl="0">
                 <a:spcBef>
                   <a:spcPts val="0"/>
                 </a:spcBef>
@@ -3629,9 +3725,6 @@
                 </a:spcAft>
                 <a:buNone/>
               </a:pPr>
-              <a:r>
-                <a:t/>
-              </a:r>
               <a:endParaRPr/>
             </a:p>
           </p:txBody>
@@ -3640,7 +3733,9 @@
       <p:sp>
         <p:nvSpPr>
           <p:cNvPr id="21" name="Google Shape;21;p3"/>
-          <p:cNvSpPr txBox="1"/>
+          <p:cNvSpPr txBox="1">
+            <a:spLocks noGrp="1"/>
+          </p:cNvSpPr>
           <p:nvPr>
             <p:ph type="title"/>
           </p:nvPr>
@@ -3655,7 +3750,7 @@
           </a:prstGeom>
         </p:spPr>
         <p:txBody>
-          <a:bodyPr anchorCtr="0" anchor="t" bIns="91425" lIns="91425" spcFirstLastPara="1" rIns="91425" wrap="square" tIns="91425"/>
+          <a:bodyPr spcFirstLastPara="1" wrap="square" lIns="91425" tIns="91425" rIns="91425" bIns="91425" anchor="t" anchorCtr="0"/>
           <a:lstStyle>
             <a:lvl1pPr lvl="0">
               <a:spcBef>
@@ -3820,15 +3915,19 @@
               </a:defRPr>
             </a:lvl9pPr>
           </a:lstStyle>
-          <a:p/>
+          <a:p>
+            <a:endParaRPr/>
+          </a:p>
         </p:txBody>
       </p:sp>
       <p:sp>
         <p:nvSpPr>
           <p:cNvPr id="22" name="Google Shape;22;p3"/>
-          <p:cNvSpPr txBox="1"/>
+          <p:cNvSpPr txBox="1">
+            <a:spLocks noGrp="1"/>
+          </p:cNvSpPr>
           <p:nvPr>
-            <p:ph idx="12" type="sldNum"/>
+            <p:ph type="sldNum" idx="12"/>
           </p:nvPr>
         </p:nvSpPr>
         <p:spPr>
@@ -3841,7 +3940,7 @@
           </a:prstGeom>
         </p:spPr>
         <p:txBody>
-          <a:bodyPr anchorCtr="0" anchor="ctr" bIns="91425" lIns="91425" spcFirstLastPara="1" rIns="91425" wrap="square" tIns="91425">
+          <a:bodyPr spcFirstLastPara="1" wrap="square" lIns="91425" tIns="91425" rIns="91425" bIns="91425" anchor="ctr" anchorCtr="0">
             <a:noAutofit/>
           </a:bodyPr>
           <a:lstStyle>
@@ -3919,7 +4018,7 @@
             </a:lvl9pPr>
           </a:lstStyle>
           <a:p>
-            <a:pPr indent="0" lvl="0" marL="0" rtl="0" algn="r">
+            <a:pPr marL="0" lvl="0" indent="0" algn="r" rtl="0">
               <a:spcBef>
                 <a:spcPts val="0"/>
               </a:spcBef>
@@ -3945,11 +4044,11 @@
 </file>
 
 <file path=ppt/slideLayouts/slideLayout3.xml><?xml version="1.0" encoding="utf-8"?>
-<p:sldLayout xmlns:a="http://schemas.openxmlformats.org/drawingml/2006/main" xmlns:r="http://schemas.openxmlformats.org/officeDocument/2006/relationships" xmlns:mc="http://schemas.openxmlformats.org/markup-compatibility/2006" xmlns:mv="urn:schemas-microsoft-com:mac:vml" xmlns:p="http://schemas.openxmlformats.org/presentationml/2006/main" xmlns:c="http://schemas.openxmlformats.org/drawingml/2006/chart" xmlns:dgm="http://schemas.openxmlformats.org/drawingml/2006/diagram" xmlns:o="urn:schemas-microsoft-com:office:office" xmlns:v="urn:schemas-microsoft-com:vml" xmlns:pvml="urn:schemas-microsoft-com:office:powerpoint" xmlns:com="http://schemas.openxmlformats.org/drawingml/2006/compatibility" xmlns:p14="http://schemas.microsoft.com/office/powerpoint/2010/main" xmlns:p15="http://schemas.microsoft.com/office/powerpoint/2012/main" matchingName="Title and body" type="tx">
+<p:sldLayout xmlns:a="http://schemas.openxmlformats.org/drawingml/2006/main" xmlns:r="http://schemas.openxmlformats.org/officeDocument/2006/relationships" xmlns:p="http://schemas.openxmlformats.org/presentationml/2006/main" matchingName="Title and body" type="tx">
   <p:cSld name="TITLE_AND_BODY">
     <p:spTree>
       <p:nvGrpSpPr>
-        <p:cNvPr id="23" name="Shape 23"/>
+        <p:cNvPr id="1" name="Shape 23"/>
         <p:cNvGrpSpPr/>
         <p:nvPr/>
       </p:nvGrpSpPr>
@@ -3983,12 +4082,12 @@
           </a:ln>
         </p:spPr>
         <p:txBody>
-          <a:bodyPr anchorCtr="0" anchor="ctr" bIns="91425" lIns="91425" spcFirstLastPara="1" rIns="91425" wrap="square" tIns="91425">
+          <a:bodyPr spcFirstLastPara="1" wrap="square" lIns="91425" tIns="91425" rIns="91425" bIns="91425" anchor="ctr" anchorCtr="0">
             <a:noAutofit/>
           </a:bodyPr>
           <a:lstStyle/>
           <a:p>
-            <a:pPr indent="0" lvl="0" marL="0" rtl="0" algn="l">
+            <a:pPr marL="0" lvl="0" indent="0" algn="l" rtl="0">
               <a:spcBef>
                 <a:spcPts val="0"/>
               </a:spcBef>
@@ -3997,9 +4096,6 @@
               </a:spcAft>
               <a:buNone/>
             </a:pPr>
-            <a:r>
-              <a:t/>
-            </a:r>
             <a:endParaRPr/>
           </a:p>
         </p:txBody>
@@ -4040,12 +4136,12 @@
             </a:ln>
           </p:spPr>
           <p:txBody>
-            <a:bodyPr anchorCtr="0" anchor="ctr" bIns="91425" lIns="91425" spcFirstLastPara="1" rIns="91425" wrap="square" tIns="91425">
+            <a:bodyPr spcFirstLastPara="1" wrap="square" lIns="91425" tIns="91425" rIns="91425" bIns="91425" anchor="ctr" anchorCtr="0">
               <a:noAutofit/>
             </a:bodyPr>
             <a:lstStyle/>
             <a:p>
-              <a:pPr indent="0" lvl="0" marL="0" rtl="0" algn="l">
+              <a:pPr marL="0" lvl="0" indent="0" algn="l" rtl="0">
                 <a:spcBef>
                   <a:spcPts val="0"/>
                 </a:spcBef>
@@ -4054,9 +4150,6 @@
                 </a:spcAft>
                 <a:buNone/>
               </a:pPr>
-              <a:r>
-                <a:t/>
-              </a:r>
               <a:endParaRPr/>
             </a:p>
           </p:txBody>
@@ -4083,12 +4176,12 @@
             </a:ln>
           </p:spPr>
           <p:txBody>
-            <a:bodyPr anchorCtr="0" anchor="ctr" bIns="91425" lIns="91425" spcFirstLastPara="1" rIns="91425" wrap="square" tIns="91425">
+            <a:bodyPr spcFirstLastPara="1" wrap="square" lIns="91425" tIns="91425" rIns="91425" bIns="91425" anchor="ctr" anchorCtr="0">
               <a:noAutofit/>
             </a:bodyPr>
             <a:lstStyle/>
             <a:p>
-              <a:pPr indent="0" lvl="0" marL="0" rtl="0" algn="l">
+              <a:pPr marL="0" lvl="0" indent="0" algn="l" rtl="0">
                 <a:spcBef>
                   <a:spcPts val="0"/>
                 </a:spcBef>
@@ -4097,9 +4190,6 @@
                 </a:spcAft>
                 <a:buNone/>
               </a:pPr>
-              <a:r>
-                <a:t/>
-              </a:r>
               <a:endParaRPr/>
             </a:p>
           </p:txBody>
@@ -4108,7 +4198,9 @@
       <p:sp>
         <p:nvSpPr>
           <p:cNvPr id="28" name="Google Shape;28;p4"/>
-          <p:cNvSpPr txBox="1"/>
+          <p:cNvSpPr txBox="1">
+            <a:spLocks noGrp="1"/>
+          </p:cNvSpPr>
           <p:nvPr>
             <p:ph type="title"/>
           </p:nvPr>
@@ -4123,7 +4215,7 @@
           </a:prstGeom>
         </p:spPr>
         <p:txBody>
-          <a:bodyPr anchorCtr="0" anchor="t" bIns="91425" lIns="91425" spcFirstLastPara="1" rIns="91425" wrap="square" tIns="91425"/>
+          <a:bodyPr spcFirstLastPara="1" wrap="square" lIns="91425" tIns="91425" rIns="91425" bIns="91425" anchor="t" anchorCtr="0"/>
           <a:lstStyle>
             <a:lvl1pPr lvl="0">
               <a:spcBef>
@@ -4288,15 +4380,19 @@
               </a:defRPr>
             </a:lvl9pPr>
           </a:lstStyle>
-          <a:p/>
+          <a:p>
+            <a:endParaRPr/>
+          </a:p>
         </p:txBody>
       </p:sp>
       <p:sp>
         <p:nvSpPr>
           <p:cNvPr id="29" name="Google Shape;29;p4"/>
-          <p:cNvSpPr txBox="1"/>
+          <p:cNvSpPr txBox="1">
+            <a:spLocks noGrp="1"/>
+          </p:cNvSpPr>
           <p:nvPr>
-            <p:ph idx="1" type="body"/>
+            <p:ph type="body" idx="1"/>
           </p:nvPr>
         </p:nvSpPr>
         <p:spPr>
@@ -4309,9 +4405,9 @@
           </a:prstGeom>
         </p:spPr>
         <p:txBody>
-          <a:bodyPr anchorCtr="0" anchor="t" bIns="91425" lIns="91425" spcFirstLastPara="1" rIns="91425" wrap="square" tIns="91425"/>
+          <a:bodyPr spcFirstLastPara="1" wrap="square" lIns="91425" tIns="91425" rIns="91425" bIns="91425" anchor="t" anchorCtr="0"/>
           <a:lstStyle>
-            <a:lvl1pPr indent="-311150" lvl="0" marL="457200">
+            <a:lvl1pPr marL="457200" lvl="0" indent="-311150">
               <a:spcBef>
                 <a:spcPts val="0"/>
               </a:spcBef>
@@ -4322,7 +4418,7 @@
               <a:buChar char="●"/>
               <a:defRPr/>
             </a:lvl1pPr>
-            <a:lvl2pPr indent="-298450" lvl="1" marL="914400">
+            <a:lvl2pPr marL="914400" lvl="1" indent="-298450">
               <a:spcBef>
                 <a:spcPts val="1600"/>
               </a:spcBef>
@@ -4333,7 +4429,7 @@
               <a:buChar char="○"/>
               <a:defRPr/>
             </a:lvl2pPr>
-            <a:lvl3pPr indent="-298450" lvl="2" marL="1371600">
+            <a:lvl3pPr marL="1371600" lvl="2" indent="-298450">
               <a:spcBef>
                 <a:spcPts val="1600"/>
               </a:spcBef>
@@ -4344,7 +4440,7 @@
               <a:buChar char="■"/>
               <a:defRPr/>
             </a:lvl3pPr>
-            <a:lvl4pPr indent="-298450" lvl="3" marL="1828800">
+            <a:lvl4pPr marL="1828800" lvl="3" indent="-298450">
               <a:spcBef>
                 <a:spcPts val="1600"/>
               </a:spcBef>
@@ -4355,7 +4451,7 @@
               <a:buChar char="●"/>
               <a:defRPr/>
             </a:lvl4pPr>
-            <a:lvl5pPr indent="-298450" lvl="4" marL="2286000">
+            <a:lvl5pPr marL="2286000" lvl="4" indent="-298450">
               <a:spcBef>
                 <a:spcPts val="1600"/>
               </a:spcBef>
@@ -4366,7 +4462,7 @@
               <a:buChar char="○"/>
               <a:defRPr/>
             </a:lvl5pPr>
-            <a:lvl6pPr indent="-298450" lvl="5" marL="2743200">
+            <a:lvl6pPr marL="2743200" lvl="5" indent="-298450">
               <a:spcBef>
                 <a:spcPts val="1600"/>
               </a:spcBef>
@@ -4377,7 +4473,7 @@
               <a:buChar char="■"/>
               <a:defRPr/>
             </a:lvl6pPr>
-            <a:lvl7pPr indent="-298450" lvl="6" marL="3200400">
+            <a:lvl7pPr marL="3200400" lvl="6" indent="-298450">
               <a:spcBef>
                 <a:spcPts val="1600"/>
               </a:spcBef>
@@ -4388,7 +4484,7 @@
               <a:buChar char="●"/>
               <a:defRPr/>
             </a:lvl7pPr>
-            <a:lvl8pPr indent="-298450" lvl="7" marL="3657600">
+            <a:lvl8pPr marL="3657600" lvl="7" indent="-298450">
               <a:spcBef>
                 <a:spcPts val="1600"/>
               </a:spcBef>
@@ -4399,7 +4495,7 @@
               <a:buChar char="○"/>
               <a:defRPr/>
             </a:lvl8pPr>
-            <a:lvl9pPr indent="-298450" lvl="8" marL="4114800">
+            <a:lvl9pPr marL="4114800" lvl="8" indent="-298450">
               <a:spcBef>
                 <a:spcPts val="1600"/>
               </a:spcBef>
@@ -4411,15 +4507,19 @@
               <a:defRPr/>
             </a:lvl9pPr>
           </a:lstStyle>
-          <a:p/>
+          <a:p>
+            <a:endParaRPr/>
+          </a:p>
         </p:txBody>
       </p:sp>
       <p:sp>
         <p:nvSpPr>
           <p:cNvPr id="30" name="Google Shape;30;p4"/>
-          <p:cNvSpPr txBox="1"/>
+          <p:cNvSpPr txBox="1">
+            <a:spLocks noGrp="1"/>
+          </p:cNvSpPr>
           <p:nvPr>
-            <p:ph idx="12" type="sldNum"/>
+            <p:ph type="sldNum" idx="12"/>
           </p:nvPr>
         </p:nvSpPr>
         <p:spPr>
@@ -4432,7 +4532,7 @@
           </a:prstGeom>
         </p:spPr>
         <p:txBody>
-          <a:bodyPr anchorCtr="0" anchor="ctr" bIns="91425" lIns="91425" spcFirstLastPara="1" rIns="91425" wrap="square" tIns="91425">
+          <a:bodyPr spcFirstLastPara="1" wrap="square" lIns="91425" tIns="91425" rIns="91425" bIns="91425" anchor="ctr" anchorCtr="0">
             <a:noAutofit/>
           </a:bodyPr>
           <a:lstStyle>
@@ -4474,7 +4574,7 @@
             </a:lvl9pPr>
           </a:lstStyle>
           <a:p>
-            <a:pPr indent="0" lvl="0" marL="0" rtl="0" algn="r">
+            <a:pPr marL="0" lvl="0" indent="0" algn="r" rtl="0">
               <a:spcBef>
                 <a:spcPts val="0"/>
               </a:spcBef>
@@ -4500,11 +4600,11 @@
 </file>
 
 <file path=ppt/slideLayouts/slideLayout4.xml><?xml version="1.0" encoding="utf-8"?>
-<p:sldLayout xmlns:a="http://schemas.openxmlformats.org/drawingml/2006/main" xmlns:r="http://schemas.openxmlformats.org/officeDocument/2006/relationships" xmlns:mc="http://schemas.openxmlformats.org/markup-compatibility/2006" xmlns:mv="urn:schemas-microsoft-com:mac:vml" xmlns:p="http://schemas.openxmlformats.org/presentationml/2006/main" xmlns:c="http://schemas.openxmlformats.org/drawingml/2006/chart" xmlns:dgm="http://schemas.openxmlformats.org/drawingml/2006/diagram" xmlns:o="urn:schemas-microsoft-com:office:office" xmlns:v="urn:schemas-microsoft-com:vml" xmlns:pvml="urn:schemas-microsoft-com:office:powerpoint" xmlns:com="http://schemas.openxmlformats.org/drawingml/2006/compatibility" xmlns:p14="http://schemas.microsoft.com/office/powerpoint/2010/main" xmlns:p15="http://schemas.microsoft.com/office/powerpoint/2012/main" matchingName="Title and two columns" type="twoColTx">
+<p:sldLayout xmlns:a="http://schemas.openxmlformats.org/drawingml/2006/main" xmlns:r="http://schemas.openxmlformats.org/officeDocument/2006/relationships" xmlns:p="http://schemas.openxmlformats.org/presentationml/2006/main" matchingName="Title and two columns" type="twoColTx">
   <p:cSld name="TITLE_AND_TWO_COLUMNS">
     <p:spTree>
       <p:nvGrpSpPr>
-        <p:cNvPr id="31" name="Shape 31"/>
+        <p:cNvPr id="1" name="Shape 31"/>
         <p:cNvGrpSpPr/>
         <p:nvPr/>
       </p:nvGrpSpPr>
@@ -4538,12 +4638,12 @@
           </a:ln>
         </p:spPr>
         <p:txBody>
-          <a:bodyPr anchorCtr="0" anchor="ctr" bIns="91425" lIns="91425" spcFirstLastPara="1" rIns="91425" wrap="square" tIns="91425">
+          <a:bodyPr spcFirstLastPara="1" wrap="square" lIns="91425" tIns="91425" rIns="91425" bIns="91425" anchor="ctr" anchorCtr="0">
             <a:noAutofit/>
           </a:bodyPr>
           <a:lstStyle/>
           <a:p>
-            <a:pPr indent="0" lvl="0" marL="0" rtl="0" algn="l">
+            <a:pPr marL="0" lvl="0" indent="0" algn="l" rtl="0">
               <a:spcBef>
                 <a:spcPts val="0"/>
               </a:spcBef>
@@ -4552,9 +4652,6 @@
               </a:spcAft>
               <a:buNone/>
             </a:pPr>
-            <a:r>
-              <a:t/>
-            </a:r>
             <a:endParaRPr/>
           </a:p>
         </p:txBody>
@@ -4595,12 +4692,12 @@
             </a:ln>
           </p:spPr>
           <p:txBody>
-            <a:bodyPr anchorCtr="0" anchor="ctr" bIns="91425" lIns="91425" spcFirstLastPara="1" rIns="91425" wrap="square" tIns="91425">
+            <a:bodyPr spcFirstLastPara="1" wrap="square" lIns="91425" tIns="91425" rIns="91425" bIns="91425" anchor="ctr" anchorCtr="0">
               <a:noAutofit/>
             </a:bodyPr>
             <a:lstStyle/>
             <a:p>
-              <a:pPr indent="0" lvl="0" marL="0" rtl="0" algn="l">
+              <a:pPr marL="0" lvl="0" indent="0" algn="l" rtl="0">
                 <a:spcBef>
                   <a:spcPts val="0"/>
                 </a:spcBef>
@@ -4609,9 +4706,6 @@
                 </a:spcAft>
                 <a:buNone/>
               </a:pPr>
-              <a:r>
-                <a:t/>
-              </a:r>
               <a:endParaRPr/>
             </a:p>
           </p:txBody>
@@ -4638,12 +4732,12 @@
             </a:ln>
           </p:spPr>
           <p:txBody>
-            <a:bodyPr anchorCtr="0" anchor="ctr" bIns="91425" lIns="91425" spcFirstLastPara="1" rIns="91425" wrap="square" tIns="91425">
+            <a:bodyPr spcFirstLastPara="1" wrap="square" lIns="91425" tIns="91425" rIns="91425" bIns="91425" anchor="ctr" anchorCtr="0">
               <a:noAutofit/>
             </a:bodyPr>
             <a:lstStyle/>
             <a:p>
-              <a:pPr indent="0" lvl="0" marL="0" rtl="0" algn="l">
+              <a:pPr marL="0" lvl="0" indent="0" algn="l" rtl="0">
                 <a:spcBef>
                   <a:spcPts val="0"/>
                 </a:spcBef>
@@ -4652,9 +4746,6 @@
                 </a:spcAft>
                 <a:buNone/>
               </a:pPr>
-              <a:r>
-                <a:t/>
-              </a:r>
               <a:endParaRPr/>
             </a:p>
           </p:txBody>
@@ -4663,7 +4754,9 @@
       <p:sp>
         <p:nvSpPr>
           <p:cNvPr id="36" name="Google Shape;36;p5"/>
-          <p:cNvSpPr txBox="1"/>
+          <p:cNvSpPr txBox="1">
+            <a:spLocks noGrp="1"/>
+          </p:cNvSpPr>
           <p:nvPr>
             <p:ph type="title"/>
           </p:nvPr>
@@ -4678,7 +4771,7 @@
           </a:prstGeom>
         </p:spPr>
         <p:txBody>
-          <a:bodyPr anchorCtr="0" anchor="t" bIns="91425" lIns="91425" spcFirstLastPara="1" rIns="91425" wrap="square" tIns="91425"/>
+          <a:bodyPr spcFirstLastPara="1" wrap="square" lIns="91425" tIns="91425" rIns="91425" bIns="91425" anchor="t" anchorCtr="0"/>
           <a:lstStyle>
             <a:lvl1pPr lvl="0">
               <a:spcBef>
@@ -4843,15 +4936,19 @@
               </a:defRPr>
             </a:lvl9pPr>
           </a:lstStyle>
-          <a:p/>
+          <a:p>
+            <a:endParaRPr/>
+          </a:p>
         </p:txBody>
       </p:sp>
       <p:sp>
         <p:nvSpPr>
           <p:cNvPr id="37" name="Google Shape;37;p5"/>
-          <p:cNvSpPr txBox="1"/>
+          <p:cNvSpPr txBox="1">
+            <a:spLocks noGrp="1"/>
+          </p:cNvSpPr>
           <p:nvPr>
-            <p:ph idx="1" type="body"/>
+            <p:ph type="body" idx="1"/>
           </p:nvPr>
         </p:nvSpPr>
         <p:spPr>
@@ -4864,9 +4961,9 @@
           </a:prstGeom>
         </p:spPr>
         <p:txBody>
-          <a:bodyPr anchorCtr="0" anchor="t" bIns="91425" lIns="91425" spcFirstLastPara="1" rIns="91425" wrap="square" tIns="91425"/>
+          <a:bodyPr spcFirstLastPara="1" wrap="square" lIns="91425" tIns="91425" rIns="91425" bIns="91425" anchor="t" anchorCtr="0"/>
           <a:lstStyle>
-            <a:lvl1pPr indent="-311150" lvl="0" marL="457200">
+            <a:lvl1pPr marL="457200" lvl="0" indent="-311150">
               <a:spcBef>
                 <a:spcPts val="0"/>
               </a:spcBef>
@@ -4877,7 +4974,7 @@
               <a:buChar char="●"/>
               <a:defRPr/>
             </a:lvl1pPr>
-            <a:lvl2pPr indent="-298450" lvl="1" marL="914400">
+            <a:lvl2pPr marL="914400" lvl="1" indent="-298450">
               <a:spcBef>
                 <a:spcPts val="1600"/>
               </a:spcBef>
@@ -4888,7 +4985,7 @@
               <a:buChar char="○"/>
               <a:defRPr/>
             </a:lvl2pPr>
-            <a:lvl3pPr indent="-298450" lvl="2" marL="1371600">
+            <a:lvl3pPr marL="1371600" lvl="2" indent="-298450">
               <a:spcBef>
                 <a:spcPts val="1600"/>
               </a:spcBef>
@@ -4899,7 +4996,7 @@
               <a:buChar char="■"/>
               <a:defRPr/>
             </a:lvl3pPr>
-            <a:lvl4pPr indent="-298450" lvl="3" marL="1828800">
+            <a:lvl4pPr marL="1828800" lvl="3" indent="-298450">
               <a:spcBef>
                 <a:spcPts val="1600"/>
               </a:spcBef>
@@ -4910,7 +5007,7 @@
               <a:buChar char="●"/>
               <a:defRPr/>
             </a:lvl4pPr>
-            <a:lvl5pPr indent="-298450" lvl="4" marL="2286000">
+            <a:lvl5pPr marL="2286000" lvl="4" indent="-298450">
               <a:spcBef>
                 <a:spcPts val="1600"/>
               </a:spcBef>
@@ -4921,7 +5018,7 @@
               <a:buChar char="○"/>
               <a:defRPr/>
             </a:lvl5pPr>
-            <a:lvl6pPr indent="-298450" lvl="5" marL="2743200">
+            <a:lvl6pPr marL="2743200" lvl="5" indent="-298450">
               <a:spcBef>
                 <a:spcPts val="1600"/>
               </a:spcBef>
@@ -4932,7 +5029,7 @@
               <a:buChar char="■"/>
               <a:defRPr/>
             </a:lvl6pPr>
-            <a:lvl7pPr indent="-298450" lvl="6" marL="3200400">
+            <a:lvl7pPr marL="3200400" lvl="6" indent="-298450">
               <a:spcBef>
                 <a:spcPts val="1600"/>
               </a:spcBef>
@@ -4943,7 +5040,7 @@
               <a:buChar char="●"/>
               <a:defRPr/>
             </a:lvl7pPr>
-            <a:lvl8pPr indent="-298450" lvl="7" marL="3657600">
+            <a:lvl8pPr marL="3657600" lvl="7" indent="-298450">
               <a:spcBef>
                 <a:spcPts val="1600"/>
               </a:spcBef>
@@ -4954,7 +5051,7 @@
               <a:buChar char="○"/>
               <a:defRPr/>
             </a:lvl8pPr>
-            <a:lvl9pPr indent="-298450" lvl="8" marL="4114800">
+            <a:lvl9pPr marL="4114800" lvl="8" indent="-298450">
               <a:spcBef>
                 <a:spcPts val="1600"/>
               </a:spcBef>
@@ -4966,15 +5063,19 @@
               <a:defRPr/>
             </a:lvl9pPr>
           </a:lstStyle>
-          <a:p/>
+          <a:p>
+            <a:endParaRPr/>
+          </a:p>
         </p:txBody>
       </p:sp>
       <p:sp>
         <p:nvSpPr>
           <p:cNvPr id="38" name="Google Shape;38;p5"/>
-          <p:cNvSpPr txBox="1"/>
+          <p:cNvSpPr txBox="1">
+            <a:spLocks noGrp="1"/>
+          </p:cNvSpPr>
           <p:nvPr>
-            <p:ph idx="2" type="body"/>
+            <p:ph type="body" idx="2"/>
           </p:nvPr>
         </p:nvSpPr>
         <p:spPr>
@@ -4987,9 +5088,9 @@
           </a:prstGeom>
         </p:spPr>
         <p:txBody>
-          <a:bodyPr anchorCtr="0" anchor="t" bIns="91425" lIns="91425" spcFirstLastPara="1" rIns="91425" wrap="square" tIns="91425"/>
+          <a:bodyPr spcFirstLastPara="1" wrap="square" lIns="91425" tIns="91425" rIns="91425" bIns="91425" anchor="t" anchorCtr="0"/>
           <a:lstStyle>
-            <a:lvl1pPr indent="-311150" lvl="0" marL="457200">
+            <a:lvl1pPr marL="457200" lvl="0" indent="-311150">
               <a:spcBef>
                 <a:spcPts val="0"/>
               </a:spcBef>
@@ -5000,7 +5101,7 @@
               <a:buChar char="●"/>
               <a:defRPr/>
             </a:lvl1pPr>
-            <a:lvl2pPr indent="-298450" lvl="1" marL="914400">
+            <a:lvl2pPr marL="914400" lvl="1" indent="-298450">
               <a:spcBef>
                 <a:spcPts val="1600"/>
               </a:spcBef>
@@ -5011,7 +5112,7 @@
               <a:buChar char="○"/>
               <a:defRPr/>
             </a:lvl2pPr>
-            <a:lvl3pPr indent="-298450" lvl="2" marL="1371600">
+            <a:lvl3pPr marL="1371600" lvl="2" indent="-298450">
               <a:spcBef>
                 <a:spcPts val="1600"/>
               </a:spcBef>
@@ -5022,7 +5123,7 @@
               <a:buChar char="■"/>
               <a:defRPr/>
             </a:lvl3pPr>
-            <a:lvl4pPr indent="-298450" lvl="3" marL="1828800">
+            <a:lvl4pPr marL="1828800" lvl="3" indent="-298450">
               <a:spcBef>
                 <a:spcPts val="1600"/>
               </a:spcBef>
@@ -5033,7 +5134,7 @@
               <a:buChar char="●"/>
               <a:defRPr/>
             </a:lvl4pPr>
-            <a:lvl5pPr indent="-298450" lvl="4" marL="2286000">
+            <a:lvl5pPr marL="2286000" lvl="4" indent="-298450">
               <a:spcBef>
                 <a:spcPts val="1600"/>
               </a:spcBef>
@@ -5044,7 +5145,7 @@
               <a:buChar char="○"/>
               <a:defRPr/>
             </a:lvl5pPr>
-            <a:lvl6pPr indent="-298450" lvl="5" marL="2743200">
+            <a:lvl6pPr marL="2743200" lvl="5" indent="-298450">
               <a:spcBef>
                 <a:spcPts val="1600"/>
               </a:spcBef>
@@ -5055,7 +5156,7 @@
               <a:buChar char="■"/>
               <a:defRPr/>
             </a:lvl6pPr>
-            <a:lvl7pPr indent="-298450" lvl="6" marL="3200400">
+            <a:lvl7pPr marL="3200400" lvl="6" indent="-298450">
               <a:spcBef>
                 <a:spcPts val="1600"/>
               </a:spcBef>
@@ -5066,7 +5167,7 @@
               <a:buChar char="●"/>
               <a:defRPr/>
             </a:lvl7pPr>
-            <a:lvl8pPr indent="-298450" lvl="7" marL="3657600">
+            <a:lvl8pPr marL="3657600" lvl="7" indent="-298450">
               <a:spcBef>
                 <a:spcPts val="1600"/>
               </a:spcBef>
@@ -5077,7 +5178,7 @@
               <a:buChar char="○"/>
               <a:defRPr/>
             </a:lvl8pPr>
-            <a:lvl9pPr indent="-298450" lvl="8" marL="4114800">
+            <a:lvl9pPr marL="4114800" lvl="8" indent="-298450">
               <a:spcBef>
                 <a:spcPts val="1600"/>
               </a:spcBef>
@@ -5089,15 +5190,19 @@
               <a:defRPr/>
             </a:lvl9pPr>
           </a:lstStyle>
-          <a:p/>
+          <a:p>
+            <a:endParaRPr/>
+          </a:p>
         </p:txBody>
       </p:sp>
       <p:sp>
         <p:nvSpPr>
           <p:cNvPr id="39" name="Google Shape;39;p5"/>
-          <p:cNvSpPr txBox="1"/>
+          <p:cNvSpPr txBox="1">
+            <a:spLocks noGrp="1"/>
+          </p:cNvSpPr>
           <p:nvPr>
-            <p:ph idx="12" type="sldNum"/>
+            <p:ph type="sldNum" idx="12"/>
           </p:nvPr>
         </p:nvSpPr>
         <p:spPr>
@@ -5110,7 +5215,7 @@
           </a:prstGeom>
         </p:spPr>
         <p:txBody>
-          <a:bodyPr anchorCtr="0" anchor="ctr" bIns="91425" lIns="91425" spcFirstLastPara="1" rIns="91425" wrap="square" tIns="91425">
+          <a:bodyPr spcFirstLastPara="1" wrap="square" lIns="91425" tIns="91425" rIns="91425" bIns="91425" anchor="ctr" anchorCtr="0">
             <a:noAutofit/>
           </a:bodyPr>
           <a:lstStyle>
@@ -5152,7 +5257,7 @@
             </a:lvl9pPr>
           </a:lstStyle>
           <a:p>
-            <a:pPr indent="0" lvl="0" marL="0" rtl="0" algn="r">
+            <a:pPr marL="0" lvl="0" indent="0" algn="r" rtl="0">
               <a:spcBef>
                 <a:spcPts val="0"/>
               </a:spcBef>
@@ -5178,11 +5283,11 @@
 </file>
 
 <file path=ppt/slideLayouts/slideLayout5.xml><?xml version="1.0" encoding="utf-8"?>
-<p:sldLayout xmlns:a="http://schemas.openxmlformats.org/drawingml/2006/main" xmlns:r="http://schemas.openxmlformats.org/officeDocument/2006/relationships" xmlns:mc="http://schemas.openxmlformats.org/markup-compatibility/2006" xmlns:mv="urn:schemas-microsoft-com:mac:vml" xmlns:p="http://schemas.openxmlformats.org/presentationml/2006/main" xmlns:c="http://schemas.openxmlformats.org/drawingml/2006/chart" xmlns:dgm="http://schemas.openxmlformats.org/drawingml/2006/diagram" xmlns:o="urn:schemas-microsoft-com:office:office" xmlns:v="urn:schemas-microsoft-com:vml" xmlns:pvml="urn:schemas-microsoft-com:office:powerpoint" xmlns:com="http://schemas.openxmlformats.org/drawingml/2006/compatibility" xmlns:p14="http://schemas.microsoft.com/office/powerpoint/2010/main" xmlns:p15="http://schemas.microsoft.com/office/powerpoint/2012/main" matchingName="Title only" type="titleOnly">
+<p:sldLayout xmlns:a="http://schemas.openxmlformats.org/drawingml/2006/main" xmlns:r="http://schemas.openxmlformats.org/officeDocument/2006/relationships" xmlns:p="http://schemas.openxmlformats.org/presentationml/2006/main" matchingName="Title only" type="titleOnly">
   <p:cSld name="TITLE_ONLY">
     <p:spTree>
       <p:nvGrpSpPr>
-        <p:cNvPr id="40" name="Shape 40"/>
+        <p:cNvPr id="1" name="Shape 40"/>
         <p:cNvGrpSpPr/>
         <p:nvPr/>
       </p:nvGrpSpPr>
@@ -5216,12 +5321,12 @@
           </a:ln>
         </p:spPr>
         <p:txBody>
-          <a:bodyPr anchorCtr="0" anchor="ctr" bIns="91425" lIns="91425" spcFirstLastPara="1" rIns="91425" wrap="square" tIns="91425">
+          <a:bodyPr spcFirstLastPara="1" wrap="square" lIns="91425" tIns="91425" rIns="91425" bIns="91425" anchor="ctr" anchorCtr="0">
             <a:noAutofit/>
           </a:bodyPr>
           <a:lstStyle/>
           <a:p>
-            <a:pPr indent="0" lvl="0" marL="0" rtl="0" algn="l">
+            <a:pPr marL="0" lvl="0" indent="0" algn="l" rtl="0">
               <a:spcBef>
                 <a:spcPts val="0"/>
               </a:spcBef>
@@ -5230,9 +5335,6 @@
               </a:spcAft>
               <a:buNone/>
             </a:pPr>
-            <a:r>
-              <a:t/>
-            </a:r>
             <a:endParaRPr/>
           </a:p>
         </p:txBody>
@@ -5273,12 +5375,12 @@
             </a:ln>
           </p:spPr>
           <p:txBody>
-            <a:bodyPr anchorCtr="0" anchor="ctr" bIns="91425" lIns="91425" spcFirstLastPara="1" rIns="91425" wrap="square" tIns="91425">
+            <a:bodyPr spcFirstLastPara="1" wrap="square" lIns="91425" tIns="91425" rIns="91425" bIns="91425" anchor="ctr" anchorCtr="0">
               <a:noAutofit/>
             </a:bodyPr>
             <a:lstStyle/>
             <a:p>
-              <a:pPr indent="0" lvl="0" marL="0" rtl="0" algn="l">
+              <a:pPr marL="0" lvl="0" indent="0" algn="l" rtl="0">
                 <a:spcBef>
                   <a:spcPts val="0"/>
                 </a:spcBef>
@@ -5287,9 +5389,6 @@
                 </a:spcAft>
                 <a:buNone/>
               </a:pPr>
-              <a:r>
-                <a:t/>
-              </a:r>
               <a:endParaRPr/>
             </a:p>
           </p:txBody>
@@ -5316,12 +5415,12 @@
             </a:ln>
           </p:spPr>
           <p:txBody>
-            <a:bodyPr anchorCtr="0" anchor="ctr" bIns="91425" lIns="91425" spcFirstLastPara="1" rIns="91425" wrap="square" tIns="91425">
+            <a:bodyPr spcFirstLastPara="1" wrap="square" lIns="91425" tIns="91425" rIns="91425" bIns="91425" anchor="ctr" anchorCtr="0">
               <a:noAutofit/>
             </a:bodyPr>
             <a:lstStyle/>
             <a:p>
-              <a:pPr indent="0" lvl="0" marL="0" rtl="0" algn="l">
+              <a:pPr marL="0" lvl="0" indent="0" algn="l" rtl="0">
                 <a:spcBef>
                   <a:spcPts val="0"/>
                 </a:spcBef>
@@ -5330,9 +5429,6 @@
                 </a:spcAft>
                 <a:buNone/>
               </a:pPr>
-              <a:r>
-                <a:t/>
-              </a:r>
               <a:endParaRPr/>
             </a:p>
           </p:txBody>
@@ -5341,7 +5437,9 @@
       <p:sp>
         <p:nvSpPr>
           <p:cNvPr id="45" name="Google Shape;45;p6"/>
-          <p:cNvSpPr txBox="1"/>
+          <p:cNvSpPr txBox="1">
+            <a:spLocks noGrp="1"/>
+          </p:cNvSpPr>
           <p:nvPr>
             <p:ph type="title"/>
           </p:nvPr>
@@ -5356,7 +5454,7 @@
           </a:prstGeom>
         </p:spPr>
         <p:txBody>
-          <a:bodyPr anchorCtr="0" anchor="t" bIns="91425" lIns="91425" spcFirstLastPara="1" rIns="91425" wrap="square" tIns="91425"/>
+          <a:bodyPr spcFirstLastPara="1" wrap="square" lIns="91425" tIns="91425" rIns="91425" bIns="91425" anchor="t" anchorCtr="0"/>
           <a:lstStyle>
             <a:lvl1pPr lvl="0">
               <a:spcBef>
@@ -5521,15 +5619,19 @@
               </a:defRPr>
             </a:lvl9pPr>
           </a:lstStyle>
-          <a:p/>
+          <a:p>
+            <a:endParaRPr/>
+          </a:p>
         </p:txBody>
       </p:sp>
       <p:sp>
         <p:nvSpPr>
           <p:cNvPr id="46" name="Google Shape;46;p6"/>
-          <p:cNvSpPr txBox="1"/>
+          <p:cNvSpPr txBox="1">
+            <a:spLocks noGrp="1"/>
+          </p:cNvSpPr>
           <p:nvPr>
-            <p:ph idx="12" type="sldNum"/>
+            <p:ph type="sldNum" idx="12"/>
           </p:nvPr>
         </p:nvSpPr>
         <p:spPr>
@@ -5542,7 +5644,7 @@
           </a:prstGeom>
         </p:spPr>
         <p:txBody>
-          <a:bodyPr anchorCtr="0" anchor="ctr" bIns="91425" lIns="91425" spcFirstLastPara="1" rIns="91425" wrap="square" tIns="91425">
+          <a:bodyPr spcFirstLastPara="1" wrap="square" lIns="91425" tIns="91425" rIns="91425" bIns="91425" anchor="ctr" anchorCtr="0">
             <a:noAutofit/>
           </a:bodyPr>
           <a:lstStyle>
@@ -5584,7 +5686,7 @@
             </a:lvl9pPr>
           </a:lstStyle>
           <a:p>
-            <a:pPr indent="0" lvl="0" marL="0" rtl="0" algn="r">
+            <a:pPr marL="0" lvl="0" indent="0" algn="r" rtl="0">
               <a:spcBef>
                 <a:spcPts val="0"/>
               </a:spcBef>
@@ -5610,11 +5712,11 @@
 </file>
 
 <file path=ppt/slideLayouts/slideLayout6.xml><?xml version="1.0" encoding="utf-8"?>
-<p:sldLayout xmlns:a="http://schemas.openxmlformats.org/drawingml/2006/main" xmlns:r="http://schemas.openxmlformats.org/officeDocument/2006/relationships" xmlns:mc="http://schemas.openxmlformats.org/markup-compatibility/2006" xmlns:mv="urn:schemas-microsoft-com:mac:vml" xmlns:p="http://schemas.openxmlformats.org/presentationml/2006/main" xmlns:c="http://schemas.openxmlformats.org/drawingml/2006/chart" xmlns:dgm="http://schemas.openxmlformats.org/drawingml/2006/diagram" xmlns:o="urn:schemas-microsoft-com:office:office" xmlns:v="urn:schemas-microsoft-com:vml" xmlns:pvml="urn:schemas-microsoft-com:office:powerpoint" xmlns:com="http://schemas.openxmlformats.org/drawingml/2006/compatibility" xmlns:p14="http://schemas.microsoft.com/office/powerpoint/2010/main" xmlns:p15="http://schemas.microsoft.com/office/powerpoint/2012/main" matchingName="One column text">
+<p:sldLayout xmlns:a="http://schemas.openxmlformats.org/drawingml/2006/main" xmlns:r="http://schemas.openxmlformats.org/officeDocument/2006/relationships" xmlns:p="http://schemas.openxmlformats.org/presentationml/2006/main" matchingName="One column text">
   <p:cSld name="ONE_COLUMN_TEXT">
     <p:spTree>
       <p:nvGrpSpPr>
-        <p:cNvPr id="47" name="Shape 47"/>
+        <p:cNvPr id="1" name="Shape 47"/>
         <p:cNvGrpSpPr/>
         <p:nvPr/>
       </p:nvGrpSpPr>
@@ -5648,12 +5750,12 @@
           </a:ln>
         </p:spPr>
         <p:txBody>
-          <a:bodyPr anchorCtr="0" anchor="ctr" bIns="91425" lIns="91425" spcFirstLastPara="1" rIns="91425" wrap="square" tIns="91425">
+          <a:bodyPr spcFirstLastPara="1" wrap="square" lIns="91425" tIns="91425" rIns="91425" bIns="91425" anchor="ctr" anchorCtr="0">
             <a:noAutofit/>
           </a:bodyPr>
           <a:lstStyle/>
           <a:p>
-            <a:pPr indent="0" lvl="0" marL="0" rtl="0" algn="l">
+            <a:pPr marL="0" lvl="0" indent="0" algn="l" rtl="0">
               <a:spcBef>
                 <a:spcPts val="0"/>
               </a:spcBef>
@@ -5662,9 +5764,6 @@
               </a:spcAft>
               <a:buNone/>
             </a:pPr>
-            <a:r>
-              <a:t/>
-            </a:r>
             <a:endParaRPr/>
           </a:p>
         </p:txBody>
@@ -5705,12 +5804,12 @@
             </a:ln>
           </p:spPr>
           <p:txBody>
-            <a:bodyPr anchorCtr="0" anchor="ctr" bIns="91425" lIns="91425" spcFirstLastPara="1" rIns="91425" wrap="square" tIns="91425">
+            <a:bodyPr spcFirstLastPara="1" wrap="square" lIns="91425" tIns="91425" rIns="91425" bIns="91425" anchor="ctr" anchorCtr="0">
               <a:noAutofit/>
             </a:bodyPr>
             <a:lstStyle/>
             <a:p>
-              <a:pPr indent="0" lvl="0" marL="0" rtl="0" algn="l">
+              <a:pPr marL="0" lvl="0" indent="0" algn="l" rtl="0">
                 <a:spcBef>
                   <a:spcPts val="0"/>
                 </a:spcBef>
@@ -5719,9 +5818,6 @@
                 </a:spcAft>
                 <a:buNone/>
               </a:pPr>
-              <a:r>
-                <a:t/>
-              </a:r>
               <a:endParaRPr/>
             </a:p>
           </p:txBody>
@@ -5748,12 +5844,12 @@
             </a:ln>
           </p:spPr>
           <p:txBody>
-            <a:bodyPr anchorCtr="0" anchor="ctr" bIns="91425" lIns="91425" spcFirstLastPara="1" rIns="91425" wrap="square" tIns="91425">
+            <a:bodyPr spcFirstLastPara="1" wrap="square" lIns="91425" tIns="91425" rIns="91425" bIns="91425" anchor="ctr" anchorCtr="0">
               <a:noAutofit/>
             </a:bodyPr>
             <a:lstStyle/>
             <a:p>
-              <a:pPr indent="0" lvl="0" marL="0" rtl="0" algn="l">
+              <a:pPr marL="0" lvl="0" indent="0" algn="l" rtl="0">
                 <a:spcBef>
                   <a:spcPts val="0"/>
                 </a:spcBef>
@@ -5762,9 +5858,6 @@
                 </a:spcAft>
                 <a:buNone/>
               </a:pPr>
-              <a:r>
-                <a:t/>
-              </a:r>
               <a:endParaRPr/>
             </a:p>
           </p:txBody>
@@ -5773,7 +5866,9 @@
       <p:sp>
         <p:nvSpPr>
           <p:cNvPr id="52" name="Google Shape;52;p7"/>
-          <p:cNvSpPr txBox="1"/>
+          <p:cNvSpPr txBox="1">
+            <a:spLocks noGrp="1"/>
+          </p:cNvSpPr>
           <p:nvPr>
             <p:ph type="title"/>
           </p:nvPr>
@@ -5788,7 +5883,7 @@
           </a:prstGeom>
         </p:spPr>
         <p:txBody>
-          <a:bodyPr anchorCtr="0" anchor="t" bIns="91425" lIns="91425" spcFirstLastPara="1" rIns="91425" wrap="square" tIns="91425"/>
+          <a:bodyPr spcFirstLastPara="1" wrap="square" lIns="91425" tIns="91425" rIns="91425" bIns="91425" anchor="t" anchorCtr="0"/>
           <a:lstStyle>
             <a:lvl1pPr lvl="0">
               <a:spcBef>
@@ -5953,15 +6048,19 @@
               </a:defRPr>
             </a:lvl9pPr>
           </a:lstStyle>
-          <a:p/>
+          <a:p>
+            <a:endParaRPr/>
+          </a:p>
         </p:txBody>
       </p:sp>
       <p:sp>
         <p:nvSpPr>
           <p:cNvPr id="53" name="Google Shape;53;p7"/>
-          <p:cNvSpPr txBox="1"/>
+          <p:cNvSpPr txBox="1">
+            <a:spLocks noGrp="1"/>
+          </p:cNvSpPr>
           <p:nvPr>
-            <p:ph idx="1" type="body"/>
+            <p:ph type="body" idx="1"/>
           </p:nvPr>
         </p:nvSpPr>
         <p:spPr>
@@ -5974,9 +6073,9 @@
           </a:prstGeom>
         </p:spPr>
         <p:txBody>
-          <a:bodyPr anchorCtr="0" anchor="t" bIns="91425" lIns="91425" spcFirstLastPara="1" rIns="91425" wrap="square" tIns="91425"/>
+          <a:bodyPr spcFirstLastPara="1" wrap="square" lIns="91425" tIns="91425" rIns="91425" bIns="91425" anchor="t" anchorCtr="0"/>
           <a:lstStyle>
-            <a:lvl1pPr indent="-311150" lvl="0" marL="457200">
+            <a:lvl1pPr marL="457200" lvl="0" indent="-311150">
               <a:spcBef>
                 <a:spcPts val="0"/>
               </a:spcBef>
@@ -5987,7 +6086,7 @@
               <a:buChar char="●"/>
               <a:defRPr/>
             </a:lvl1pPr>
-            <a:lvl2pPr indent="-298450" lvl="1" marL="914400">
+            <a:lvl2pPr marL="914400" lvl="1" indent="-298450">
               <a:spcBef>
                 <a:spcPts val="1600"/>
               </a:spcBef>
@@ -5998,7 +6097,7 @@
               <a:buChar char="○"/>
               <a:defRPr/>
             </a:lvl2pPr>
-            <a:lvl3pPr indent="-298450" lvl="2" marL="1371600">
+            <a:lvl3pPr marL="1371600" lvl="2" indent="-298450">
               <a:spcBef>
                 <a:spcPts val="1600"/>
               </a:spcBef>
@@ -6009,7 +6108,7 @@
               <a:buChar char="■"/>
               <a:defRPr/>
             </a:lvl3pPr>
-            <a:lvl4pPr indent="-298450" lvl="3" marL="1828800">
+            <a:lvl4pPr marL="1828800" lvl="3" indent="-298450">
               <a:spcBef>
                 <a:spcPts val="1600"/>
               </a:spcBef>
@@ -6020,7 +6119,7 @@
               <a:buChar char="●"/>
               <a:defRPr/>
             </a:lvl4pPr>
-            <a:lvl5pPr indent="-298450" lvl="4" marL="2286000">
+            <a:lvl5pPr marL="2286000" lvl="4" indent="-298450">
               <a:spcBef>
                 <a:spcPts val="1600"/>
               </a:spcBef>
@@ -6031,7 +6130,7 @@
               <a:buChar char="○"/>
               <a:defRPr/>
             </a:lvl5pPr>
-            <a:lvl6pPr indent="-298450" lvl="5" marL="2743200">
+            <a:lvl6pPr marL="2743200" lvl="5" indent="-298450">
               <a:spcBef>
                 <a:spcPts val="1600"/>
               </a:spcBef>
@@ -6042,7 +6141,7 @@
               <a:buChar char="■"/>
               <a:defRPr/>
             </a:lvl6pPr>
-            <a:lvl7pPr indent="-298450" lvl="6" marL="3200400">
+            <a:lvl7pPr marL="3200400" lvl="6" indent="-298450">
               <a:spcBef>
                 <a:spcPts val="1600"/>
               </a:spcBef>
@@ -6053,7 +6152,7 @@
               <a:buChar char="●"/>
               <a:defRPr/>
             </a:lvl7pPr>
-            <a:lvl8pPr indent="-298450" lvl="7" marL="3657600">
+            <a:lvl8pPr marL="3657600" lvl="7" indent="-298450">
               <a:spcBef>
                 <a:spcPts val="1600"/>
               </a:spcBef>
@@ -6064,7 +6163,7 @@
               <a:buChar char="○"/>
               <a:defRPr/>
             </a:lvl8pPr>
-            <a:lvl9pPr indent="-298450" lvl="8" marL="4114800">
+            <a:lvl9pPr marL="4114800" lvl="8" indent="-298450">
               <a:spcBef>
                 <a:spcPts val="1600"/>
               </a:spcBef>
@@ -6076,15 +6175,19 @@
               <a:defRPr/>
             </a:lvl9pPr>
           </a:lstStyle>
-          <a:p/>
+          <a:p>
+            <a:endParaRPr/>
+          </a:p>
         </p:txBody>
       </p:sp>
       <p:sp>
         <p:nvSpPr>
           <p:cNvPr id="54" name="Google Shape;54;p7"/>
-          <p:cNvSpPr txBox="1"/>
+          <p:cNvSpPr txBox="1">
+            <a:spLocks noGrp="1"/>
+          </p:cNvSpPr>
           <p:nvPr>
-            <p:ph idx="12" type="sldNum"/>
+            <p:ph type="sldNum" idx="12"/>
           </p:nvPr>
         </p:nvSpPr>
         <p:spPr>
@@ -6097,7 +6200,7 @@
           </a:prstGeom>
         </p:spPr>
         <p:txBody>
-          <a:bodyPr anchorCtr="0" anchor="ctr" bIns="91425" lIns="91425" spcFirstLastPara="1" rIns="91425" wrap="square" tIns="91425">
+          <a:bodyPr spcFirstLastPara="1" wrap="square" lIns="91425" tIns="91425" rIns="91425" bIns="91425" anchor="ctr" anchorCtr="0">
             <a:noAutofit/>
           </a:bodyPr>
           <a:lstStyle>
@@ -6139,7 +6242,7 @@
             </a:lvl9pPr>
           </a:lstStyle>
           <a:p>
-            <a:pPr indent="0" lvl="0" marL="0" rtl="0" algn="r">
+            <a:pPr marL="0" lvl="0" indent="0" algn="r" rtl="0">
               <a:spcBef>
                 <a:spcPts val="0"/>
               </a:spcBef>
@@ -6165,18 +6268,19 @@
 </file>
 
 <file path=ppt/slideLayouts/slideLayout7.xml><?xml version="1.0" encoding="utf-8"?>
-<p:sldLayout xmlns:a="http://schemas.openxmlformats.org/drawingml/2006/main" xmlns:r="http://schemas.openxmlformats.org/officeDocument/2006/relationships" xmlns:mc="http://schemas.openxmlformats.org/markup-compatibility/2006" xmlns:mv="urn:schemas-microsoft-com:mac:vml" xmlns:p="http://schemas.openxmlformats.org/presentationml/2006/main" xmlns:c="http://schemas.openxmlformats.org/drawingml/2006/chart" xmlns:dgm="http://schemas.openxmlformats.org/drawingml/2006/diagram" xmlns:o="urn:schemas-microsoft-com:office:office" xmlns:v="urn:schemas-microsoft-com:vml" xmlns:pvml="urn:schemas-microsoft-com:office:powerpoint" xmlns:com="http://schemas.openxmlformats.org/drawingml/2006/compatibility" xmlns:p14="http://schemas.microsoft.com/office/powerpoint/2010/main" xmlns:p15="http://schemas.microsoft.com/office/powerpoint/2012/main" matchingName="Main point">
+<p:sldLayout xmlns:a="http://schemas.openxmlformats.org/drawingml/2006/main" xmlns:r="http://schemas.openxmlformats.org/officeDocument/2006/relationships" xmlns:p="http://schemas.openxmlformats.org/presentationml/2006/main" matchingName="Main point">
   <p:cSld name="MAIN_POINT">
     <p:bg>
       <p:bgPr>
         <a:solidFill>
           <a:schemeClr val="accent3"/>
         </a:solidFill>
+        <a:effectLst/>
       </p:bgPr>
     </p:bg>
     <p:spTree>
       <p:nvGrpSpPr>
-        <p:cNvPr id="55" name="Shape 55"/>
+        <p:cNvPr id="1" name="Shape 55"/>
         <p:cNvGrpSpPr/>
         <p:nvPr/>
       </p:nvGrpSpPr>
@@ -6224,12 +6328,12 @@
             </a:ln>
           </p:spPr>
           <p:txBody>
-            <a:bodyPr anchorCtr="0" anchor="ctr" bIns="91425" lIns="91425" spcFirstLastPara="1" rIns="91425" wrap="square" tIns="91425">
+            <a:bodyPr spcFirstLastPara="1" wrap="square" lIns="91425" tIns="91425" rIns="91425" bIns="91425" anchor="ctr" anchorCtr="0">
               <a:noAutofit/>
             </a:bodyPr>
             <a:lstStyle/>
             <a:p>
-              <a:pPr indent="0" lvl="0" marL="0" rtl="0" algn="l">
+              <a:pPr marL="0" lvl="0" indent="0" algn="l" rtl="0">
                 <a:spcBef>
                   <a:spcPts val="0"/>
                 </a:spcBef>
@@ -6238,9 +6342,6 @@
                 </a:spcAft>
                 <a:buNone/>
               </a:pPr>
-              <a:r>
-                <a:t/>
-              </a:r>
               <a:endParaRPr/>
             </a:p>
           </p:txBody>
@@ -6267,12 +6368,12 @@
             </a:ln>
           </p:spPr>
           <p:txBody>
-            <a:bodyPr anchorCtr="0" anchor="ctr" bIns="91425" lIns="91425" spcFirstLastPara="1" rIns="91425" wrap="square" tIns="91425">
+            <a:bodyPr spcFirstLastPara="1" wrap="square" lIns="91425" tIns="91425" rIns="91425" bIns="91425" anchor="ctr" anchorCtr="0">
               <a:noAutofit/>
             </a:bodyPr>
             <a:lstStyle/>
             <a:p>
-              <a:pPr indent="0" lvl="0" marL="0" rtl="0" algn="l">
+              <a:pPr marL="0" lvl="0" indent="0" algn="l" rtl="0">
                 <a:spcBef>
                   <a:spcPts val="0"/>
                 </a:spcBef>
@@ -6281,9 +6382,6 @@
                 </a:spcAft>
                 <a:buNone/>
               </a:pPr>
-              <a:r>
-                <a:t/>
-              </a:r>
               <a:endParaRPr/>
             </a:p>
           </p:txBody>
@@ -6292,7 +6390,9 @@
       <p:sp>
         <p:nvSpPr>
           <p:cNvPr id="59" name="Google Shape;59;p8"/>
-          <p:cNvSpPr txBox="1"/>
+          <p:cNvSpPr txBox="1">
+            <a:spLocks noGrp="1"/>
+          </p:cNvSpPr>
           <p:nvPr>
             <p:ph type="title"/>
           </p:nvPr>
@@ -6307,7 +6407,7 @@
           </a:prstGeom>
         </p:spPr>
         <p:txBody>
-          <a:bodyPr anchorCtr="0" anchor="ctr" bIns="91425" lIns="91425" spcFirstLastPara="1" rIns="91425" wrap="square" tIns="91425"/>
+          <a:bodyPr spcFirstLastPara="1" wrap="square" lIns="91425" tIns="91425" rIns="91425" bIns="91425" anchor="ctr" anchorCtr="0"/>
           <a:lstStyle>
             <a:lvl1pPr lvl="0">
               <a:spcBef>
@@ -6472,15 +6572,19 @@
               </a:defRPr>
             </a:lvl9pPr>
           </a:lstStyle>
-          <a:p/>
+          <a:p>
+            <a:endParaRPr/>
+          </a:p>
         </p:txBody>
       </p:sp>
       <p:sp>
         <p:nvSpPr>
           <p:cNvPr id="60" name="Google Shape;60;p8"/>
-          <p:cNvSpPr txBox="1"/>
+          <p:cNvSpPr txBox="1">
+            <a:spLocks noGrp="1"/>
+          </p:cNvSpPr>
           <p:nvPr>
-            <p:ph idx="12" type="sldNum"/>
+            <p:ph type="sldNum" idx="12"/>
           </p:nvPr>
         </p:nvSpPr>
         <p:spPr>
@@ -6493,7 +6597,7 @@
           </a:prstGeom>
         </p:spPr>
         <p:txBody>
-          <a:bodyPr anchorCtr="0" anchor="ctr" bIns="91425" lIns="91425" spcFirstLastPara="1" rIns="91425" wrap="square" tIns="91425">
+          <a:bodyPr spcFirstLastPara="1" wrap="square" lIns="91425" tIns="91425" rIns="91425" bIns="91425" anchor="ctr" anchorCtr="0">
             <a:noAutofit/>
           </a:bodyPr>
           <a:lstStyle>
@@ -6571,7 +6675,7 @@
             </a:lvl9pPr>
           </a:lstStyle>
           <a:p>
-            <a:pPr indent="0" lvl="0" marL="0" rtl="0" algn="r">
+            <a:pPr marL="0" lvl="0" indent="0" algn="r" rtl="0">
               <a:spcBef>
                 <a:spcPts val="0"/>
               </a:spcBef>
@@ -6597,11 +6701,11 @@
 </file>
 
 <file path=ppt/slideLayouts/slideLayout8.xml><?xml version="1.0" encoding="utf-8"?>
-<p:sldLayout xmlns:a="http://schemas.openxmlformats.org/drawingml/2006/main" xmlns:r="http://schemas.openxmlformats.org/officeDocument/2006/relationships" xmlns:mc="http://schemas.openxmlformats.org/markup-compatibility/2006" xmlns:mv="urn:schemas-microsoft-com:mac:vml" xmlns:p="http://schemas.openxmlformats.org/presentationml/2006/main" xmlns:c="http://schemas.openxmlformats.org/drawingml/2006/chart" xmlns:dgm="http://schemas.openxmlformats.org/drawingml/2006/diagram" xmlns:o="urn:schemas-microsoft-com:office:office" xmlns:v="urn:schemas-microsoft-com:vml" xmlns:pvml="urn:schemas-microsoft-com:office:powerpoint" xmlns:com="http://schemas.openxmlformats.org/drawingml/2006/compatibility" xmlns:p14="http://schemas.microsoft.com/office/powerpoint/2010/main" xmlns:p15="http://schemas.microsoft.com/office/powerpoint/2012/main" matchingName="Section title and description">
+<p:sldLayout xmlns:a="http://schemas.openxmlformats.org/drawingml/2006/main" xmlns:r="http://schemas.openxmlformats.org/officeDocument/2006/relationships" xmlns:p="http://schemas.openxmlformats.org/presentationml/2006/main" matchingName="Section title and description">
   <p:cSld name="SECTION_TITLE_AND_DESCRIPTION">
     <p:spTree>
       <p:nvGrpSpPr>
-        <p:cNvPr id="61" name="Shape 61"/>
+        <p:cNvPr id="1" name="Shape 61"/>
         <p:cNvGrpSpPr/>
         <p:nvPr/>
       </p:nvGrpSpPr>
@@ -6635,12 +6739,12 @@
           </a:ln>
         </p:spPr>
         <p:txBody>
-          <a:bodyPr anchorCtr="0" anchor="ctr" bIns="91425" lIns="91425" spcFirstLastPara="1" rIns="91425" wrap="square" tIns="91425">
+          <a:bodyPr spcFirstLastPara="1" wrap="square" lIns="91425" tIns="91425" rIns="91425" bIns="91425" anchor="ctr" anchorCtr="0">
             <a:noAutofit/>
           </a:bodyPr>
           <a:lstStyle/>
           <a:p>
-            <a:pPr indent="0" lvl="0" marL="0" rtl="0" algn="l">
+            <a:pPr marL="0" lvl="0" indent="0" algn="l" rtl="0">
               <a:spcBef>
                 <a:spcPts val="0"/>
               </a:spcBef>
@@ -6649,9 +6753,6 @@
               </a:spcAft>
               <a:buNone/>
             </a:pPr>
-            <a:r>
-              <a:t/>
-            </a:r>
             <a:endParaRPr/>
           </a:p>
         </p:txBody>
@@ -6692,12 +6793,12 @@
             </a:ln>
           </p:spPr>
           <p:txBody>
-            <a:bodyPr anchorCtr="0" anchor="ctr" bIns="91425" lIns="91425" spcFirstLastPara="1" rIns="91425" wrap="square" tIns="91425">
+            <a:bodyPr spcFirstLastPara="1" wrap="square" lIns="91425" tIns="91425" rIns="91425" bIns="91425" anchor="ctr" anchorCtr="0">
               <a:noAutofit/>
             </a:bodyPr>
             <a:lstStyle/>
             <a:p>
-              <a:pPr indent="0" lvl="0" marL="0" rtl="0" algn="l">
+              <a:pPr marL="0" lvl="0" indent="0" algn="l" rtl="0">
                 <a:spcBef>
                   <a:spcPts val="0"/>
                 </a:spcBef>
@@ -6706,9 +6807,6 @@
                 </a:spcAft>
                 <a:buNone/>
               </a:pPr>
-              <a:r>
-                <a:t/>
-              </a:r>
               <a:endParaRPr/>
             </a:p>
           </p:txBody>
@@ -6735,12 +6833,12 @@
             </a:ln>
           </p:spPr>
           <p:txBody>
-            <a:bodyPr anchorCtr="0" anchor="ctr" bIns="91425" lIns="91425" spcFirstLastPara="1" rIns="91425" wrap="square" tIns="91425">
+            <a:bodyPr spcFirstLastPara="1" wrap="square" lIns="91425" tIns="91425" rIns="91425" bIns="91425" anchor="ctr" anchorCtr="0">
               <a:noAutofit/>
             </a:bodyPr>
             <a:lstStyle/>
             <a:p>
-              <a:pPr indent="0" lvl="0" marL="0" rtl="0" algn="l">
+              <a:pPr marL="0" lvl="0" indent="0" algn="l" rtl="0">
                 <a:spcBef>
                   <a:spcPts val="0"/>
                 </a:spcBef>
@@ -6749,9 +6847,6 @@
                 </a:spcAft>
                 <a:buNone/>
               </a:pPr>
-              <a:r>
-                <a:t/>
-              </a:r>
               <a:endParaRPr/>
             </a:p>
           </p:txBody>
@@ -6760,7 +6855,9 @@
       <p:sp>
         <p:nvSpPr>
           <p:cNvPr id="66" name="Google Shape;66;p9"/>
-          <p:cNvSpPr txBox="1"/>
+          <p:cNvSpPr txBox="1">
+            <a:spLocks noGrp="1"/>
+          </p:cNvSpPr>
           <p:nvPr>
             <p:ph type="title"/>
           </p:nvPr>
@@ -6775,7 +6872,7 @@
           </a:prstGeom>
         </p:spPr>
         <p:txBody>
-          <a:bodyPr anchorCtr="0" anchor="t" bIns="91425" lIns="91425" spcFirstLastPara="1" rIns="91425" wrap="square" tIns="91425"/>
+          <a:bodyPr spcFirstLastPara="1" wrap="square" lIns="91425" tIns="91425" rIns="91425" bIns="91425" anchor="t" anchorCtr="0"/>
           <a:lstStyle>
             <a:lvl1pPr lvl="0">
               <a:spcBef>
@@ -6940,15 +7037,19 @@
               </a:defRPr>
             </a:lvl9pPr>
           </a:lstStyle>
-          <a:p/>
+          <a:p>
+            <a:endParaRPr/>
+          </a:p>
         </p:txBody>
       </p:sp>
       <p:sp>
         <p:nvSpPr>
           <p:cNvPr id="67" name="Google Shape;67;p9"/>
-          <p:cNvSpPr txBox="1"/>
+          <p:cNvSpPr txBox="1">
+            <a:spLocks noGrp="1"/>
+          </p:cNvSpPr>
           <p:nvPr>
-            <p:ph idx="1" type="subTitle"/>
+            <p:ph type="subTitle" idx="1"/>
           </p:nvPr>
         </p:nvSpPr>
         <p:spPr>
@@ -6961,7 +7062,7 @@
           </a:prstGeom>
         </p:spPr>
         <p:txBody>
-          <a:bodyPr anchorCtr="0" anchor="t" bIns="91425" lIns="91425" spcFirstLastPara="1" rIns="91425" wrap="square" tIns="91425"/>
+          <a:bodyPr spcFirstLastPara="1" wrap="square" lIns="91425" tIns="91425" rIns="91425" bIns="91425" anchor="t" anchorCtr="0"/>
           <a:lstStyle>
             <a:lvl1pPr lvl="0">
               <a:lnSpc>
@@ -7090,15 +7191,19 @@
               <a:defRPr sz="1600"/>
             </a:lvl9pPr>
           </a:lstStyle>
-          <a:p/>
+          <a:p>
+            <a:endParaRPr/>
+          </a:p>
         </p:txBody>
       </p:sp>
       <p:sp>
         <p:nvSpPr>
           <p:cNvPr id="68" name="Google Shape;68;p9"/>
-          <p:cNvSpPr txBox="1"/>
+          <p:cNvSpPr txBox="1">
+            <a:spLocks noGrp="1"/>
+          </p:cNvSpPr>
           <p:nvPr>
-            <p:ph idx="2" type="body"/>
+            <p:ph type="body" idx="2"/>
           </p:nvPr>
         </p:nvSpPr>
         <p:spPr>
@@ -7111,9 +7216,9 @@
           </a:prstGeom>
         </p:spPr>
         <p:txBody>
-          <a:bodyPr anchorCtr="0" anchor="t" bIns="91425" lIns="91425" spcFirstLastPara="1" rIns="91425" wrap="square" tIns="91425"/>
+          <a:bodyPr spcFirstLastPara="1" wrap="square" lIns="91425" tIns="91425" rIns="91425" bIns="91425" anchor="t" anchorCtr="0"/>
           <a:lstStyle>
-            <a:lvl1pPr indent="-311150" lvl="0" marL="457200">
+            <a:lvl1pPr marL="457200" lvl="0" indent="-311150">
               <a:spcBef>
                 <a:spcPts val="0"/>
               </a:spcBef>
@@ -7124,7 +7229,7 @@
               <a:buChar char="●"/>
               <a:defRPr/>
             </a:lvl1pPr>
-            <a:lvl2pPr indent="-298450" lvl="1" marL="914400">
+            <a:lvl2pPr marL="914400" lvl="1" indent="-298450">
               <a:spcBef>
                 <a:spcPts val="1600"/>
               </a:spcBef>
@@ -7135,7 +7240,7 @@
               <a:buChar char="○"/>
               <a:defRPr/>
             </a:lvl2pPr>
-            <a:lvl3pPr indent="-298450" lvl="2" marL="1371600">
+            <a:lvl3pPr marL="1371600" lvl="2" indent="-298450">
               <a:spcBef>
                 <a:spcPts val="1600"/>
               </a:spcBef>
@@ -7146,7 +7251,7 @@
               <a:buChar char="■"/>
               <a:defRPr/>
             </a:lvl3pPr>
-            <a:lvl4pPr indent="-298450" lvl="3" marL="1828800">
+            <a:lvl4pPr marL="1828800" lvl="3" indent="-298450">
               <a:spcBef>
                 <a:spcPts val="1600"/>
               </a:spcBef>
@@ -7157,7 +7262,7 @@
               <a:buChar char="●"/>
               <a:defRPr/>
             </a:lvl4pPr>
-            <a:lvl5pPr indent="-298450" lvl="4" marL="2286000">
+            <a:lvl5pPr marL="2286000" lvl="4" indent="-298450">
               <a:spcBef>
                 <a:spcPts val="1600"/>
               </a:spcBef>
@@ -7168,7 +7273,7 @@
               <a:buChar char="○"/>
               <a:defRPr/>
             </a:lvl5pPr>
-            <a:lvl6pPr indent="-298450" lvl="5" marL="2743200">
+            <a:lvl6pPr marL="2743200" lvl="5" indent="-298450">
               <a:spcBef>
                 <a:spcPts val="1600"/>
               </a:spcBef>
@@ -7179,7 +7284,7 @@
               <a:buChar char="■"/>
               <a:defRPr/>
             </a:lvl6pPr>
-            <a:lvl7pPr indent="-298450" lvl="6" marL="3200400">
+            <a:lvl7pPr marL="3200400" lvl="6" indent="-298450">
               <a:spcBef>
                 <a:spcPts val="1600"/>
               </a:spcBef>
@@ -7190,7 +7295,7 @@
               <a:buChar char="●"/>
               <a:defRPr/>
             </a:lvl7pPr>
-            <a:lvl8pPr indent="-298450" lvl="7" marL="3657600">
+            <a:lvl8pPr marL="3657600" lvl="7" indent="-298450">
               <a:spcBef>
                 <a:spcPts val="1600"/>
               </a:spcBef>
@@ -7201,7 +7306,7 @@
               <a:buChar char="○"/>
               <a:defRPr/>
             </a:lvl8pPr>
-            <a:lvl9pPr indent="-298450" lvl="8" marL="4114800">
+            <a:lvl9pPr marL="4114800" lvl="8" indent="-298450">
               <a:spcBef>
                 <a:spcPts val="1600"/>
               </a:spcBef>
@@ -7213,15 +7318,19 @@
               <a:defRPr/>
             </a:lvl9pPr>
           </a:lstStyle>
-          <a:p/>
+          <a:p>
+            <a:endParaRPr/>
+          </a:p>
         </p:txBody>
       </p:sp>
       <p:sp>
         <p:nvSpPr>
           <p:cNvPr id="69" name="Google Shape;69;p9"/>
-          <p:cNvSpPr txBox="1"/>
+          <p:cNvSpPr txBox="1">
+            <a:spLocks noGrp="1"/>
+          </p:cNvSpPr>
           <p:nvPr>
-            <p:ph idx="12" type="sldNum"/>
+            <p:ph type="sldNum" idx="12"/>
           </p:nvPr>
         </p:nvSpPr>
         <p:spPr>
@@ -7234,7 +7343,7 @@
           </a:prstGeom>
         </p:spPr>
         <p:txBody>
-          <a:bodyPr anchorCtr="0" anchor="ctr" bIns="91425" lIns="91425" spcFirstLastPara="1" rIns="91425" wrap="square" tIns="91425">
+          <a:bodyPr spcFirstLastPara="1" wrap="square" lIns="91425" tIns="91425" rIns="91425" bIns="91425" anchor="ctr" anchorCtr="0">
             <a:noAutofit/>
           </a:bodyPr>
           <a:lstStyle>
@@ -7276,7 +7385,7 @@
             </a:lvl9pPr>
           </a:lstStyle>
           <a:p>
-            <a:pPr indent="0" lvl="0" marL="0" rtl="0" algn="r">
+            <a:pPr marL="0" lvl="0" indent="0" algn="r" rtl="0">
               <a:spcBef>
                 <a:spcPts val="0"/>
               </a:spcBef>
@@ -7302,11 +7411,11 @@
 </file>
 
 <file path=ppt/slideLayouts/slideLayout9.xml><?xml version="1.0" encoding="utf-8"?>
-<p:sldLayout xmlns:a="http://schemas.openxmlformats.org/drawingml/2006/main" xmlns:r="http://schemas.openxmlformats.org/officeDocument/2006/relationships" xmlns:mc="http://schemas.openxmlformats.org/markup-compatibility/2006" xmlns:mv="urn:schemas-microsoft-com:mac:vml" xmlns:p="http://schemas.openxmlformats.org/presentationml/2006/main" xmlns:c="http://schemas.openxmlformats.org/drawingml/2006/chart" xmlns:dgm="http://schemas.openxmlformats.org/drawingml/2006/diagram" xmlns:o="urn:schemas-microsoft-com:office:office" xmlns:v="urn:schemas-microsoft-com:vml" xmlns:pvml="urn:schemas-microsoft-com:office:powerpoint" xmlns:com="http://schemas.openxmlformats.org/drawingml/2006/compatibility" xmlns:p14="http://schemas.microsoft.com/office/powerpoint/2010/main" xmlns:p15="http://schemas.microsoft.com/office/powerpoint/2012/main" matchingName="Caption">
+<p:sldLayout xmlns:a="http://schemas.openxmlformats.org/drawingml/2006/main" xmlns:r="http://schemas.openxmlformats.org/officeDocument/2006/relationships" xmlns:p="http://schemas.openxmlformats.org/presentationml/2006/main" matchingName="Caption">
   <p:cSld name="CAPTION_ONLY">
     <p:spTree>
       <p:nvGrpSpPr>
-        <p:cNvPr id="70" name="Shape 70"/>
+        <p:cNvPr id="1" name="Shape 70"/>
         <p:cNvGrpSpPr/>
         <p:nvPr/>
       </p:nvGrpSpPr>
@@ -7321,9 +7430,11 @@
       <p:sp>
         <p:nvSpPr>
           <p:cNvPr id="71" name="Google Shape;71;p10"/>
-          <p:cNvSpPr txBox="1"/>
+          <p:cNvSpPr txBox="1">
+            <a:spLocks noGrp="1"/>
+          </p:cNvSpPr>
           <p:nvPr>
-            <p:ph idx="1" type="body"/>
+            <p:ph type="body" idx="1"/>
           </p:nvPr>
         </p:nvSpPr>
         <p:spPr>
@@ -7336,9 +7447,9 @@
           </a:prstGeom>
         </p:spPr>
         <p:txBody>
-          <a:bodyPr anchorCtr="0" anchor="ctr" bIns="91425" lIns="91425" spcFirstLastPara="1" rIns="91425" wrap="square" tIns="91425"/>
+          <a:bodyPr spcFirstLastPara="1" wrap="square" lIns="91425" tIns="91425" rIns="91425" bIns="91425" anchor="ctr" anchorCtr="0"/>
           <a:lstStyle>
-            <a:lvl1pPr indent="-228600" lvl="0" marL="457200">
+            <a:lvl1pPr marL="457200" lvl="0" indent="-228600">
               <a:lnSpc>
                 <a:spcPct val="100000"/>
               </a:lnSpc>
@@ -7353,15 +7464,19 @@
               <a:defRPr/>
             </a:lvl1pPr>
           </a:lstStyle>
-          <a:p/>
+          <a:p>
+            <a:endParaRPr/>
+          </a:p>
         </p:txBody>
       </p:sp>
       <p:sp>
         <p:nvSpPr>
           <p:cNvPr id="72" name="Google Shape;72;p10"/>
-          <p:cNvSpPr txBox="1"/>
+          <p:cNvSpPr txBox="1">
+            <a:spLocks noGrp="1"/>
+          </p:cNvSpPr>
           <p:nvPr>
-            <p:ph idx="12" type="sldNum"/>
+            <p:ph type="sldNum" idx="12"/>
           </p:nvPr>
         </p:nvSpPr>
         <p:spPr>
@@ -7374,7 +7489,7 @@
           </a:prstGeom>
         </p:spPr>
         <p:txBody>
-          <a:bodyPr anchorCtr="0" anchor="ctr" bIns="91425" lIns="91425" spcFirstLastPara="1" rIns="91425" wrap="square" tIns="91425">
+          <a:bodyPr spcFirstLastPara="1" wrap="square" lIns="91425" tIns="91425" rIns="91425" bIns="91425" anchor="ctr" anchorCtr="0">
             <a:noAutofit/>
           </a:bodyPr>
           <a:lstStyle>
@@ -7416,7 +7531,7 @@
             </a:lvl9pPr>
           </a:lstStyle>
           <a:p>
-            <a:pPr indent="0" lvl="0" marL="0" rtl="0" algn="r">
+            <a:pPr marL="0" lvl="0" indent="0" algn="r" rtl="0">
               <a:spcBef>
                 <a:spcPts val="0"/>
               </a:spcBef>
@@ -7442,18 +7557,19 @@
 </file>
 
 <file path=ppt/slideMasters/slideMaster1.xml><?xml version="1.0" encoding="utf-8"?>
-<p:sldMaster xmlns:a="http://schemas.openxmlformats.org/drawingml/2006/main" xmlns:r="http://schemas.openxmlformats.org/officeDocument/2006/relationships" xmlns:mc="http://schemas.openxmlformats.org/markup-compatibility/2006" xmlns:mv="urn:schemas-microsoft-com:mac:vml" xmlns:p="http://schemas.openxmlformats.org/presentationml/2006/main" xmlns:c="http://schemas.openxmlformats.org/drawingml/2006/chart" xmlns:dgm="http://schemas.openxmlformats.org/drawingml/2006/diagram" xmlns:o="urn:schemas-microsoft-com:office:office" xmlns:v="urn:schemas-microsoft-com:vml" xmlns:pvml="urn:schemas-microsoft-com:office:powerpoint" xmlns:com="http://schemas.openxmlformats.org/drawingml/2006/compatibility" xmlns:p14="http://schemas.microsoft.com/office/powerpoint/2010/main" xmlns:p15="http://schemas.microsoft.com/office/powerpoint/2012/main">
+<p:sldMaster xmlns:a="http://schemas.openxmlformats.org/drawingml/2006/main" xmlns:r="http://schemas.openxmlformats.org/officeDocument/2006/relationships" xmlns:p="http://schemas.openxmlformats.org/presentationml/2006/main">
   <p:cSld name="streamline">
     <p:bg>
       <p:bgPr>
         <a:solidFill>
           <a:schemeClr val="lt1"/>
         </a:solidFill>
+        <a:effectLst/>
       </p:bgPr>
     </p:bg>
     <p:spTree>
       <p:nvGrpSpPr>
-        <p:cNvPr id="5" name="Shape 5"/>
+        <p:cNvPr id="1" name="Shape 5"/>
         <p:cNvGrpSpPr/>
         <p:nvPr/>
       </p:nvGrpSpPr>
@@ -7468,7 +7584,9 @@
       <p:sp>
         <p:nvSpPr>
           <p:cNvPr id="6" name="Google Shape;6;p1"/>
-          <p:cNvSpPr txBox="1"/>
+          <p:cNvSpPr txBox="1">
+            <a:spLocks noGrp="1"/>
+          </p:cNvSpPr>
           <p:nvPr>
             <p:ph type="title"/>
           </p:nvPr>
@@ -7487,7 +7605,7 @@
           </a:ln>
         </p:spPr>
         <p:txBody>
-          <a:bodyPr anchorCtr="0" anchor="t" bIns="91425" lIns="91425" spcFirstLastPara="1" rIns="91425" wrap="square" tIns="91425"/>
+          <a:bodyPr spcFirstLastPara="1" wrap="square" lIns="91425" tIns="91425" rIns="91425" bIns="91425" anchor="t" anchorCtr="0"/>
           <a:lstStyle>
             <a:lvl1pPr lvl="0">
               <a:spcBef>
@@ -7499,7 +7617,7 @@
               <a:buSzPts val="2800"/>
               <a:buFont typeface="Raleway"/>
               <a:buNone/>
-              <a:defRPr b="1" sz="2800">
+              <a:defRPr sz="2800" b="1">
                 <a:latin typeface="Raleway"/>
                 <a:ea typeface="Raleway"/>
                 <a:cs typeface="Raleway"/>
@@ -7516,7 +7634,7 @@
               <a:buSzPts val="2800"/>
               <a:buFont typeface="Raleway"/>
               <a:buNone/>
-              <a:defRPr b="1" sz="2800">
+              <a:defRPr sz="2800" b="1">
                 <a:latin typeface="Raleway"/>
                 <a:ea typeface="Raleway"/>
                 <a:cs typeface="Raleway"/>
@@ -7533,7 +7651,7 @@
               <a:buSzPts val="2800"/>
               <a:buFont typeface="Raleway"/>
               <a:buNone/>
-              <a:defRPr b="1" sz="2800">
+              <a:defRPr sz="2800" b="1">
                 <a:latin typeface="Raleway"/>
                 <a:ea typeface="Raleway"/>
                 <a:cs typeface="Raleway"/>
@@ -7550,7 +7668,7 @@
               <a:buSzPts val="2800"/>
               <a:buFont typeface="Raleway"/>
               <a:buNone/>
-              <a:defRPr b="1" sz="2800">
+              <a:defRPr sz="2800" b="1">
                 <a:latin typeface="Raleway"/>
                 <a:ea typeface="Raleway"/>
                 <a:cs typeface="Raleway"/>
@@ -7567,7 +7685,7 @@
               <a:buSzPts val="2800"/>
               <a:buFont typeface="Raleway"/>
               <a:buNone/>
-              <a:defRPr b="1" sz="2800">
+              <a:defRPr sz="2800" b="1">
                 <a:latin typeface="Raleway"/>
                 <a:ea typeface="Raleway"/>
                 <a:cs typeface="Raleway"/>
@@ -7584,7 +7702,7 @@
               <a:buSzPts val="2800"/>
               <a:buFont typeface="Raleway"/>
               <a:buNone/>
-              <a:defRPr b="1" sz="2800">
+              <a:defRPr sz="2800" b="1">
                 <a:latin typeface="Raleway"/>
                 <a:ea typeface="Raleway"/>
                 <a:cs typeface="Raleway"/>
@@ -7601,7 +7719,7 @@
               <a:buSzPts val="2800"/>
               <a:buFont typeface="Raleway"/>
               <a:buNone/>
-              <a:defRPr b="1" sz="2800">
+              <a:defRPr sz="2800" b="1">
                 <a:latin typeface="Raleway"/>
                 <a:ea typeface="Raleway"/>
                 <a:cs typeface="Raleway"/>
@@ -7618,7 +7736,7 @@
               <a:buSzPts val="2800"/>
               <a:buFont typeface="Raleway"/>
               <a:buNone/>
-              <a:defRPr b="1" sz="2800">
+              <a:defRPr sz="2800" b="1">
                 <a:latin typeface="Raleway"/>
                 <a:ea typeface="Raleway"/>
                 <a:cs typeface="Raleway"/>
@@ -7635,7 +7753,7 @@
               <a:buSzPts val="2800"/>
               <a:buFont typeface="Raleway"/>
               <a:buNone/>
-              <a:defRPr b="1" sz="2800">
+              <a:defRPr sz="2800" b="1">
                 <a:latin typeface="Raleway"/>
                 <a:ea typeface="Raleway"/>
                 <a:cs typeface="Raleway"/>
@@ -7643,15 +7761,19 @@
               </a:defRPr>
             </a:lvl9pPr>
           </a:lstStyle>
-          <a:p/>
+          <a:p>
+            <a:endParaRPr/>
+          </a:p>
         </p:txBody>
       </p:sp>
       <p:sp>
         <p:nvSpPr>
           <p:cNvPr id="7" name="Google Shape;7;p1"/>
-          <p:cNvSpPr txBox="1"/>
+          <p:cNvSpPr txBox="1">
+            <a:spLocks noGrp="1"/>
+          </p:cNvSpPr>
           <p:nvPr>
-            <p:ph idx="1" type="body"/>
+            <p:ph type="body" idx="1"/>
           </p:nvPr>
         </p:nvSpPr>
         <p:spPr>
@@ -7668,9 +7790,9 @@
           </a:ln>
         </p:spPr>
         <p:txBody>
-          <a:bodyPr anchorCtr="0" anchor="t" bIns="91425" lIns="91425" spcFirstLastPara="1" rIns="91425" wrap="square" tIns="91425"/>
+          <a:bodyPr spcFirstLastPara="1" wrap="square" lIns="91425" tIns="91425" rIns="91425" bIns="91425" anchor="t" anchorCtr="0"/>
           <a:lstStyle>
-            <a:lvl1pPr indent="-311150" lvl="0" marL="457200">
+            <a:lvl1pPr marL="457200" lvl="0" indent="-311150">
               <a:lnSpc>
                 <a:spcPct val="115000"/>
               </a:lnSpc>
@@ -7696,7 +7818,7 @@
                 <a:sym typeface="Lato"/>
               </a:defRPr>
             </a:lvl1pPr>
-            <a:lvl2pPr indent="-298450" lvl="1" marL="914400">
+            <a:lvl2pPr marL="914400" lvl="1" indent="-298450">
               <a:lnSpc>
                 <a:spcPct val="115000"/>
               </a:lnSpc>
@@ -7722,7 +7844,7 @@
                 <a:sym typeface="Lato"/>
               </a:defRPr>
             </a:lvl2pPr>
-            <a:lvl3pPr indent="-298450" lvl="2" marL="1371600">
+            <a:lvl3pPr marL="1371600" lvl="2" indent="-298450">
               <a:lnSpc>
                 <a:spcPct val="115000"/>
               </a:lnSpc>
@@ -7748,7 +7870,7 @@
                 <a:sym typeface="Lato"/>
               </a:defRPr>
             </a:lvl3pPr>
-            <a:lvl4pPr indent="-298450" lvl="3" marL="1828800">
+            <a:lvl4pPr marL="1828800" lvl="3" indent="-298450">
               <a:lnSpc>
                 <a:spcPct val="115000"/>
               </a:lnSpc>
@@ -7774,7 +7896,7 @@
                 <a:sym typeface="Lato"/>
               </a:defRPr>
             </a:lvl4pPr>
-            <a:lvl5pPr indent="-298450" lvl="4" marL="2286000">
+            <a:lvl5pPr marL="2286000" lvl="4" indent="-298450">
               <a:lnSpc>
                 <a:spcPct val="115000"/>
               </a:lnSpc>
@@ -7800,7 +7922,7 @@
                 <a:sym typeface="Lato"/>
               </a:defRPr>
             </a:lvl5pPr>
-            <a:lvl6pPr indent="-298450" lvl="5" marL="2743200">
+            <a:lvl6pPr marL="2743200" lvl="5" indent="-298450">
               <a:lnSpc>
                 <a:spcPct val="115000"/>
               </a:lnSpc>
@@ -7826,7 +7948,7 @@
                 <a:sym typeface="Lato"/>
               </a:defRPr>
             </a:lvl6pPr>
-            <a:lvl7pPr indent="-298450" lvl="6" marL="3200400">
+            <a:lvl7pPr marL="3200400" lvl="6" indent="-298450">
               <a:lnSpc>
                 <a:spcPct val="115000"/>
               </a:lnSpc>
@@ -7852,7 +7974,7 @@
                 <a:sym typeface="Lato"/>
               </a:defRPr>
             </a:lvl7pPr>
-            <a:lvl8pPr indent="-298450" lvl="7" marL="3657600">
+            <a:lvl8pPr marL="3657600" lvl="7" indent="-298450">
               <a:lnSpc>
                 <a:spcPct val="115000"/>
               </a:lnSpc>
@@ -7878,7 +8000,7 @@
                 <a:sym typeface="Lato"/>
               </a:defRPr>
             </a:lvl8pPr>
-            <a:lvl9pPr indent="-298450" lvl="8" marL="4114800">
+            <a:lvl9pPr marL="4114800" lvl="8" indent="-298450">
               <a:lnSpc>
                 <a:spcPct val="115000"/>
               </a:lnSpc>
@@ -7905,15 +8027,19 @@
               </a:defRPr>
             </a:lvl9pPr>
           </a:lstStyle>
-          <a:p/>
+          <a:p>
+            <a:endParaRPr/>
+          </a:p>
         </p:txBody>
       </p:sp>
       <p:sp>
         <p:nvSpPr>
           <p:cNvPr id="8" name="Google Shape;8;p1"/>
-          <p:cNvSpPr txBox="1"/>
+          <p:cNvSpPr txBox="1">
+            <a:spLocks noGrp="1"/>
+          </p:cNvSpPr>
           <p:nvPr>
-            <p:ph idx="12" type="sldNum"/>
+            <p:ph type="sldNum" idx="12"/>
           </p:nvPr>
         </p:nvSpPr>
         <p:spPr>
@@ -7930,7 +8056,7 @@
           </a:ln>
         </p:spPr>
         <p:txBody>
-          <a:bodyPr anchorCtr="0" anchor="ctr" bIns="91425" lIns="91425" spcFirstLastPara="1" rIns="91425" wrap="square" tIns="91425">
+          <a:bodyPr spcFirstLastPara="1" wrap="square" lIns="91425" tIns="91425" rIns="91425" bIns="91425" anchor="ctr" anchorCtr="0">
             <a:noAutofit/>
           </a:bodyPr>
           <a:lstStyle>
@@ -8044,7 +8170,7 @@
             </a:lvl9pPr>
           </a:lstStyle>
           <a:p>
-            <a:pPr indent="0" lvl="0" marL="0" rtl="0" algn="r">
+            <a:pPr marL="0" lvl="0" indent="0" algn="r" rtl="0">
               <a:spcBef>
                 <a:spcPts val="0"/>
               </a:spcBef>
@@ -8063,7 +8189,7 @@
       </p:sp>
     </p:spTree>
   </p:cSld>
-  <p:clrMap accent1="accent1" accent2="accent2" accent3="accent3" accent4="accent4" accent5="accent5" accent6="accent6" bg1="lt1" bg2="dk2" tx1="dk1" tx2="lt2" folHlink="folHlink" hlink="hlink"/>
+  <p:clrMap bg1="lt1" tx1="dk1" bg2="dk2" tx2="lt2" accent1="accent1" accent2="accent2" accent3="accent3" accent4="accent4" accent5="accent5" accent6="accent6" hlink="hlink" folHlink="folHlink"/>
   <p:sldLayoutIdLst>
     <p:sldLayoutId id="2147483648" r:id="rId1"/>
     <p:sldLayoutId id="2147483649" r:id="rId2"/>
@@ -8077,10 +8203,10 @@
     <p:sldLayoutId id="2147483657" r:id="rId10"/>
     <p:sldLayoutId id="2147483658" r:id="rId11"/>
   </p:sldLayoutIdLst>
-  <p:hf dt="0" ftr="0" hdr="0" sldNum="0"/>
+  <p:hf sldNum="0" hdr="0" ftr="0" dt="0"/>
   <p:txStyles>
     <p:titleStyle>
-      <a:defPPr lvl="0" marR="0" rtl="0" algn="l">
+      <a:defPPr marR="0" lvl="0" algn="l" rtl="0">
         <a:lnSpc>
           <a:spcPct val="100000"/>
         </a:lnSpc>
@@ -8091,7 +8217,7 @@
           <a:spcPts val="0"/>
         </a:spcAft>
       </a:defPPr>
-      <a:lvl1pPr lvl="0" marR="0" rtl="0" algn="l">
+      <a:lvl1pPr marR="0" lvl="0" algn="l" rtl="0">
         <a:lnSpc>
           <a:spcPct val="100000"/>
         </a:lnSpc>
@@ -8105,7 +8231,7 @@
           <a:srgbClr val="000000"/>
         </a:buClr>
         <a:buFont typeface="Arial"/>
-        <a:defRPr b="0" i="0" sz="1400" u="none" cap="none" strike="noStrike">
+        <a:defRPr sz="1400" b="0" i="0" u="none" strike="noStrike" cap="none">
           <a:solidFill>
             <a:srgbClr val="000000"/>
           </a:solidFill>
@@ -8115,7 +8241,7 @@
           <a:sym typeface="Arial"/>
         </a:defRPr>
       </a:lvl1pPr>
-      <a:lvl2pPr lvl="1" marR="0" rtl="0" algn="l">
+      <a:lvl2pPr marR="0" lvl="1" algn="l" rtl="0">
         <a:lnSpc>
           <a:spcPct val="100000"/>
         </a:lnSpc>
@@ -8129,7 +8255,7 @@
           <a:srgbClr val="000000"/>
         </a:buClr>
         <a:buFont typeface="Arial"/>
-        <a:defRPr b="0" i="0" sz="1400" u="none" cap="none" strike="noStrike">
+        <a:defRPr sz="1400" b="0" i="0" u="none" strike="noStrike" cap="none">
           <a:solidFill>
             <a:srgbClr val="000000"/>
           </a:solidFill>
@@ -8139,7 +8265,7 @@
           <a:sym typeface="Arial"/>
         </a:defRPr>
       </a:lvl2pPr>
-      <a:lvl3pPr lvl="2" marR="0" rtl="0" algn="l">
+      <a:lvl3pPr marR="0" lvl="2" algn="l" rtl="0">
         <a:lnSpc>
           <a:spcPct val="100000"/>
         </a:lnSpc>
@@ -8153,7 +8279,7 @@
           <a:srgbClr val="000000"/>
         </a:buClr>
         <a:buFont typeface="Arial"/>
-        <a:defRPr b="0" i="0" sz="1400" u="none" cap="none" strike="noStrike">
+        <a:defRPr sz="1400" b="0" i="0" u="none" strike="noStrike" cap="none">
           <a:solidFill>
             <a:srgbClr val="000000"/>
           </a:solidFill>
@@ -8163,7 +8289,7 @@
           <a:sym typeface="Arial"/>
         </a:defRPr>
       </a:lvl3pPr>
-      <a:lvl4pPr lvl="3" marR="0" rtl="0" algn="l">
+      <a:lvl4pPr marR="0" lvl="3" algn="l" rtl="0">
         <a:lnSpc>
           <a:spcPct val="100000"/>
         </a:lnSpc>
@@ -8177,7 +8303,7 @@
           <a:srgbClr val="000000"/>
         </a:buClr>
         <a:buFont typeface="Arial"/>
-        <a:defRPr b="0" i="0" sz="1400" u="none" cap="none" strike="noStrike">
+        <a:defRPr sz="1400" b="0" i="0" u="none" strike="noStrike" cap="none">
           <a:solidFill>
             <a:srgbClr val="000000"/>
           </a:solidFill>
@@ -8187,7 +8313,7 @@
           <a:sym typeface="Arial"/>
         </a:defRPr>
       </a:lvl4pPr>
-      <a:lvl5pPr lvl="4" marR="0" rtl="0" algn="l">
+      <a:lvl5pPr marR="0" lvl="4" algn="l" rtl="0">
         <a:lnSpc>
           <a:spcPct val="100000"/>
         </a:lnSpc>
@@ -8201,7 +8327,7 @@
           <a:srgbClr val="000000"/>
         </a:buClr>
         <a:buFont typeface="Arial"/>
-        <a:defRPr b="0" i="0" sz="1400" u="none" cap="none" strike="noStrike">
+        <a:defRPr sz="1400" b="0" i="0" u="none" strike="noStrike" cap="none">
           <a:solidFill>
             <a:srgbClr val="000000"/>
           </a:solidFill>
@@ -8211,7 +8337,7 @@
           <a:sym typeface="Arial"/>
         </a:defRPr>
       </a:lvl5pPr>
-      <a:lvl6pPr lvl="5" marR="0" rtl="0" algn="l">
+      <a:lvl6pPr marR="0" lvl="5" algn="l" rtl="0">
         <a:lnSpc>
           <a:spcPct val="100000"/>
         </a:lnSpc>
@@ -8225,7 +8351,7 @@
           <a:srgbClr val="000000"/>
         </a:buClr>
         <a:buFont typeface="Arial"/>
-        <a:defRPr b="0" i="0" sz="1400" u="none" cap="none" strike="noStrike">
+        <a:defRPr sz="1400" b="0" i="0" u="none" strike="noStrike" cap="none">
           <a:solidFill>
             <a:srgbClr val="000000"/>
           </a:solidFill>
@@ -8235,7 +8361,7 @@
           <a:sym typeface="Arial"/>
         </a:defRPr>
       </a:lvl6pPr>
-      <a:lvl7pPr lvl="6" marR="0" rtl="0" algn="l">
+      <a:lvl7pPr marR="0" lvl="6" algn="l" rtl="0">
         <a:lnSpc>
           <a:spcPct val="100000"/>
         </a:lnSpc>
@@ -8249,7 +8375,7 @@
           <a:srgbClr val="000000"/>
         </a:buClr>
         <a:buFont typeface="Arial"/>
-        <a:defRPr b="0" i="0" sz="1400" u="none" cap="none" strike="noStrike">
+        <a:defRPr sz="1400" b="0" i="0" u="none" strike="noStrike" cap="none">
           <a:solidFill>
             <a:srgbClr val="000000"/>
           </a:solidFill>
@@ -8259,7 +8385,7 @@
           <a:sym typeface="Arial"/>
         </a:defRPr>
       </a:lvl7pPr>
-      <a:lvl8pPr lvl="7" marR="0" rtl="0" algn="l">
+      <a:lvl8pPr marR="0" lvl="7" algn="l" rtl="0">
         <a:lnSpc>
           <a:spcPct val="100000"/>
         </a:lnSpc>
@@ -8273,7 +8399,7 @@
           <a:srgbClr val="000000"/>
         </a:buClr>
         <a:buFont typeface="Arial"/>
-        <a:defRPr b="0" i="0" sz="1400" u="none" cap="none" strike="noStrike">
+        <a:defRPr sz="1400" b="0" i="0" u="none" strike="noStrike" cap="none">
           <a:solidFill>
             <a:srgbClr val="000000"/>
           </a:solidFill>
@@ -8283,7 +8409,7 @@
           <a:sym typeface="Arial"/>
         </a:defRPr>
       </a:lvl8pPr>
-      <a:lvl9pPr lvl="8" marR="0" rtl="0" algn="l">
+      <a:lvl9pPr marR="0" lvl="8" algn="l" rtl="0">
         <a:lnSpc>
           <a:spcPct val="100000"/>
         </a:lnSpc>
@@ -8297,7 +8423,7 @@
           <a:srgbClr val="000000"/>
         </a:buClr>
         <a:buFont typeface="Arial"/>
-        <a:defRPr b="0" i="0" sz="1400" u="none" cap="none" strike="noStrike">
+        <a:defRPr sz="1400" b="0" i="0" u="none" strike="noStrike" cap="none">
           <a:solidFill>
             <a:srgbClr val="000000"/>
           </a:solidFill>
@@ -8309,7 +8435,7 @@
       </a:lvl9pPr>
     </p:titleStyle>
     <p:bodyStyle>
-      <a:defPPr lvl="0" marR="0" rtl="0" algn="l">
+      <a:defPPr marR="0" lvl="0" algn="l" rtl="0">
         <a:lnSpc>
           <a:spcPct val="100000"/>
         </a:lnSpc>
@@ -8320,7 +8446,7 @@
           <a:spcPts val="0"/>
         </a:spcAft>
       </a:defPPr>
-      <a:lvl1pPr lvl="0" marR="0" rtl="0" algn="l">
+      <a:lvl1pPr marR="0" lvl="0" algn="l" rtl="0">
         <a:lnSpc>
           <a:spcPct val="100000"/>
         </a:lnSpc>
@@ -8334,7 +8460,7 @@
           <a:srgbClr val="000000"/>
         </a:buClr>
         <a:buFont typeface="Arial"/>
-        <a:defRPr b="0" i="0" sz="1400" u="none" cap="none" strike="noStrike">
+        <a:defRPr sz="1400" b="0" i="0" u="none" strike="noStrike" cap="none">
           <a:solidFill>
             <a:srgbClr val="000000"/>
           </a:solidFill>
@@ -8344,7 +8470,7 @@
           <a:sym typeface="Arial"/>
         </a:defRPr>
       </a:lvl1pPr>
-      <a:lvl2pPr lvl="1" marR="0" rtl="0" algn="l">
+      <a:lvl2pPr marR="0" lvl="1" algn="l" rtl="0">
         <a:lnSpc>
           <a:spcPct val="100000"/>
         </a:lnSpc>
@@ -8358,7 +8484,7 @@
           <a:srgbClr val="000000"/>
         </a:buClr>
         <a:buFont typeface="Arial"/>
-        <a:defRPr b="0" i="0" sz="1400" u="none" cap="none" strike="noStrike">
+        <a:defRPr sz="1400" b="0" i="0" u="none" strike="noStrike" cap="none">
           <a:solidFill>
             <a:srgbClr val="000000"/>
           </a:solidFill>
@@ -8368,7 +8494,7 @@
           <a:sym typeface="Arial"/>
         </a:defRPr>
       </a:lvl2pPr>
-      <a:lvl3pPr lvl="2" marR="0" rtl="0" algn="l">
+      <a:lvl3pPr marR="0" lvl="2" algn="l" rtl="0">
         <a:lnSpc>
           <a:spcPct val="100000"/>
         </a:lnSpc>
@@ -8382,7 +8508,7 @@
           <a:srgbClr val="000000"/>
         </a:buClr>
         <a:buFont typeface="Arial"/>
-        <a:defRPr b="0" i="0" sz="1400" u="none" cap="none" strike="noStrike">
+        <a:defRPr sz="1400" b="0" i="0" u="none" strike="noStrike" cap="none">
           <a:solidFill>
             <a:srgbClr val="000000"/>
           </a:solidFill>
@@ -8392,7 +8518,7 @@
           <a:sym typeface="Arial"/>
         </a:defRPr>
       </a:lvl3pPr>
-      <a:lvl4pPr lvl="3" marR="0" rtl="0" algn="l">
+      <a:lvl4pPr marR="0" lvl="3" algn="l" rtl="0">
         <a:lnSpc>
           <a:spcPct val="100000"/>
         </a:lnSpc>
@@ -8406,7 +8532,7 @@
           <a:srgbClr val="000000"/>
         </a:buClr>
         <a:buFont typeface="Arial"/>
-        <a:defRPr b="0" i="0" sz="1400" u="none" cap="none" strike="noStrike">
+        <a:defRPr sz="1400" b="0" i="0" u="none" strike="noStrike" cap="none">
           <a:solidFill>
             <a:srgbClr val="000000"/>
           </a:solidFill>
@@ -8416,7 +8542,7 @@
           <a:sym typeface="Arial"/>
         </a:defRPr>
       </a:lvl4pPr>
-      <a:lvl5pPr lvl="4" marR="0" rtl="0" algn="l">
+      <a:lvl5pPr marR="0" lvl="4" algn="l" rtl="0">
         <a:lnSpc>
           <a:spcPct val="100000"/>
         </a:lnSpc>
@@ -8430,7 +8556,7 @@
           <a:srgbClr val="000000"/>
         </a:buClr>
         <a:buFont typeface="Arial"/>
-        <a:defRPr b="0" i="0" sz="1400" u="none" cap="none" strike="noStrike">
+        <a:defRPr sz="1400" b="0" i="0" u="none" strike="noStrike" cap="none">
           <a:solidFill>
             <a:srgbClr val="000000"/>
           </a:solidFill>
@@ -8440,7 +8566,7 @@
           <a:sym typeface="Arial"/>
         </a:defRPr>
       </a:lvl5pPr>
-      <a:lvl6pPr lvl="5" marR="0" rtl="0" algn="l">
+      <a:lvl6pPr marR="0" lvl="5" algn="l" rtl="0">
         <a:lnSpc>
           <a:spcPct val="100000"/>
         </a:lnSpc>
@@ -8454,7 +8580,7 @@
           <a:srgbClr val="000000"/>
         </a:buClr>
         <a:buFont typeface="Arial"/>
-        <a:defRPr b="0" i="0" sz="1400" u="none" cap="none" strike="noStrike">
+        <a:defRPr sz="1400" b="0" i="0" u="none" strike="noStrike" cap="none">
           <a:solidFill>
             <a:srgbClr val="000000"/>
           </a:solidFill>
@@ -8464,7 +8590,7 @@
           <a:sym typeface="Arial"/>
         </a:defRPr>
       </a:lvl6pPr>
-      <a:lvl7pPr lvl="6" marR="0" rtl="0" algn="l">
+      <a:lvl7pPr marR="0" lvl="6" algn="l" rtl="0">
         <a:lnSpc>
           <a:spcPct val="100000"/>
         </a:lnSpc>
@@ -8478,7 +8604,7 @@
           <a:srgbClr val="000000"/>
         </a:buClr>
         <a:buFont typeface="Arial"/>
-        <a:defRPr b="0" i="0" sz="1400" u="none" cap="none" strike="noStrike">
+        <a:defRPr sz="1400" b="0" i="0" u="none" strike="noStrike" cap="none">
           <a:solidFill>
             <a:srgbClr val="000000"/>
           </a:solidFill>
@@ -8488,7 +8614,7 @@
           <a:sym typeface="Arial"/>
         </a:defRPr>
       </a:lvl7pPr>
-      <a:lvl8pPr lvl="7" marR="0" rtl="0" algn="l">
+      <a:lvl8pPr marR="0" lvl="7" algn="l" rtl="0">
         <a:lnSpc>
           <a:spcPct val="100000"/>
         </a:lnSpc>
@@ -8502,7 +8628,7 @@
           <a:srgbClr val="000000"/>
         </a:buClr>
         <a:buFont typeface="Arial"/>
-        <a:defRPr b="0" i="0" sz="1400" u="none" cap="none" strike="noStrike">
+        <a:defRPr sz="1400" b="0" i="0" u="none" strike="noStrike" cap="none">
           <a:solidFill>
             <a:srgbClr val="000000"/>
           </a:solidFill>
@@ -8512,7 +8638,7 @@
           <a:sym typeface="Arial"/>
         </a:defRPr>
       </a:lvl8pPr>
-      <a:lvl9pPr lvl="8" marR="0" rtl="0" algn="l">
+      <a:lvl9pPr marR="0" lvl="8" algn="l" rtl="0">
         <a:lnSpc>
           <a:spcPct val="100000"/>
         </a:lnSpc>
@@ -8526,7 +8652,7 @@
           <a:srgbClr val="000000"/>
         </a:buClr>
         <a:buFont typeface="Arial"/>
-        <a:defRPr b="0" i="0" sz="1400" u="none" cap="none" strike="noStrike">
+        <a:defRPr sz="1400" b="0" i="0" u="none" strike="noStrike" cap="none">
           <a:solidFill>
             <a:srgbClr val="000000"/>
           </a:solidFill>
@@ -8538,7 +8664,7 @@
       </a:lvl9pPr>
     </p:bodyStyle>
     <p:otherStyle>
-      <a:defPPr lvl="0" marR="0" rtl="0" algn="l">
+      <a:defPPr marR="0" lvl="0" algn="l" rtl="0">
         <a:lnSpc>
           <a:spcPct val="100000"/>
         </a:lnSpc>
@@ -8549,7 +8675,7 @@
           <a:spcPts val="0"/>
         </a:spcAft>
       </a:defPPr>
-      <a:lvl1pPr lvl="0" marR="0" rtl="0" algn="l">
+      <a:lvl1pPr marR="0" lvl="0" algn="l" rtl="0">
         <a:lnSpc>
           <a:spcPct val="100000"/>
         </a:lnSpc>
@@ -8563,7 +8689,7 @@
           <a:srgbClr val="000000"/>
         </a:buClr>
         <a:buFont typeface="Arial"/>
-        <a:defRPr b="0" i="0" sz="1400" u="none" cap="none" strike="noStrike">
+        <a:defRPr sz="1400" b="0" i="0" u="none" strike="noStrike" cap="none">
           <a:solidFill>
             <a:srgbClr val="000000"/>
           </a:solidFill>
@@ -8573,7 +8699,7 @@
           <a:sym typeface="Arial"/>
         </a:defRPr>
       </a:lvl1pPr>
-      <a:lvl2pPr lvl="1" marR="0" rtl="0" algn="l">
+      <a:lvl2pPr marR="0" lvl="1" algn="l" rtl="0">
         <a:lnSpc>
           <a:spcPct val="100000"/>
         </a:lnSpc>
@@ -8587,7 +8713,7 @@
           <a:srgbClr val="000000"/>
         </a:buClr>
         <a:buFont typeface="Arial"/>
-        <a:defRPr b="0" i="0" sz="1400" u="none" cap="none" strike="noStrike">
+        <a:defRPr sz="1400" b="0" i="0" u="none" strike="noStrike" cap="none">
           <a:solidFill>
             <a:srgbClr val="000000"/>
           </a:solidFill>
@@ -8597,7 +8723,7 @@
           <a:sym typeface="Arial"/>
         </a:defRPr>
       </a:lvl2pPr>
-      <a:lvl3pPr lvl="2" marR="0" rtl="0" algn="l">
+      <a:lvl3pPr marR="0" lvl="2" algn="l" rtl="0">
         <a:lnSpc>
           <a:spcPct val="100000"/>
         </a:lnSpc>
@@ -8611,7 +8737,7 @@
           <a:srgbClr val="000000"/>
         </a:buClr>
         <a:buFont typeface="Arial"/>
-        <a:defRPr b="0" i="0" sz="1400" u="none" cap="none" strike="noStrike">
+        <a:defRPr sz="1400" b="0" i="0" u="none" strike="noStrike" cap="none">
           <a:solidFill>
             <a:srgbClr val="000000"/>
           </a:solidFill>
@@ -8621,7 +8747,7 @@
           <a:sym typeface="Arial"/>
         </a:defRPr>
       </a:lvl3pPr>
-      <a:lvl4pPr lvl="3" marR="0" rtl="0" algn="l">
+      <a:lvl4pPr marR="0" lvl="3" algn="l" rtl="0">
         <a:lnSpc>
           <a:spcPct val="100000"/>
         </a:lnSpc>
@@ -8635,7 +8761,7 @@
           <a:srgbClr val="000000"/>
         </a:buClr>
         <a:buFont typeface="Arial"/>
-        <a:defRPr b="0" i="0" sz="1400" u="none" cap="none" strike="noStrike">
+        <a:defRPr sz="1400" b="0" i="0" u="none" strike="noStrike" cap="none">
           <a:solidFill>
             <a:srgbClr val="000000"/>
           </a:solidFill>
@@ -8645,7 +8771,7 @@
           <a:sym typeface="Arial"/>
         </a:defRPr>
       </a:lvl4pPr>
-      <a:lvl5pPr lvl="4" marR="0" rtl="0" algn="l">
+      <a:lvl5pPr marR="0" lvl="4" algn="l" rtl="0">
         <a:lnSpc>
           <a:spcPct val="100000"/>
         </a:lnSpc>
@@ -8659,7 +8785,7 @@
           <a:srgbClr val="000000"/>
         </a:buClr>
         <a:buFont typeface="Arial"/>
-        <a:defRPr b="0" i="0" sz="1400" u="none" cap="none" strike="noStrike">
+        <a:defRPr sz="1400" b="0" i="0" u="none" strike="noStrike" cap="none">
           <a:solidFill>
             <a:srgbClr val="000000"/>
           </a:solidFill>
@@ -8669,7 +8795,7 @@
           <a:sym typeface="Arial"/>
         </a:defRPr>
       </a:lvl5pPr>
-      <a:lvl6pPr lvl="5" marR="0" rtl="0" algn="l">
+      <a:lvl6pPr marR="0" lvl="5" algn="l" rtl="0">
         <a:lnSpc>
           <a:spcPct val="100000"/>
         </a:lnSpc>
@@ -8683,7 +8809,7 @@
           <a:srgbClr val="000000"/>
         </a:buClr>
         <a:buFont typeface="Arial"/>
-        <a:defRPr b="0" i="0" sz="1400" u="none" cap="none" strike="noStrike">
+        <a:defRPr sz="1400" b="0" i="0" u="none" strike="noStrike" cap="none">
           <a:solidFill>
             <a:srgbClr val="000000"/>
           </a:solidFill>
@@ -8693,7 +8819,7 @@
           <a:sym typeface="Arial"/>
         </a:defRPr>
       </a:lvl6pPr>
-      <a:lvl7pPr lvl="6" marR="0" rtl="0" algn="l">
+      <a:lvl7pPr marR="0" lvl="6" algn="l" rtl="0">
         <a:lnSpc>
           <a:spcPct val="100000"/>
         </a:lnSpc>
@@ -8707,7 +8833,7 @@
           <a:srgbClr val="000000"/>
         </a:buClr>
         <a:buFont typeface="Arial"/>
-        <a:defRPr b="0" i="0" sz="1400" u="none" cap="none" strike="noStrike">
+        <a:defRPr sz="1400" b="0" i="0" u="none" strike="noStrike" cap="none">
           <a:solidFill>
             <a:srgbClr val="000000"/>
           </a:solidFill>
@@ -8717,7 +8843,7 @@
           <a:sym typeface="Arial"/>
         </a:defRPr>
       </a:lvl7pPr>
-      <a:lvl8pPr lvl="7" marR="0" rtl="0" algn="l">
+      <a:lvl8pPr marR="0" lvl="7" algn="l" rtl="0">
         <a:lnSpc>
           <a:spcPct val="100000"/>
         </a:lnSpc>
@@ -8731,7 +8857,7 @@
           <a:srgbClr val="000000"/>
         </a:buClr>
         <a:buFont typeface="Arial"/>
-        <a:defRPr b="0" i="0" sz="1400" u="none" cap="none" strike="noStrike">
+        <a:defRPr sz="1400" b="0" i="0" u="none" strike="noStrike" cap="none">
           <a:solidFill>
             <a:srgbClr val="000000"/>
           </a:solidFill>
@@ -8741,7 +8867,7 @@
           <a:sym typeface="Arial"/>
         </a:defRPr>
       </a:lvl8pPr>
-      <a:lvl9pPr lvl="8" marR="0" rtl="0" algn="l">
+      <a:lvl9pPr marR="0" lvl="8" algn="l" rtl="0">
         <a:lnSpc>
           <a:spcPct val="100000"/>
         </a:lnSpc>
@@ -8755,7 +8881,7 @@
           <a:srgbClr val="000000"/>
         </a:buClr>
         <a:buFont typeface="Arial"/>
-        <a:defRPr b="0" i="0" sz="1400" u="none" cap="none" strike="noStrike">
+        <a:defRPr sz="1400" b="0" i="0" u="none" strike="noStrike" cap="none">
           <a:solidFill>
             <a:srgbClr val="000000"/>
           </a:solidFill>
@@ -8771,11 +8897,11 @@
 </file>
 
 <file path=ppt/slides/slide1.xml><?xml version="1.0" encoding="utf-8"?>
-<p:sld xmlns:a="http://schemas.openxmlformats.org/drawingml/2006/main" xmlns:r="http://schemas.openxmlformats.org/officeDocument/2006/relationships" xmlns:mc="http://schemas.openxmlformats.org/markup-compatibility/2006" xmlns:mv="urn:schemas-microsoft-com:mac:vml" xmlns:p="http://schemas.openxmlformats.org/presentationml/2006/main" xmlns:c="http://schemas.openxmlformats.org/drawingml/2006/chart" xmlns:dgm="http://schemas.openxmlformats.org/drawingml/2006/diagram" xmlns:o="urn:schemas-microsoft-com:office:office" xmlns:v="urn:schemas-microsoft-com:vml" xmlns:pvml="urn:schemas-microsoft-com:office:powerpoint" xmlns:com="http://schemas.openxmlformats.org/drawingml/2006/compatibility" xmlns:p14="http://schemas.microsoft.com/office/powerpoint/2010/main" xmlns:p15="http://schemas.microsoft.com/office/powerpoint/2012/main">
+<p:sld xmlns:a="http://schemas.openxmlformats.org/drawingml/2006/main" xmlns:r="http://schemas.openxmlformats.org/officeDocument/2006/relationships" xmlns:p="http://schemas.openxmlformats.org/presentationml/2006/main">
   <p:cSld>
     <p:spTree>
       <p:nvGrpSpPr>
-        <p:cNvPr id="85" name="Shape 85"/>
+        <p:cNvPr id="1" name="Shape 85"/>
         <p:cNvGrpSpPr/>
         <p:nvPr/>
       </p:nvGrpSpPr>
@@ -8790,7 +8916,9 @@
       <p:sp>
         <p:nvSpPr>
           <p:cNvPr id="86" name="Google Shape;86;p13"/>
-          <p:cNvSpPr txBox="1"/>
+          <p:cNvSpPr txBox="1">
+            <a:spLocks noGrp="1"/>
+          </p:cNvSpPr>
           <p:nvPr>
             <p:ph type="ctrTitle"/>
           </p:nvPr>
@@ -8805,12 +8933,12 @@
           </a:prstGeom>
         </p:spPr>
         <p:txBody>
-          <a:bodyPr anchorCtr="0" anchor="t" bIns="91425" lIns="91425" spcFirstLastPara="1" rIns="91425" wrap="square" tIns="91425">
+          <a:bodyPr spcFirstLastPara="1" wrap="square" lIns="91425" tIns="91425" rIns="91425" bIns="91425" anchor="t" anchorCtr="0">
             <a:noAutofit/>
           </a:bodyPr>
           <a:lstStyle/>
           <a:p>
-            <a:pPr indent="0" lvl="0" marL="0" rtl="0" algn="just">
+            <a:pPr marL="0" lvl="0" indent="0" algn="just" rtl="0">
               <a:lnSpc>
                 <a:spcPct val="150000"/>
               </a:lnSpc>
@@ -8822,9 +8950,6 @@
               </a:spcAft>
               <a:buNone/>
             </a:pPr>
-            <a:r>
-              <a:t/>
-            </a:r>
             <a:endParaRPr sz="1200" u="sng">
               <a:latin typeface="Times New Roman"/>
               <a:ea typeface="Times New Roman"/>
@@ -8833,7 +8958,7 @@
             </a:endParaRPr>
           </a:p>
           <a:p>
-            <a:pPr indent="0" lvl="0" marL="228600" rtl="0" algn="just">
+            <a:pPr marL="228600" lvl="0" indent="0" algn="just" rtl="0">
               <a:lnSpc>
                 <a:spcPct val="150000"/>
               </a:lnSpc>
@@ -8856,9 +8981,11 @@
       <p:sp>
         <p:nvSpPr>
           <p:cNvPr id="87" name="Google Shape;87;p13"/>
-          <p:cNvSpPr txBox="1"/>
+          <p:cNvSpPr txBox="1">
+            <a:spLocks noGrp="1"/>
+          </p:cNvSpPr>
           <p:nvPr>
-            <p:ph idx="1" type="subTitle"/>
+            <p:ph type="subTitle" idx="1"/>
           </p:nvPr>
         </p:nvSpPr>
         <p:spPr>
@@ -8871,12 +8998,12 @@
           </a:prstGeom>
         </p:spPr>
         <p:txBody>
-          <a:bodyPr anchorCtr="0" anchor="t" bIns="91425" lIns="91425" spcFirstLastPara="1" rIns="91425" wrap="square" tIns="91425">
+          <a:bodyPr spcFirstLastPara="1" wrap="square" lIns="91425" tIns="91425" rIns="91425" bIns="91425" anchor="t" anchorCtr="0">
             <a:noAutofit/>
           </a:bodyPr>
           <a:lstStyle/>
           <a:p>
-            <a:pPr indent="0" lvl="0" marL="228600" rtl="0" algn="just">
+            <a:pPr marL="228600" lvl="0" indent="0" algn="just" rtl="0">
               <a:lnSpc>
                 <a:spcPct val="150000"/>
               </a:lnSpc>
@@ -8894,7 +9021,7 @@
               <a:buNone/>
             </a:pPr>
             <a:r>
-              <a:rPr b="1" lang="zh-TW" sz="1200" u="sng">
+              <a:rPr lang="zh-TW" sz="1200" b="1" u="sng">
                 <a:solidFill>
                   <a:schemeClr val="dk1"/>
                 </a:solidFill>
@@ -8905,7 +9032,7 @@
               </a:rPr>
               <a:t>Li Tung Leong  54777443</a:t>
             </a:r>
-            <a:endParaRPr b="1" sz="1200" u="sng">
+            <a:endParaRPr sz="1200" b="1" u="sng">
               <a:solidFill>
                 <a:schemeClr val="dk1"/>
               </a:solidFill>
@@ -8916,7 +9043,7 @@
             </a:endParaRPr>
           </a:p>
           <a:p>
-            <a:pPr indent="0" lvl="0" marL="228600" rtl="0" algn="just">
+            <a:pPr marL="228600" lvl="0" indent="0" algn="just" rtl="0">
               <a:lnSpc>
                 <a:spcPct val="150000"/>
               </a:lnSpc>
@@ -8934,7 +9061,7 @@
               <a:buNone/>
             </a:pPr>
             <a:r>
-              <a:rPr b="1" lang="zh-TW" sz="1200" u="sng">
+              <a:rPr lang="zh-TW" sz="1200" b="1" u="sng">
                 <a:solidFill>
                   <a:schemeClr val="dk1"/>
                 </a:solidFill>
@@ -8945,7 +9072,7 @@
               </a:rPr>
               <a:t>Ngai Yuen Ying  54827358</a:t>
             </a:r>
-            <a:endParaRPr b="1" sz="1200" u="sng">
+            <a:endParaRPr sz="1200" b="1" u="sng">
               <a:solidFill>
                 <a:schemeClr val="dk1"/>
               </a:solidFill>
@@ -8956,7 +9083,7 @@
             </a:endParaRPr>
           </a:p>
           <a:p>
-            <a:pPr indent="0" lvl="0" marL="228600" rtl="0" algn="just">
+            <a:pPr marL="228600" lvl="0" indent="0" algn="just" rtl="0">
               <a:lnSpc>
                 <a:spcPct val="150000"/>
               </a:lnSpc>
@@ -8974,7 +9101,7 @@
               <a:buNone/>
             </a:pPr>
             <a:r>
-              <a:rPr b="1" lang="zh-TW" sz="1200" u="sng">
+              <a:rPr lang="zh-TW" sz="1200" b="1" u="sng">
                 <a:solidFill>
                   <a:schemeClr val="dk1"/>
                 </a:solidFill>
@@ -8985,7 +9112,7 @@
               </a:rPr>
               <a:t>Lau Wut Shing  54777596</a:t>
             </a:r>
-            <a:endParaRPr b="1" sz="1200" u="sng">
+            <a:endParaRPr sz="1200" b="1" u="sng">
               <a:solidFill>
                 <a:schemeClr val="dk1"/>
               </a:solidFill>
@@ -8996,7 +9123,7 @@
             </a:endParaRPr>
           </a:p>
           <a:p>
-            <a:pPr indent="0" lvl="0" marL="228600" rtl="0" algn="just">
+            <a:pPr marL="228600" lvl="0" indent="0" algn="just" rtl="0">
               <a:lnSpc>
                 <a:spcPct val="150000"/>
               </a:lnSpc>
@@ -9014,7 +9141,7 @@
               <a:buNone/>
             </a:pPr>
             <a:r>
-              <a:rPr b="1" lang="zh-TW" sz="1200" u="sng">
+              <a:rPr lang="zh-TW" sz="1200" b="1" u="sng">
                 <a:solidFill>
                   <a:schemeClr val="dk1"/>
                 </a:solidFill>
@@ -9038,11 +9165,11 @@
 </file>
 
 <file path=ppt/slides/slide10.xml><?xml version="1.0" encoding="utf-8"?>
-<p:sld xmlns:a="http://schemas.openxmlformats.org/drawingml/2006/main" xmlns:r="http://schemas.openxmlformats.org/officeDocument/2006/relationships" xmlns:mc="http://schemas.openxmlformats.org/markup-compatibility/2006" xmlns:mv="urn:schemas-microsoft-com:mac:vml" xmlns:p="http://schemas.openxmlformats.org/presentationml/2006/main" xmlns:c="http://schemas.openxmlformats.org/drawingml/2006/chart" xmlns:dgm="http://schemas.openxmlformats.org/drawingml/2006/diagram" xmlns:o="urn:schemas-microsoft-com:office:office" xmlns:v="urn:schemas-microsoft-com:vml" xmlns:pvml="urn:schemas-microsoft-com:office:powerpoint" xmlns:com="http://schemas.openxmlformats.org/drawingml/2006/compatibility" xmlns:p14="http://schemas.microsoft.com/office/powerpoint/2010/main" xmlns:p15="http://schemas.microsoft.com/office/powerpoint/2012/main">
+<p:sld xmlns:a="http://schemas.openxmlformats.org/drawingml/2006/main" xmlns:r="http://schemas.openxmlformats.org/officeDocument/2006/relationships" xmlns:p="http://schemas.openxmlformats.org/presentationml/2006/main">
   <p:cSld>
     <p:spTree>
       <p:nvGrpSpPr>
-        <p:cNvPr id="144" name="Shape 144"/>
+        <p:cNvPr id="1" name="Shape 144"/>
         <p:cNvGrpSpPr/>
         <p:nvPr/>
       </p:nvGrpSpPr>
@@ -9057,7 +9184,9 @@
       <p:sp>
         <p:nvSpPr>
           <p:cNvPr id="145" name="Google Shape;145;p22"/>
-          <p:cNvSpPr txBox="1"/>
+          <p:cNvSpPr txBox="1">
+            <a:spLocks noGrp="1"/>
+          </p:cNvSpPr>
           <p:nvPr>
             <p:ph type="title"/>
           </p:nvPr>
@@ -9072,12 +9201,12 @@
           </a:prstGeom>
         </p:spPr>
         <p:txBody>
-          <a:bodyPr anchorCtr="0" anchor="t" bIns="91425" lIns="91425" spcFirstLastPara="1" rIns="91425" wrap="square" tIns="91425">
+          <a:bodyPr spcFirstLastPara="1" wrap="square" lIns="91425" tIns="91425" rIns="91425" bIns="91425" anchor="t" anchorCtr="0">
             <a:noAutofit/>
           </a:bodyPr>
           <a:lstStyle/>
           <a:p>
-            <a:pPr indent="0" lvl="0" marL="0" rtl="0" algn="l">
+            <a:pPr marL="0" lvl="0" indent="0" algn="l" rtl="0">
               <a:spcBef>
                 <a:spcPts val="0"/>
               </a:spcBef>
@@ -9086,9 +9215,6 @@
               </a:spcAft>
               <a:buNone/>
             </a:pPr>
-            <a:r>
-              <a:t/>
-            </a:r>
             <a:endParaRPr/>
           </a:p>
         </p:txBody>
@@ -9096,9 +9222,11 @@
       <p:sp>
         <p:nvSpPr>
           <p:cNvPr id="146" name="Google Shape;146;p22"/>
-          <p:cNvSpPr txBox="1"/>
+          <p:cNvSpPr txBox="1">
+            <a:spLocks noGrp="1"/>
+          </p:cNvSpPr>
           <p:nvPr>
-            <p:ph idx="1" type="body"/>
+            <p:ph type="body" idx="1"/>
           </p:nvPr>
         </p:nvSpPr>
         <p:spPr>
@@ -9111,12 +9239,12 @@
           </a:prstGeom>
         </p:spPr>
         <p:txBody>
-          <a:bodyPr anchorCtr="0" anchor="t" bIns="91425" lIns="91425" spcFirstLastPara="1" rIns="91425" wrap="square" tIns="91425">
+          <a:bodyPr spcFirstLastPara="1" wrap="square" lIns="91425" tIns="91425" rIns="91425" bIns="91425" anchor="t" anchorCtr="0">
             <a:noAutofit/>
           </a:bodyPr>
           <a:lstStyle/>
           <a:p>
-            <a:pPr indent="0" lvl="0" marL="0" rtl="0" algn="l">
+            <a:pPr marL="0" lvl="0" indent="0" algn="l" rtl="0">
               <a:spcBef>
                 <a:spcPts val="0"/>
               </a:spcBef>
@@ -9125,9 +9253,6 @@
               </a:spcAft>
               <a:buNone/>
             </a:pPr>
-            <a:r>
-              <a:t/>
-            </a:r>
             <a:endParaRPr/>
           </a:p>
         </p:txBody>
@@ -9169,11 +9294,11 @@
 </file>
 
 <file path=ppt/slides/slide11.xml><?xml version="1.0" encoding="utf-8"?>
-<p:sld xmlns:a="http://schemas.openxmlformats.org/drawingml/2006/main" xmlns:r="http://schemas.openxmlformats.org/officeDocument/2006/relationships" xmlns:mc="http://schemas.openxmlformats.org/markup-compatibility/2006" xmlns:mv="urn:schemas-microsoft-com:mac:vml" xmlns:p="http://schemas.openxmlformats.org/presentationml/2006/main" xmlns:c="http://schemas.openxmlformats.org/drawingml/2006/chart" xmlns:dgm="http://schemas.openxmlformats.org/drawingml/2006/diagram" xmlns:o="urn:schemas-microsoft-com:office:office" xmlns:v="urn:schemas-microsoft-com:vml" xmlns:pvml="urn:schemas-microsoft-com:office:powerpoint" xmlns:com="http://schemas.openxmlformats.org/drawingml/2006/compatibility" xmlns:p14="http://schemas.microsoft.com/office/powerpoint/2010/main" xmlns:p15="http://schemas.microsoft.com/office/powerpoint/2012/main">
+<p:sld xmlns:a="http://schemas.openxmlformats.org/drawingml/2006/main" xmlns:r="http://schemas.openxmlformats.org/officeDocument/2006/relationships" xmlns:p="http://schemas.openxmlformats.org/presentationml/2006/main">
   <p:cSld>
     <p:spTree>
       <p:nvGrpSpPr>
-        <p:cNvPr id="151" name="Shape 151"/>
+        <p:cNvPr id="1" name="Shape 151"/>
         <p:cNvGrpSpPr/>
         <p:nvPr/>
       </p:nvGrpSpPr>
@@ -9188,7 +9313,9 @@
       <p:sp>
         <p:nvSpPr>
           <p:cNvPr id="152" name="Google Shape;152;p23"/>
-          <p:cNvSpPr txBox="1"/>
+          <p:cNvSpPr txBox="1">
+            <a:spLocks noGrp="1"/>
+          </p:cNvSpPr>
           <p:nvPr>
             <p:ph type="title"/>
           </p:nvPr>
@@ -9203,12 +9330,12 @@
           </a:prstGeom>
         </p:spPr>
         <p:txBody>
-          <a:bodyPr anchorCtr="0" anchor="t" bIns="91425" lIns="91425" spcFirstLastPara="1" rIns="91425" wrap="square" tIns="91425">
+          <a:bodyPr spcFirstLastPara="1" wrap="square" lIns="91425" tIns="91425" rIns="91425" bIns="91425" anchor="t" anchorCtr="0">
             <a:noAutofit/>
           </a:bodyPr>
           <a:lstStyle/>
           <a:p>
-            <a:pPr indent="0" lvl="0" marL="0" rtl="0" algn="l">
+            <a:pPr marL="0" lvl="0" indent="0" algn="l" rtl="0">
               <a:spcBef>
                 <a:spcPts val="0"/>
               </a:spcBef>
@@ -9217,9 +9344,6 @@
               </a:spcAft>
               <a:buNone/>
             </a:pPr>
-            <a:r>
-              <a:t/>
-            </a:r>
             <a:endParaRPr/>
           </a:p>
         </p:txBody>
@@ -9227,9 +9351,11 @@
       <p:sp>
         <p:nvSpPr>
           <p:cNvPr id="153" name="Google Shape;153;p23"/>
-          <p:cNvSpPr txBox="1"/>
+          <p:cNvSpPr txBox="1">
+            <a:spLocks noGrp="1"/>
+          </p:cNvSpPr>
           <p:nvPr>
-            <p:ph idx="1" type="body"/>
+            <p:ph type="body" idx="1"/>
           </p:nvPr>
         </p:nvSpPr>
         <p:spPr>
@@ -9242,12 +9368,12 @@
           </a:prstGeom>
         </p:spPr>
         <p:txBody>
-          <a:bodyPr anchorCtr="0" anchor="t" bIns="91425" lIns="91425" spcFirstLastPara="1" rIns="91425" wrap="square" tIns="91425">
+          <a:bodyPr spcFirstLastPara="1" wrap="square" lIns="91425" tIns="91425" rIns="91425" bIns="91425" anchor="t" anchorCtr="0">
             <a:noAutofit/>
           </a:bodyPr>
           <a:lstStyle/>
           <a:p>
-            <a:pPr indent="0" lvl="0" marL="0" rtl="0" algn="l">
+            <a:pPr marL="0" lvl="0" indent="0" algn="l" rtl="0">
               <a:spcBef>
                 <a:spcPts val="0"/>
               </a:spcBef>
@@ -9256,9 +9382,6 @@
               </a:spcAft>
               <a:buNone/>
             </a:pPr>
-            <a:r>
-              <a:t/>
-            </a:r>
             <a:endParaRPr/>
           </a:p>
         </p:txBody>
@@ -9300,11 +9423,11 @@
 </file>
 
 <file path=ppt/slides/slide12.xml><?xml version="1.0" encoding="utf-8"?>
-<p:sld xmlns:a="http://schemas.openxmlformats.org/drawingml/2006/main" xmlns:r="http://schemas.openxmlformats.org/officeDocument/2006/relationships" xmlns:mc="http://schemas.openxmlformats.org/markup-compatibility/2006" xmlns:mv="urn:schemas-microsoft-com:mac:vml" xmlns:p="http://schemas.openxmlformats.org/presentationml/2006/main" xmlns:c="http://schemas.openxmlformats.org/drawingml/2006/chart" xmlns:dgm="http://schemas.openxmlformats.org/drawingml/2006/diagram" xmlns:o="urn:schemas-microsoft-com:office:office" xmlns:v="urn:schemas-microsoft-com:vml" xmlns:pvml="urn:schemas-microsoft-com:office:powerpoint" xmlns:com="http://schemas.openxmlformats.org/drawingml/2006/compatibility" xmlns:p14="http://schemas.microsoft.com/office/powerpoint/2010/main" xmlns:p15="http://schemas.microsoft.com/office/powerpoint/2012/main">
+<p:sld xmlns:a="http://schemas.openxmlformats.org/drawingml/2006/main" xmlns:r="http://schemas.openxmlformats.org/officeDocument/2006/relationships" xmlns:p="http://schemas.openxmlformats.org/presentationml/2006/main">
   <p:cSld>
     <p:spTree>
       <p:nvGrpSpPr>
-        <p:cNvPr id="158" name="Shape 158"/>
+        <p:cNvPr id="1" name="Shape 158"/>
         <p:cNvGrpSpPr/>
         <p:nvPr/>
       </p:nvGrpSpPr>
@@ -9319,7 +9442,9 @@
       <p:sp>
         <p:nvSpPr>
           <p:cNvPr id="159" name="Google Shape;159;p24"/>
-          <p:cNvSpPr txBox="1"/>
+          <p:cNvSpPr txBox="1">
+            <a:spLocks noGrp="1"/>
+          </p:cNvSpPr>
           <p:nvPr>
             <p:ph type="title"/>
           </p:nvPr>
@@ -9334,12 +9459,12 @@
           </a:prstGeom>
         </p:spPr>
         <p:txBody>
-          <a:bodyPr anchorCtr="0" anchor="t" bIns="91425" lIns="91425" spcFirstLastPara="1" rIns="91425" wrap="square" tIns="91425">
+          <a:bodyPr spcFirstLastPara="1" wrap="square" lIns="91425" tIns="91425" rIns="91425" bIns="91425" anchor="t" anchorCtr="0">
             <a:noAutofit/>
           </a:bodyPr>
           <a:lstStyle/>
           <a:p>
-            <a:pPr indent="0" lvl="0" marL="0" rtl="0" algn="l">
+            <a:pPr marL="0" lvl="0" indent="0" algn="l" rtl="0">
               <a:spcBef>
                 <a:spcPts val="0"/>
               </a:spcBef>
@@ -9350,16 +9475,12 @@
             </a:pPr>
             <a:r>
               <a:rPr lang="zh-TW"/>
-              <a:t>U</a:t>
-            </a:r>
-            <a:r>
-              <a:rPr lang="zh-TW"/>
-              <a:t>ser stories ( including description in Gherkin language )</a:t>
+              <a:t>User stories ( including description in Gherkin language )</a:t>
             </a:r>
             <a:endParaRPr/>
           </a:p>
           <a:p>
-            <a:pPr indent="0" lvl="0" marL="0" rtl="0" algn="l">
+            <a:pPr marL="0" lvl="0" indent="0" algn="l" rtl="0">
               <a:spcBef>
                 <a:spcPts val="0"/>
               </a:spcBef>
@@ -9368,9 +9489,6 @@
               </a:spcAft>
               <a:buNone/>
             </a:pPr>
-            <a:r>
-              <a:t/>
-            </a:r>
             <a:endParaRPr/>
           </a:p>
         </p:txBody>
@@ -9378,9 +9496,11 @@
       <p:sp>
         <p:nvSpPr>
           <p:cNvPr id="160" name="Google Shape;160;p24"/>
-          <p:cNvSpPr txBox="1"/>
+          <p:cNvSpPr txBox="1">
+            <a:spLocks noGrp="1"/>
+          </p:cNvSpPr>
           <p:nvPr>
-            <p:ph idx="1" type="body"/>
+            <p:ph type="body" idx="1"/>
           </p:nvPr>
         </p:nvSpPr>
         <p:spPr>
@@ -9393,12 +9513,12 @@
           </a:prstGeom>
         </p:spPr>
         <p:txBody>
-          <a:bodyPr anchorCtr="0" anchor="t" bIns="91425" lIns="91425" spcFirstLastPara="1" rIns="91425" wrap="square" tIns="91425">
+          <a:bodyPr spcFirstLastPara="1" wrap="square" lIns="91425" tIns="91425" rIns="91425" bIns="91425" anchor="t" anchorCtr="0">
             <a:noAutofit/>
           </a:bodyPr>
           <a:lstStyle/>
           <a:p>
-            <a:pPr indent="0" lvl="0" marL="0" rtl="0" algn="l">
+            <a:pPr marL="0" lvl="0" indent="0" algn="l" rtl="0">
               <a:spcBef>
                 <a:spcPts val="0"/>
               </a:spcBef>
@@ -9407,9 +9527,6 @@
               </a:spcAft>
               <a:buNone/>
             </a:pPr>
-            <a:r>
-              <a:t/>
-            </a:r>
             <a:endParaRPr/>
           </a:p>
         </p:txBody>
@@ -9451,11 +9568,11 @@
 </file>
 
 <file path=ppt/slides/slide13.xml><?xml version="1.0" encoding="utf-8"?>
-<p:sld xmlns:a="http://schemas.openxmlformats.org/drawingml/2006/main" xmlns:r="http://schemas.openxmlformats.org/officeDocument/2006/relationships" xmlns:mc="http://schemas.openxmlformats.org/markup-compatibility/2006" xmlns:mv="urn:schemas-microsoft-com:mac:vml" xmlns:p="http://schemas.openxmlformats.org/presentationml/2006/main" xmlns:c="http://schemas.openxmlformats.org/drawingml/2006/chart" xmlns:dgm="http://schemas.openxmlformats.org/drawingml/2006/diagram" xmlns:o="urn:schemas-microsoft-com:office:office" xmlns:v="urn:schemas-microsoft-com:vml" xmlns:pvml="urn:schemas-microsoft-com:office:powerpoint" xmlns:com="http://schemas.openxmlformats.org/drawingml/2006/compatibility" xmlns:p14="http://schemas.microsoft.com/office/powerpoint/2010/main" xmlns:p15="http://schemas.microsoft.com/office/powerpoint/2012/main">
+<p:sld xmlns:a="http://schemas.openxmlformats.org/drawingml/2006/main" xmlns:r="http://schemas.openxmlformats.org/officeDocument/2006/relationships" xmlns:p="http://schemas.openxmlformats.org/presentationml/2006/main">
   <p:cSld>
     <p:spTree>
       <p:nvGrpSpPr>
-        <p:cNvPr id="165" name="Shape 165"/>
+        <p:cNvPr id="1" name="Shape 165"/>
         <p:cNvGrpSpPr/>
         <p:nvPr/>
       </p:nvGrpSpPr>
@@ -9470,7 +9587,9 @@
       <p:sp>
         <p:nvSpPr>
           <p:cNvPr id="166" name="Google Shape;166;p25"/>
-          <p:cNvSpPr txBox="1"/>
+          <p:cNvSpPr txBox="1">
+            <a:spLocks noGrp="1"/>
+          </p:cNvSpPr>
           <p:nvPr>
             <p:ph type="title"/>
           </p:nvPr>
@@ -9485,12 +9604,12 @@
           </a:prstGeom>
         </p:spPr>
         <p:txBody>
-          <a:bodyPr anchorCtr="0" anchor="t" bIns="91425" lIns="91425" spcFirstLastPara="1" rIns="91425" wrap="square" tIns="91425">
+          <a:bodyPr spcFirstLastPara="1" wrap="square" lIns="91425" tIns="91425" rIns="91425" bIns="91425" anchor="t" anchorCtr="0">
             <a:noAutofit/>
           </a:bodyPr>
           <a:lstStyle/>
           <a:p>
-            <a:pPr indent="0" lvl="0" marL="0" rtl="0" algn="l">
+            <a:pPr marL="0" lvl="0" indent="0" algn="l" rtl="0">
               <a:spcBef>
                 <a:spcPts val="0"/>
               </a:spcBef>
@@ -9499,9 +9618,6 @@
               </a:spcAft>
               <a:buNone/>
             </a:pPr>
-            <a:r>
-              <a:t/>
-            </a:r>
             <a:endParaRPr/>
           </a:p>
         </p:txBody>
@@ -9509,9 +9625,11 @@
       <p:sp>
         <p:nvSpPr>
           <p:cNvPr id="167" name="Google Shape;167;p25"/>
-          <p:cNvSpPr txBox="1"/>
+          <p:cNvSpPr txBox="1">
+            <a:spLocks noGrp="1"/>
+          </p:cNvSpPr>
           <p:nvPr>
-            <p:ph idx="1" type="body"/>
+            <p:ph type="body" idx="1"/>
           </p:nvPr>
         </p:nvSpPr>
         <p:spPr>
@@ -9524,12 +9642,12 @@
           </a:prstGeom>
         </p:spPr>
         <p:txBody>
-          <a:bodyPr anchorCtr="0" anchor="t" bIns="91425" lIns="91425" spcFirstLastPara="1" rIns="91425" wrap="square" tIns="91425">
+          <a:bodyPr spcFirstLastPara="1" wrap="square" lIns="91425" tIns="91425" rIns="91425" bIns="91425" anchor="t" anchorCtr="0">
             <a:noAutofit/>
           </a:bodyPr>
           <a:lstStyle/>
           <a:p>
-            <a:pPr indent="0" lvl="0" marL="0" rtl="0" algn="l">
+            <a:pPr marL="0" lvl="0" indent="0" algn="l" rtl="0">
               <a:spcBef>
                 <a:spcPts val="0"/>
               </a:spcBef>
@@ -9538,9 +9656,6 @@
               </a:spcAft>
               <a:buNone/>
             </a:pPr>
-            <a:r>
-              <a:t/>
-            </a:r>
             <a:endParaRPr/>
           </a:p>
         </p:txBody>
@@ -9582,11 +9697,11 @@
 </file>
 
 <file path=ppt/slides/slide14.xml><?xml version="1.0" encoding="utf-8"?>
-<p:sld xmlns:a="http://schemas.openxmlformats.org/drawingml/2006/main" xmlns:r="http://schemas.openxmlformats.org/officeDocument/2006/relationships" xmlns:mc="http://schemas.openxmlformats.org/markup-compatibility/2006" xmlns:mv="urn:schemas-microsoft-com:mac:vml" xmlns:p="http://schemas.openxmlformats.org/presentationml/2006/main" xmlns:c="http://schemas.openxmlformats.org/drawingml/2006/chart" xmlns:dgm="http://schemas.openxmlformats.org/drawingml/2006/diagram" xmlns:o="urn:schemas-microsoft-com:office:office" xmlns:v="urn:schemas-microsoft-com:vml" xmlns:pvml="urn:schemas-microsoft-com:office:powerpoint" xmlns:com="http://schemas.openxmlformats.org/drawingml/2006/compatibility" xmlns:p14="http://schemas.microsoft.com/office/powerpoint/2010/main" xmlns:p15="http://schemas.microsoft.com/office/powerpoint/2012/main">
+<p:sld xmlns:a="http://schemas.openxmlformats.org/drawingml/2006/main" xmlns:r="http://schemas.openxmlformats.org/officeDocument/2006/relationships" xmlns:p="http://schemas.openxmlformats.org/presentationml/2006/main">
   <p:cSld>
     <p:spTree>
       <p:nvGrpSpPr>
-        <p:cNvPr id="172" name="Shape 172"/>
+        <p:cNvPr id="1" name="Shape 172"/>
         <p:cNvGrpSpPr/>
         <p:nvPr/>
       </p:nvGrpSpPr>
@@ -9601,7 +9716,9 @@
       <p:sp>
         <p:nvSpPr>
           <p:cNvPr id="173" name="Google Shape;173;p26"/>
-          <p:cNvSpPr txBox="1"/>
+          <p:cNvSpPr txBox="1">
+            <a:spLocks noGrp="1"/>
+          </p:cNvSpPr>
           <p:nvPr>
             <p:ph type="title"/>
           </p:nvPr>
@@ -9616,12 +9733,12 @@
           </a:prstGeom>
         </p:spPr>
         <p:txBody>
-          <a:bodyPr anchorCtr="0" anchor="t" bIns="91425" lIns="91425" spcFirstLastPara="1" rIns="91425" wrap="square" tIns="91425">
+          <a:bodyPr spcFirstLastPara="1" wrap="square" lIns="91425" tIns="91425" rIns="91425" bIns="91425" anchor="t" anchorCtr="0">
             <a:noAutofit/>
           </a:bodyPr>
           <a:lstStyle/>
           <a:p>
-            <a:pPr indent="0" lvl="0" marL="0" rtl="0" algn="l">
+            <a:pPr marL="0" lvl="0" indent="0" algn="l" rtl="0">
               <a:spcBef>
                 <a:spcPts val="0"/>
               </a:spcBef>
@@ -9632,11 +9749,7 @@
             </a:pPr>
             <a:r>
               <a:rPr lang="zh-TW"/>
-              <a:t>D</a:t>
-            </a:r>
-            <a:r>
-              <a:rPr lang="zh-TW"/>
-              <a:t>ata interface layout</a:t>
+              <a:t>Data interface layout</a:t>
             </a:r>
             <a:endParaRPr/>
           </a:p>
@@ -9645,9 +9758,11 @@
       <p:sp>
         <p:nvSpPr>
           <p:cNvPr id="174" name="Google Shape;174;p26"/>
-          <p:cNvSpPr txBox="1"/>
+          <p:cNvSpPr txBox="1">
+            <a:spLocks noGrp="1"/>
+          </p:cNvSpPr>
           <p:nvPr>
-            <p:ph idx="1" type="body"/>
+            <p:ph type="body" idx="1"/>
           </p:nvPr>
         </p:nvSpPr>
         <p:spPr>
@@ -9660,12 +9775,12 @@
           </a:prstGeom>
         </p:spPr>
         <p:txBody>
-          <a:bodyPr anchorCtr="0" anchor="t" bIns="91425" lIns="91425" spcFirstLastPara="1" rIns="91425" wrap="square" tIns="91425">
+          <a:bodyPr spcFirstLastPara="1" wrap="square" lIns="91425" tIns="91425" rIns="91425" bIns="91425" anchor="t" anchorCtr="0">
             <a:noAutofit/>
           </a:bodyPr>
           <a:lstStyle/>
           <a:p>
-            <a:pPr indent="0" lvl="0" marL="0" rtl="0" algn="l">
+            <a:pPr marL="0" lvl="0" indent="0" algn="l" rtl="0">
               <a:spcBef>
                 <a:spcPts val="0"/>
               </a:spcBef>
@@ -9685,9 +9800,11 @@
       <p:sp>
         <p:nvSpPr>
           <p:cNvPr id="175" name="Google Shape;175;p26"/>
-          <p:cNvSpPr txBox="1"/>
+          <p:cNvSpPr txBox="1">
+            <a:spLocks noGrp="1"/>
+          </p:cNvSpPr>
           <p:nvPr>
-            <p:ph idx="1" type="body"/>
+            <p:ph type="body" idx="1"/>
           </p:nvPr>
         </p:nvSpPr>
         <p:spPr>
@@ -9700,12 +9817,12 @@
           </a:prstGeom>
         </p:spPr>
         <p:txBody>
-          <a:bodyPr anchorCtr="0" anchor="t" bIns="91425" lIns="91425" spcFirstLastPara="1" rIns="91425" wrap="square" tIns="91425">
+          <a:bodyPr spcFirstLastPara="1" wrap="square" lIns="91425" tIns="91425" rIns="91425" bIns="91425" anchor="t" anchorCtr="0">
             <a:noAutofit/>
           </a:bodyPr>
           <a:lstStyle/>
           <a:p>
-            <a:pPr indent="0" lvl="0" marL="0" rtl="0" algn="l">
+            <a:pPr marL="0" lvl="0" indent="0" algn="l" rtl="0">
               <a:spcBef>
                 <a:spcPts val="0"/>
               </a:spcBef>
@@ -9716,11 +9833,7 @@
             </a:pPr>
             <a:r>
               <a:rPr lang="zh-TW"/>
-              <a:t>Manufacturer</a:t>
-            </a:r>
-            <a:r>
-              <a:rPr lang="zh-TW"/>
-              <a:t> order data</a:t>
+              <a:t>Manufacturer order data</a:t>
             </a:r>
             <a:endParaRPr/>
           </a:p>
@@ -9791,11 +9904,121 @@
 </file>
 
 <file path=ppt/slides/slide15.xml><?xml version="1.0" encoding="utf-8"?>
-<p:sld xmlns:a="http://schemas.openxmlformats.org/drawingml/2006/main" xmlns:r="http://schemas.openxmlformats.org/officeDocument/2006/relationships" xmlns:mc="http://schemas.openxmlformats.org/markup-compatibility/2006" xmlns:mv="urn:schemas-microsoft-com:mac:vml" xmlns:p="http://schemas.openxmlformats.org/presentationml/2006/main" xmlns:c="http://schemas.openxmlformats.org/drawingml/2006/chart" xmlns:dgm="http://schemas.openxmlformats.org/drawingml/2006/diagram" xmlns:o="urn:schemas-microsoft-com:office:office" xmlns:v="urn:schemas-microsoft-com:vml" xmlns:pvml="urn:schemas-microsoft-com:office:powerpoint" xmlns:com="http://schemas.openxmlformats.org/drawingml/2006/compatibility" xmlns:p14="http://schemas.microsoft.com/office/powerpoint/2010/main" xmlns:p15="http://schemas.microsoft.com/office/powerpoint/2012/main">
+<p:sld xmlns:a="http://schemas.openxmlformats.org/drawingml/2006/main" xmlns:r="http://schemas.openxmlformats.org/officeDocument/2006/relationships" xmlns:p="http://schemas.openxmlformats.org/presentationml/2006/main">
   <p:cSld>
     <p:spTree>
       <p:nvGrpSpPr>
-        <p:cNvPr id="181" name="Shape 181"/>
+        <p:cNvPr id="1" name=""/>
+        <p:cNvGrpSpPr/>
+        <p:nvPr/>
+      </p:nvGrpSpPr>
+      <p:grpSpPr>
+        <a:xfrm>
+          <a:off x="0" y="0"/>
+          <a:ext cx="0" cy="0"/>
+          <a:chOff x="0" y="0"/>
+          <a:chExt cx="0" cy="0"/>
+        </a:xfrm>
+      </p:grpSpPr>
+      <p:sp>
+        <p:nvSpPr>
+          <p:cNvPr id="2" name="標題 1">
+            <a:extLst>
+              <a:ext uri="{FF2B5EF4-FFF2-40B4-BE49-F238E27FC236}">
+                <a16:creationId xmlns:a16="http://schemas.microsoft.com/office/drawing/2014/main" id="{35AD5541-A1C6-4C62-A25B-ADD00192E4B7}"/>
+              </a:ext>
+            </a:extLst>
+          </p:cNvPr>
+          <p:cNvSpPr>
+            <a:spLocks noGrp="1"/>
+          </p:cNvSpPr>
+          <p:nvPr>
+            <p:ph type="title"/>
+          </p:nvPr>
+        </p:nvSpPr>
+        <p:spPr/>
+        <p:txBody>
+          <a:bodyPr/>
+          <a:lstStyle/>
+          <a:p>
+            <a:endParaRPr lang="zh-HK" altLang="en-US"/>
+          </a:p>
+        </p:txBody>
+      </p:sp>
+      <p:sp>
+        <p:nvSpPr>
+          <p:cNvPr id="3" name="文字版面配置區 2">
+            <a:extLst>
+              <a:ext uri="{FF2B5EF4-FFF2-40B4-BE49-F238E27FC236}">
+                <a16:creationId xmlns:a16="http://schemas.microsoft.com/office/drawing/2014/main" id="{1EDFC0A9-2CAC-452E-A78B-93B90CB3EC27}"/>
+              </a:ext>
+            </a:extLst>
+          </p:cNvPr>
+          <p:cNvSpPr>
+            <a:spLocks noGrp="1"/>
+          </p:cNvSpPr>
+          <p:nvPr>
+            <p:ph type="body" idx="1"/>
+          </p:nvPr>
+        </p:nvSpPr>
+        <p:spPr/>
+        <p:txBody>
+          <a:bodyPr/>
+          <a:lstStyle/>
+          <a:p>
+            <a:endParaRPr lang="zh-HK" altLang="en-US" dirty="0"/>
+          </a:p>
+        </p:txBody>
+      </p:sp>
+      <p:pic>
+        <p:nvPicPr>
+          <p:cNvPr id="4" name="圖片 3">
+            <a:extLst>
+              <a:ext uri="{FF2B5EF4-FFF2-40B4-BE49-F238E27FC236}">
+                <a16:creationId xmlns:a16="http://schemas.microsoft.com/office/drawing/2014/main" id="{BB2D1FF3-24D6-4A0E-8280-D5ECA8F3FEB8}"/>
+              </a:ext>
+            </a:extLst>
+          </p:cNvPr>
+          <p:cNvPicPr>
+            <a:picLocks noChangeAspect="1"/>
+          </p:cNvPicPr>
+          <p:nvPr/>
+        </p:nvPicPr>
+        <p:blipFill>
+          <a:blip r:embed="rId2"/>
+          <a:stretch>
+            <a:fillRect/>
+          </a:stretch>
+        </p:blipFill>
+        <p:spPr>
+          <a:xfrm>
+            <a:off x="0" y="1186767"/>
+            <a:ext cx="9144000" cy="2769966"/>
+          </a:xfrm>
+          <a:prstGeom prst="rect">
+            <a:avLst/>
+          </a:prstGeom>
+        </p:spPr>
+      </p:pic>
+    </p:spTree>
+    <p:extLst>
+      <p:ext uri="{BB962C8B-B14F-4D97-AF65-F5344CB8AC3E}">
+        <p14:creationId xmlns:p14="http://schemas.microsoft.com/office/powerpoint/2010/main" val="3907365682"/>
+      </p:ext>
+    </p:extLst>
+  </p:cSld>
+  <p:clrMapOvr>
+    <a:masterClrMapping/>
+  </p:clrMapOvr>
+</p:sld>
+</file>
+
+<file path=ppt/slides/slide16.xml><?xml version="1.0" encoding="utf-8"?>
+<p:sld xmlns:a="http://schemas.openxmlformats.org/drawingml/2006/main" xmlns:r="http://schemas.openxmlformats.org/officeDocument/2006/relationships" xmlns:p="http://schemas.openxmlformats.org/presentationml/2006/main">
+  <p:cSld>
+    <p:spTree>
+      <p:nvGrpSpPr>
+        <p:cNvPr id="1" name="Shape 181"/>
         <p:cNvGrpSpPr/>
         <p:nvPr/>
       </p:nvGrpSpPr>
@@ -9810,7 +10033,9 @@
       <p:sp>
         <p:nvSpPr>
           <p:cNvPr id="182" name="Google Shape;182;p27"/>
-          <p:cNvSpPr txBox="1"/>
+          <p:cNvSpPr txBox="1">
+            <a:spLocks noGrp="1"/>
+          </p:cNvSpPr>
           <p:nvPr>
             <p:ph type="title"/>
           </p:nvPr>
@@ -9825,12 +10050,12 @@
           </a:prstGeom>
         </p:spPr>
         <p:txBody>
-          <a:bodyPr anchorCtr="0" anchor="t" bIns="91425" lIns="91425" spcFirstLastPara="1" rIns="91425" wrap="square" tIns="91425">
+          <a:bodyPr spcFirstLastPara="1" wrap="square" lIns="91425" tIns="91425" rIns="91425" bIns="91425" anchor="t" anchorCtr="0">
             <a:noAutofit/>
           </a:bodyPr>
           <a:lstStyle/>
           <a:p>
-            <a:pPr indent="0" lvl="0" marL="0" rtl="0" algn="l">
+            <a:pPr marL="0" lvl="0" indent="0" algn="l" rtl="0">
               <a:spcBef>
                 <a:spcPts val="0"/>
               </a:spcBef>
@@ -9850,9 +10075,11 @@
       <p:sp>
         <p:nvSpPr>
           <p:cNvPr id="183" name="Google Shape;183;p27"/>
-          <p:cNvSpPr txBox="1"/>
+          <p:cNvSpPr txBox="1">
+            <a:spLocks noGrp="1"/>
+          </p:cNvSpPr>
           <p:nvPr>
-            <p:ph idx="1" type="body"/>
+            <p:ph type="body" idx="1"/>
           </p:nvPr>
         </p:nvSpPr>
         <p:spPr>
@@ -9865,12 +10092,12 @@
           </a:prstGeom>
         </p:spPr>
         <p:txBody>
-          <a:bodyPr anchorCtr="0" anchor="t" bIns="91425" lIns="91425" spcFirstLastPara="1" rIns="91425" wrap="square" tIns="91425">
+          <a:bodyPr spcFirstLastPara="1" wrap="square" lIns="91425" tIns="91425" rIns="91425" bIns="91425" anchor="t" anchorCtr="0">
             <a:noAutofit/>
           </a:bodyPr>
           <a:lstStyle/>
           <a:p>
-            <a:pPr indent="0" lvl="0" marL="0" rtl="0" algn="l">
+            <a:pPr marL="0" lvl="0" indent="0" algn="l" rtl="0">
               <a:spcBef>
                 <a:spcPts val="0"/>
               </a:spcBef>
@@ -9905,11 +10132,11 @@
 </file>
 
 <file path=ppt/slides/slide2.xml><?xml version="1.0" encoding="utf-8"?>
-<p:sld xmlns:a="http://schemas.openxmlformats.org/drawingml/2006/main" xmlns:r="http://schemas.openxmlformats.org/officeDocument/2006/relationships" xmlns:mc="http://schemas.openxmlformats.org/markup-compatibility/2006" xmlns:mv="urn:schemas-microsoft-com:mac:vml" xmlns:p="http://schemas.openxmlformats.org/presentationml/2006/main" xmlns:c="http://schemas.openxmlformats.org/drawingml/2006/chart" xmlns:dgm="http://schemas.openxmlformats.org/drawingml/2006/diagram" xmlns:o="urn:schemas-microsoft-com:office:office" xmlns:v="urn:schemas-microsoft-com:vml" xmlns:pvml="urn:schemas-microsoft-com:office:powerpoint" xmlns:com="http://schemas.openxmlformats.org/drawingml/2006/compatibility" xmlns:p14="http://schemas.microsoft.com/office/powerpoint/2010/main" xmlns:p15="http://schemas.microsoft.com/office/powerpoint/2012/main">
+<p:sld xmlns:a="http://schemas.openxmlformats.org/drawingml/2006/main" xmlns:r="http://schemas.openxmlformats.org/officeDocument/2006/relationships" xmlns:p="http://schemas.openxmlformats.org/presentationml/2006/main">
   <p:cSld>
     <p:spTree>
       <p:nvGrpSpPr>
-        <p:cNvPr id="91" name="Shape 91"/>
+        <p:cNvPr id="1" name="Shape 91"/>
         <p:cNvGrpSpPr/>
         <p:nvPr/>
       </p:nvGrpSpPr>
@@ -9924,7 +10151,9 @@
       <p:sp>
         <p:nvSpPr>
           <p:cNvPr id="92" name="Google Shape;92;p14"/>
-          <p:cNvSpPr txBox="1"/>
+          <p:cNvSpPr txBox="1">
+            <a:spLocks noGrp="1"/>
+          </p:cNvSpPr>
           <p:nvPr>
             <p:ph type="title"/>
           </p:nvPr>
@@ -9939,12 +10168,12 @@
           </a:prstGeom>
         </p:spPr>
         <p:txBody>
-          <a:bodyPr anchorCtr="0" anchor="t" bIns="91425" lIns="91425" spcFirstLastPara="1" rIns="91425" wrap="square" tIns="91425">
+          <a:bodyPr spcFirstLastPara="1" wrap="square" lIns="91425" tIns="91425" rIns="91425" bIns="91425" anchor="t" anchorCtr="0">
             <a:noAutofit/>
           </a:bodyPr>
           <a:lstStyle/>
           <a:p>
-            <a:pPr indent="0" lvl="0" marL="0" rtl="0" algn="l">
+            <a:pPr marL="0" lvl="0" indent="0" algn="l" rtl="0">
               <a:spcBef>
                 <a:spcPts val="0"/>
               </a:spcBef>
@@ -9964,9 +10193,11 @@
       <p:sp>
         <p:nvSpPr>
           <p:cNvPr id="93" name="Google Shape;93;p14"/>
-          <p:cNvSpPr txBox="1"/>
+          <p:cNvSpPr txBox="1">
+            <a:spLocks noGrp="1"/>
+          </p:cNvSpPr>
           <p:nvPr>
-            <p:ph idx="1" type="body"/>
+            <p:ph type="body" idx="1"/>
           </p:nvPr>
         </p:nvSpPr>
         <p:spPr>
@@ -9979,12 +10210,12 @@
           </a:prstGeom>
         </p:spPr>
         <p:txBody>
-          <a:bodyPr anchorCtr="0" anchor="t" bIns="91425" lIns="91425" spcFirstLastPara="1" rIns="91425" wrap="square" tIns="91425">
+          <a:bodyPr spcFirstLastPara="1" wrap="square" lIns="91425" tIns="91425" rIns="91425" bIns="91425" anchor="t" anchorCtr="0">
             <a:noAutofit/>
           </a:bodyPr>
           <a:lstStyle/>
           <a:p>
-            <a:pPr indent="0" lvl="0" marL="0" rtl="0" algn="l">
+            <a:pPr marL="0" lvl="0" indent="0" algn="l" rtl="0">
               <a:spcBef>
                 <a:spcPts val="0"/>
               </a:spcBef>
@@ -10019,11 +10250,11 @@
 </file>
 
 <file path=ppt/slides/slide3.xml><?xml version="1.0" encoding="utf-8"?>
-<p:sld xmlns:a="http://schemas.openxmlformats.org/drawingml/2006/main" xmlns:r="http://schemas.openxmlformats.org/officeDocument/2006/relationships" xmlns:mc="http://schemas.openxmlformats.org/markup-compatibility/2006" xmlns:mv="urn:schemas-microsoft-com:mac:vml" xmlns:p="http://schemas.openxmlformats.org/presentationml/2006/main" xmlns:c="http://schemas.openxmlformats.org/drawingml/2006/chart" xmlns:dgm="http://schemas.openxmlformats.org/drawingml/2006/diagram" xmlns:o="urn:schemas-microsoft-com:office:office" xmlns:v="urn:schemas-microsoft-com:vml" xmlns:pvml="urn:schemas-microsoft-com:office:powerpoint" xmlns:com="http://schemas.openxmlformats.org/drawingml/2006/compatibility" xmlns:p14="http://schemas.microsoft.com/office/powerpoint/2010/main" xmlns:p15="http://schemas.microsoft.com/office/powerpoint/2012/main">
+<p:sld xmlns:a="http://schemas.openxmlformats.org/drawingml/2006/main" xmlns:r="http://schemas.openxmlformats.org/officeDocument/2006/relationships" xmlns:p="http://schemas.openxmlformats.org/presentationml/2006/main">
   <p:cSld>
     <p:spTree>
       <p:nvGrpSpPr>
-        <p:cNvPr id="97" name="Shape 97"/>
+        <p:cNvPr id="1" name="Shape 97"/>
         <p:cNvGrpSpPr/>
         <p:nvPr/>
       </p:nvGrpSpPr>
@@ -10038,7 +10269,9 @@
       <p:sp>
         <p:nvSpPr>
           <p:cNvPr id="98" name="Google Shape;98;p15"/>
-          <p:cNvSpPr txBox="1"/>
+          <p:cNvSpPr txBox="1">
+            <a:spLocks noGrp="1"/>
+          </p:cNvSpPr>
           <p:nvPr>
             <p:ph type="title"/>
           </p:nvPr>
@@ -10053,12 +10286,12 @@
           </a:prstGeom>
         </p:spPr>
         <p:txBody>
-          <a:bodyPr anchorCtr="0" anchor="t" bIns="91425" lIns="91425" spcFirstLastPara="1" rIns="91425" wrap="square" tIns="91425">
+          <a:bodyPr spcFirstLastPara="1" wrap="square" lIns="91425" tIns="91425" rIns="91425" bIns="91425" anchor="t" anchorCtr="0">
             <a:noAutofit/>
           </a:bodyPr>
           <a:lstStyle/>
           <a:p>
-            <a:pPr indent="0" lvl="0" marL="0" rtl="0" algn="l">
+            <a:pPr marL="0" lvl="0" indent="0" algn="l" rtl="0">
               <a:spcBef>
                 <a:spcPts val="0"/>
               </a:spcBef>
@@ -10078,9 +10311,11 @@
       <p:sp>
         <p:nvSpPr>
           <p:cNvPr id="99" name="Google Shape;99;p15"/>
-          <p:cNvSpPr txBox="1"/>
+          <p:cNvSpPr txBox="1">
+            <a:spLocks noGrp="1"/>
+          </p:cNvSpPr>
           <p:nvPr>
-            <p:ph idx="1" type="body"/>
+            <p:ph type="body" idx="1"/>
           </p:nvPr>
         </p:nvSpPr>
         <p:spPr>
@@ -10093,12 +10328,12 @@
           </a:prstGeom>
         </p:spPr>
         <p:txBody>
-          <a:bodyPr anchorCtr="0" anchor="t" bIns="91425" lIns="91425" spcFirstLastPara="1" rIns="91425" wrap="square" tIns="91425">
+          <a:bodyPr spcFirstLastPara="1" wrap="square" lIns="91425" tIns="91425" rIns="91425" bIns="91425" anchor="t" anchorCtr="0">
             <a:noAutofit/>
           </a:bodyPr>
           <a:lstStyle/>
           <a:p>
-            <a:pPr indent="0" lvl="0" marL="0" rtl="0" algn="l">
+            <a:pPr marL="0" lvl="0" indent="0" algn="l" rtl="0">
               <a:spcBef>
                 <a:spcPts val="0"/>
               </a:spcBef>
@@ -10107,9 +10342,6 @@
               </a:spcAft>
               <a:buNone/>
             </a:pPr>
-            <a:r>
-              <a:t/>
-            </a:r>
             <a:endParaRPr/>
           </a:p>
         </p:txBody>
@@ -10151,11 +10383,11 @@
 </file>
 
 <file path=ppt/slides/slide4.xml><?xml version="1.0" encoding="utf-8"?>
-<p:sld xmlns:a="http://schemas.openxmlformats.org/drawingml/2006/main" xmlns:r="http://schemas.openxmlformats.org/officeDocument/2006/relationships" xmlns:mc="http://schemas.openxmlformats.org/markup-compatibility/2006" xmlns:mv="urn:schemas-microsoft-com:mac:vml" xmlns:p="http://schemas.openxmlformats.org/presentationml/2006/main" xmlns:c="http://schemas.openxmlformats.org/drawingml/2006/chart" xmlns:dgm="http://schemas.openxmlformats.org/drawingml/2006/diagram" xmlns:o="urn:schemas-microsoft-com:office:office" xmlns:v="urn:schemas-microsoft-com:vml" xmlns:pvml="urn:schemas-microsoft-com:office:powerpoint" xmlns:com="http://schemas.openxmlformats.org/drawingml/2006/compatibility" xmlns:p14="http://schemas.microsoft.com/office/powerpoint/2010/main" xmlns:p15="http://schemas.microsoft.com/office/powerpoint/2012/main">
+<p:sld xmlns:a="http://schemas.openxmlformats.org/drawingml/2006/main" xmlns:r="http://schemas.openxmlformats.org/officeDocument/2006/relationships" xmlns:p="http://schemas.openxmlformats.org/presentationml/2006/main">
   <p:cSld>
     <p:spTree>
       <p:nvGrpSpPr>
-        <p:cNvPr id="104" name="Shape 104"/>
+        <p:cNvPr id="1" name="Shape 104"/>
         <p:cNvGrpSpPr/>
         <p:nvPr/>
       </p:nvGrpSpPr>
@@ -10170,7 +10402,9 @@
       <p:sp>
         <p:nvSpPr>
           <p:cNvPr id="105" name="Google Shape;105;p16"/>
-          <p:cNvSpPr txBox="1"/>
+          <p:cNvSpPr txBox="1">
+            <a:spLocks noGrp="1"/>
+          </p:cNvSpPr>
           <p:nvPr>
             <p:ph type="title"/>
           </p:nvPr>
@@ -10185,12 +10419,12 @@
           </a:prstGeom>
         </p:spPr>
         <p:txBody>
-          <a:bodyPr anchorCtr="0" anchor="t" bIns="91425" lIns="91425" spcFirstLastPara="1" rIns="91425" wrap="square" tIns="91425">
+          <a:bodyPr spcFirstLastPara="1" wrap="square" lIns="91425" tIns="91425" rIns="91425" bIns="91425" anchor="t" anchorCtr="0">
             <a:noAutofit/>
           </a:bodyPr>
           <a:lstStyle/>
           <a:p>
-            <a:pPr indent="0" lvl="0" marL="0" rtl="0" algn="l">
+            <a:pPr marL="0" lvl="0" indent="0" algn="l" rtl="0">
               <a:spcBef>
                 <a:spcPts val="0"/>
               </a:spcBef>
@@ -10225,19 +10459,35 @@
                 <a:tableStyleId>{0C858607-58DB-49E4-8A73-8668C1C2D5A6}</a:tableStyleId>
               </a:tblPr>
               <a:tblGrid>
-                <a:gridCol w="2413000"/>
-                <a:gridCol w="2413000"/>
-                <a:gridCol w="2413000"/>
+                <a:gridCol w="2413000">
+                  <a:extLst>
+                    <a:ext uri="{9D8B030D-6E8A-4147-A177-3AD203B41FA5}">
+                      <a16:colId xmlns:a16="http://schemas.microsoft.com/office/drawing/2014/main" val="20000"/>
+                    </a:ext>
+                  </a:extLst>
+                </a:gridCol>
+                <a:gridCol w="2413000">
+                  <a:extLst>
+                    <a:ext uri="{9D8B030D-6E8A-4147-A177-3AD203B41FA5}">
+                      <a16:colId xmlns:a16="http://schemas.microsoft.com/office/drawing/2014/main" val="20001"/>
+                    </a:ext>
+                  </a:extLst>
+                </a:gridCol>
+                <a:gridCol w="2413000">
+                  <a:extLst>
+                    <a:ext uri="{9D8B030D-6E8A-4147-A177-3AD203B41FA5}">
+                      <a16:colId xmlns:a16="http://schemas.microsoft.com/office/drawing/2014/main" val="20002"/>
+                    </a:ext>
+                  </a:extLst>
+                </a:gridCol>
               </a:tblGrid>
               <a:tr h="381000">
                 <a:tc>
                   <a:txBody>
-                    <a:bodyPr>
-                      <a:noAutofit/>
-                    </a:bodyPr>
+                    <a:bodyPr/>
                     <a:lstStyle/>
                     <a:p>
-                      <a:pPr indent="0" lvl="0" marL="0" rtl="0" algn="l">
+                      <a:pPr marL="0" lvl="0" indent="0" algn="l" rtl="0">
                         <a:spcBef>
                           <a:spcPts val="0"/>
                         </a:spcBef>
@@ -10253,16 +10503,14 @@
                       <a:endParaRPr/>
                     </a:p>
                   </a:txBody>
-                  <a:tcPr marT="91425" marB="91425" marR="91425" marL="91425"/>
+                  <a:tcPr marL="91425" marR="91425" marT="91425" marB="91425"/>
                 </a:tc>
                 <a:tc>
                   <a:txBody>
-                    <a:bodyPr>
-                      <a:noAutofit/>
-                    </a:bodyPr>
+                    <a:bodyPr/>
                     <a:lstStyle/>
                     <a:p>
-                      <a:pPr indent="0" lvl="0" marL="0" rtl="0" algn="l">
+                      <a:pPr marL="0" lvl="0" indent="0" algn="l" rtl="0">
                         <a:spcBef>
                           <a:spcPts val="0"/>
                         </a:spcBef>
@@ -10278,16 +10526,14 @@
                       <a:endParaRPr/>
                     </a:p>
                   </a:txBody>
-                  <a:tcPr marT="91425" marB="91425" marR="91425" marL="91425"/>
+                  <a:tcPr marL="91425" marR="91425" marT="91425" marB="91425"/>
                 </a:tc>
                 <a:tc>
                   <a:txBody>
-                    <a:bodyPr>
-                      <a:noAutofit/>
-                    </a:bodyPr>
+                    <a:bodyPr/>
                     <a:lstStyle/>
                     <a:p>
-                      <a:pPr indent="0" lvl="0" marL="0" rtl="0" algn="l">
+                      <a:pPr marL="0" lvl="0" indent="0" algn="l" rtl="0">
                         <a:spcBef>
                           <a:spcPts val="0"/>
                         </a:spcBef>
@@ -10303,18 +10549,21 @@
                       <a:endParaRPr/>
                     </a:p>
                   </a:txBody>
-                  <a:tcPr marT="91425" marB="91425" marR="91425" marL="91425"/>
+                  <a:tcPr marL="91425" marR="91425" marT="91425" marB="91425"/>
                 </a:tc>
+                <a:extLst>
+                  <a:ext uri="{0D108BD9-81ED-4DB2-BD59-A6C34878D82A}">
+                    <a16:rowId xmlns:a16="http://schemas.microsoft.com/office/drawing/2014/main" val="10000"/>
+                  </a:ext>
+                </a:extLst>
               </a:tr>
               <a:tr h="381000">
                 <a:tc>
                   <a:txBody>
-                    <a:bodyPr>
-                      <a:noAutofit/>
-                    </a:bodyPr>
+                    <a:bodyPr/>
                     <a:lstStyle/>
                     <a:p>
-                      <a:pPr indent="0" lvl="0" marL="0" rtl="0" algn="l">
+                      <a:pPr marL="0" lvl="0" indent="0" algn="l" rtl="0">
                         <a:spcBef>
                           <a:spcPts val="0"/>
                         </a:spcBef>
@@ -10330,16 +10579,14 @@
                       <a:endParaRPr/>
                     </a:p>
                   </a:txBody>
-                  <a:tcPr marT="91425" marB="91425" marR="91425" marL="91425"/>
+                  <a:tcPr marL="91425" marR="91425" marT="91425" marB="91425"/>
                 </a:tc>
                 <a:tc>
                   <a:txBody>
-                    <a:bodyPr>
-                      <a:noAutofit/>
-                    </a:bodyPr>
+                    <a:bodyPr/>
                     <a:lstStyle/>
                     <a:p>
-                      <a:pPr indent="0" lvl="0" marL="0" rtl="0" algn="l">
+                      <a:pPr marL="0" lvl="0" indent="0" algn="l" rtl="0">
                         <a:spcBef>
                           <a:spcPts val="0"/>
                         </a:spcBef>
@@ -10355,16 +10602,14 @@
                       <a:endParaRPr/>
                     </a:p>
                   </a:txBody>
-                  <a:tcPr marT="91425" marB="91425" marR="91425" marL="91425"/>
+                  <a:tcPr marL="91425" marR="91425" marT="91425" marB="91425"/>
                 </a:tc>
                 <a:tc>
                   <a:txBody>
-                    <a:bodyPr>
-                      <a:noAutofit/>
-                    </a:bodyPr>
+                    <a:bodyPr/>
                     <a:lstStyle/>
                     <a:p>
-                      <a:pPr indent="0" lvl="0" marL="0" rtl="0" algn="l">
+                      <a:pPr marL="0" lvl="0" indent="0" algn="l" rtl="0">
                         <a:spcBef>
                           <a:spcPts val="0"/>
                         </a:spcBef>
@@ -10380,18 +10625,21 @@
                       <a:endParaRPr/>
                     </a:p>
                   </a:txBody>
-                  <a:tcPr marT="91425" marB="91425" marR="91425" marL="91425"/>
+                  <a:tcPr marL="91425" marR="91425" marT="91425" marB="91425"/>
                 </a:tc>
+                <a:extLst>
+                  <a:ext uri="{0D108BD9-81ED-4DB2-BD59-A6C34878D82A}">
+                    <a16:rowId xmlns:a16="http://schemas.microsoft.com/office/drawing/2014/main" val="10001"/>
+                  </a:ext>
+                </a:extLst>
               </a:tr>
               <a:tr h="381000">
                 <a:tc>
                   <a:txBody>
-                    <a:bodyPr>
-                      <a:noAutofit/>
-                    </a:bodyPr>
+                    <a:bodyPr/>
                     <a:lstStyle/>
                     <a:p>
-                      <a:pPr indent="0" lvl="0" marL="0" rtl="0" algn="l">
+                      <a:pPr marL="0" lvl="0" indent="0" algn="l" rtl="0">
                         <a:spcBef>
                           <a:spcPts val="0"/>
                         </a:spcBef>
@@ -10407,16 +10655,14 @@
                       <a:endParaRPr/>
                     </a:p>
                   </a:txBody>
-                  <a:tcPr marT="91425" marB="91425" marR="91425" marL="91425"/>
+                  <a:tcPr marL="91425" marR="91425" marT="91425" marB="91425"/>
                 </a:tc>
                 <a:tc>
                   <a:txBody>
-                    <a:bodyPr>
-                      <a:noAutofit/>
-                    </a:bodyPr>
+                    <a:bodyPr/>
                     <a:lstStyle/>
                     <a:p>
-                      <a:pPr indent="0" lvl="0" marL="0" rtl="0" algn="l">
+                      <a:pPr marL="0" lvl="0" indent="0" algn="l" rtl="0">
                         <a:spcBef>
                           <a:spcPts val="0"/>
                         </a:spcBef>
@@ -10432,16 +10678,14 @@
                       <a:endParaRPr/>
                     </a:p>
                   </a:txBody>
-                  <a:tcPr marT="91425" marB="91425" marR="91425" marL="91425"/>
+                  <a:tcPr marL="91425" marR="91425" marT="91425" marB="91425"/>
                 </a:tc>
                 <a:tc>
                   <a:txBody>
-                    <a:bodyPr>
-                      <a:noAutofit/>
-                    </a:bodyPr>
+                    <a:bodyPr/>
                     <a:lstStyle/>
                     <a:p>
-                      <a:pPr indent="0" lvl="0" marL="0" rtl="0" algn="l">
+                      <a:pPr marL="0" lvl="0" indent="0" algn="l" rtl="0">
                         <a:lnSpc>
                           <a:spcPct val="115000"/>
                         </a:lnSpc>
@@ -10460,18 +10704,21 @@
                       <a:endParaRPr/>
                     </a:p>
                   </a:txBody>
-                  <a:tcPr marT="91425" marB="91425" marR="91425" marL="91425"/>
+                  <a:tcPr marL="91425" marR="91425" marT="91425" marB="91425"/>
                 </a:tc>
+                <a:extLst>
+                  <a:ext uri="{0D108BD9-81ED-4DB2-BD59-A6C34878D82A}">
+                    <a16:rowId xmlns:a16="http://schemas.microsoft.com/office/drawing/2014/main" val="10002"/>
+                  </a:ext>
+                </a:extLst>
               </a:tr>
               <a:tr h="381000">
                 <a:tc>
                   <a:txBody>
-                    <a:bodyPr>
-                      <a:noAutofit/>
-                    </a:bodyPr>
+                    <a:bodyPr/>
                     <a:lstStyle/>
                     <a:p>
-                      <a:pPr indent="0" lvl="0" marL="0" rtl="0" algn="l">
+                      <a:pPr marL="0" lvl="0" indent="0" algn="l" rtl="0">
                         <a:spcBef>
                           <a:spcPts val="0"/>
                         </a:spcBef>
@@ -10487,16 +10734,14 @@
                       <a:endParaRPr/>
                     </a:p>
                   </a:txBody>
-                  <a:tcPr marT="91425" marB="91425" marR="91425" marL="91425"/>
+                  <a:tcPr marL="91425" marR="91425" marT="91425" marB="91425"/>
                 </a:tc>
                 <a:tc>
                   <a:txBody>
-                    <a:bodyPr>
-                      <a:noAutofit/>
-                    </a:bodyPr>
+                    <a:bodyPr/>
                     <a:lstStyle/>
                     <a:p>
-                      <a:pPr indent="0" lvl="0" marL="0" rtl="0" algn="l">
+                      <a:pPr marL="0" lvl="0" indent="0" algn="l" rtl="0">
                         <a:spcBef>
                           <a:spcPts val="0"/>
                         </a:spcBef>
@@ -10512,16 +10757,14 @@
                       <a:endParaRPr/>
                     </a:p>
                   </a:txBody>
-                  <a:tcPr marT="91425" marB="91425" marR="91425" marL="91425"/>
+                  <a:tcPr marL="91425" marR="91425" marT="91425" marB="91425"/>
                 </a:tc>
                 <a:tc>
                   <a:txBody>
-                    <a:bodyPr>
-                      <a:noAutofit/>
-                    </a:bodyPr>
+                    <a:bodyPr/>
                     <a:lstStyle/>
                     <a:p>
-                      <a:pPr indent="0" lvl="0" marL="0" rtl="0" algn="l">
+                      <a:pPr marL="0" lvl="0" indent="0" algn="l" rtl="0">
                         <a:lnSpc>
                           <a:spcPct val="115000"/>
                         </a:lnSpc>
@@ -10540,7 +10783,7 @@
                       <a:endParaRPr/>
                     </a:p>
                     <a:p>
-                      <a:pPr indent="0" lvl="0" marL="0" rtl="0" algn="l">
+                      <a:pPr marL="0" lvl="0" indent="0" algn="l" rtl="0">
                         <a:spcBef>
                           <a:spcPts val="0"/>
                         </a:spcBef>
@@ -10549,24 +10792,24 @@
                         </a:spcAft>
                         <a:buNone/>
                       </a:pPr>
-                      <a:r>
-                        <a:t/>
-                      </a:r>
                       <a:endParaRPr/>
                     </a:p>
                   </a:txBody>
-                  <a:tcPr marT="91425" marB="91425" marR="91425" marL="91425"/>
+                  <a:tcPr marL="91425" marR="91425" marT="91425" marB="91425"/>
                 </a:tc>
+                <a:extLst>
+                  <a:ext uri="{0D108BD9-81ED-4DB2-BD59-A6C34878D82A}">
+                    <a16:rowId xmlns:a16="http://schemas.microsoft.com/office/drawing/2014/main" val="10003"/>
+                  </a:ext>
+                </a:extLst>
               </a:tr>
               <a:tr h="381000">
                 <a:tc>
                   <a:txBody>
-                    <a:bodyPr>
-                      <a:noAutofit/>
-                    </a:bodyPr>
+                    <a:bodyPr/>
                     <a:lstStyle/>
                     <a:p>
-                      <a:pPr indent="0" lvl="0" marL="0" rtl="0" algn="l">
+                      <a:pPr marL="0" lvl="0" indent="0" algn="l" rtl="0">
                         <a:spcBef>
                           <a:spcPts val="0"/>
                         </a:spcBef>
@@ -10582,16 +10825,14 @@
                       <a:endParaRPr/>
                     </a:p>
                   </a:txBody>
-                  <a:tcPr marT="91425" marB="91425" marR="91425" marL="91425"/>
+                  <a:tcPr marL="91425" marR="91425" marT="91425" marB="91425"/>
                 </a:tc>
                 <a:tc>
                   <a:txBody>
-                    <a:bodyPr>
-                      <a:noAutofit/>
-                    </a:bodyPr>
+                    <a:bodyPr/>
                     <a:lstStyle/>
                     <a:p>
-                      <a:pPr indent="0" lvl="0" marL="0" rtl="0" algn="l">
+                      <a:pPr marL="0" lvl="0" indent="0" algn="l" rtl="0">
                         <a:spcBef>
                           <a:spcPts val="0"/>
                         </a:spcBef>
@@ -10607,16 +10848,14 @@
                       <a:endParaRPr/>
                     </a:p>
                   </a:txBody>
-                  <a:tcPr marT="91425" marB="91425" marR="91425" marL="91425"/>
+                  <a:tcPr marL="91425" marR="91425" marT="91425" marB="91425"/>
                 </a:tc>
                 <a:tc>
                   <a:txBody>
-                    <a:bodyPr>
-                      <a:noAutofit/>
-                    </a:bodyPr>
+                    <a:bodyPr/>
                     <a:lstStyle/>
                     <a:p>
-                      <a:pPr indent="0" lvl="0" marL="0" rtl="0" algn="l">
+                      <a:pPr marL="0" lvl="0" indent="0" algn="l" rtl="0">
                         <a:lnSpc>
                           <a:spcPct val="115000"/>
                         </a:lnSpc>
@@ -10635,7 +10874,7 @@
                       <a:endParaRPr/>
                     </a:p>
                     <a:p>
-                      <a:pPr indent="0" lvl="0" marL="0" rtl="0" algn="l">
+                      <a:pPr marL="0" lvl="0" indent="0" algn="l" rtl="0">
                         <a:spcBef>
                           <a:spcPts val="0"/>
                         </a:spcBef>
@@ -10644,24 +10883,24 @@
                         </a:spcAft>
                         <a:buNone/>
                       </a:pPr>
-                      <a:r>
-                        <a:t/>
-                      </a:r>
                       <a:endParaRPr/>
                     </a:p>
                   </a:txBody>
-                  <a:tcPr marT="91425" marB="91425" marR="91425" marL="91425"/>
+                  <a:tcPr marL="91425" marR="91425" marT="91425" marB="91425"/>
                 </a:tc>
+                <a:extLst>
+                  <a:ext uri="{0D108BD9-81ED-4DB2-BD59-A6C34878D82A}">
+                    <a16:rowId xmlns:a16="http://schemas.microsoft.com/office/drawing/2014/main" val="10004"/>
+                  </a:ext>
+                </a:extLst>
               </a:tr>
               <a:tr h="381000">
                 <a:tc>
                   <a:txBody>
-                    <a:bodyPr>
-                      <a:noAutofit/>
-                    </a:bodyPr>
+                    <a:bodyPr/>
                     <a:lstStyle/>
                     <a:p>
-                      <a:pPr indent="0" lvl="0" marL="0" rtl="0" algn="l">
+                      <a:pPr marL="0" lvl="0" indent="0" algn="l" rtl="0">
                         <a:spcBef>
                           <a:spcPts val="0"/>
                         </a:spcBef>
@@ -10677,16 +10916,14 @@
                       <a:endParaRPr/>
                     </a:p>
                   </a:txBody>
-                  <a:tcPr marT="91425" marB="91425" marR="91425" marL="91425"/>
+                  <a:tcPr marL="91425" marR="91425" marT="91425" marB="91425"/>
                 </a:tc>
                 <a:tc>
                   <a:txBody>
-                    <a:bodyPr>
-                      <a:noAutofit/>
-                    </a:bodyPr>
+                    <a:bodyPr/>
                     <a:lstStyle/>
                     <a:p>
-                      <a:pPr indent="0" lvl="0" marL="0" rtl="0" algn="l">
+                      <a:pPr marL="0" lvl="0" indent="0" algn="l" rtl="0">
                         <a:spcBef>
                           <a:spcPts val="0"/>
                         </a:spcBef>
@@ -10702,16 +10939,14 @@
                       <a:endParaRPr/>
                     </a:p>
                   </a:txBody>
-                  <a:tcPr marT="91425" marB="91425" marR="91425" marL="91425"/>
+                  <a:tcPr marL="91425" marR="91425" marT="91425" marB="91425"/>
                 </a:tc>
                 <a:tc>
                   <a:txBody>
-                    <a:bodyPr>
-                      <a:noAutofit/>
-                    </a:bodyPr>
+                    <a:bodyPr/>
                     <a:lstStyle/>
                     <a:p>
-                      <a:pPr indent="0" lvl="0" marL="0" rtl="0" algn="l">
+                      <a:pPr marL="0" lvl="0" indent="0" algn="l" rtl="0">
                         <a:spcBef>
                           <a:spcPts val="0"/>
                         </a:spcBef>
@@ -10722,27 +10957,26 @@
                       </a:pPr>
                       <a:r>
                         <a:rPr lang="zh-TW"/>
-                        <a:t>The </a:t>
-                      </a:r>
-                      <a:r>
-                        <a:rPr lang="zh-TW"/>
-                        <a:t>price per item</a:t>
+                        <a:t>The price per item</a:t>
                       </a:r>
                       <a:endParaRPr/>
                     </a:p>
                   </a:txBody>
-                  <a:tcPr marT="91425" marB="91425" marR="91425" marL="91425"/>
+                  <a:tcPr marL="91425" marR="91425" marT="91425" marB="91425"/>
                 </a:tc>
+                <a:extLst>
+                  <a:ext uri="{0D108BD9-81ED-4DB2-BD59-A6C34878D82A}">
+                    <a16:rowId xmlns:a16="http://schemas.microsoft.com/office/drawing/2014/main" val="10005"/>
+                  </a:ext>
+                </a:extLst>
               </a:tr>
               <a:tr h="381000">
                 <a:tc>
                   <a:txBody>
-                    <a:bodyPr>
-                      <a:noAutofit/>
-                    </a:bodyPr>
+                    <a:bodyPr/>
                     <a:lstStyle/>
                     <a:p>
-                      <a:pPr indent="0" lvl="0" marL="0" rtl="0" algn="l">
+                      <a:pPr marL="0" lvl="0" indent="0" algn="l" rtl="0">
                         <a:spcBef>
                           <a:spcPts val="0"/>
                         </a:spcBef>
@@ -10758,16 +10992,14 @@
                       <a:endParaRPr/>
                     </a:p>
                   </a:txBody>
-                  <a:tcPr marT="91425" marB="91425" marR="91425" marL="91425"/>
+                  <a:tcPr marL="91425" marR="91425" marT="91425" marB="91425"/>
                 </a:tc>
                 <a:tc>
                   <a:txBody>
-                    <a:bodyPr>
-                      <a:noAutofit/>
-                    </a:bodyPr>
+                    <a:bodyPr/>
                     <a:lstStyle/>
                     <a:p>
-                      <a:pPr indent="0" lvl="0" marL="0" rtl="0" algn="l">
+                      <a:pPr marL="0" lvl="0" indent="0" algn="l" rtl="0">
                         <a:spcBef>
                           <a:spcPts val="0"/>
                         </a:spcBef>
@@ -10783,16 +11015,14 @@
                       <a:endParaRPr/>
                     </a:p>
                   </a:txBody>
-                  <a:tcPr marT="91425" marB="91425" marR="91425" marL="91425"/>
+                  <a:tcPr marL="91425" marR="91425" marT="91425" marB="91425"/>
                 </a:tc>
                 <a:tc>
                   <a:txBody>
-                    <a:bodyPr>
-                      <a:noAutofit/>
-                    </a:bodyPr>
+                    <a:bodyPr/>
                     <a:lstStyle/>
                     <a:p>
-                      <a:pPr indent="0" lvl="0" marL="0" rtl="0" algn="l">
+                      <a:pPr marL="0" lvl="0" indent="0" algn="l" rtl="0">
                         <a:spcBef>
                           <a:spcPts val="0"/>
                         </a:spcBef>
@@ -10808,18 +11038,21 @@
                       <a:endParaRPr/>
                     </a:p>
                   </a:txBody>
-                  <a:tcPr marT="91425" marB="91425" marR="91425" marL="91425"/>
+                  <a:tcPr marL="91425" marR="91425" marT="91425" marB="91425"/>
                 </a:tc>
+                <a:extLst>
+                  <a:ext uri="{0D108BD9-81ED-4DB2-BD59-A6C34878D82A}">
+                    <a16:rowId xmlns:a16="http://schemas.microsoft.com/office/drawing/2014/main" val="10006"/>
+                  </a:ext>
+                </a:extLst>
               </a:tr>
               <a:tr h="381000">
                 <a:tc>
                   <a:txBody>
-                    <a:bodyPr>
-                      <a:noAutofit/>
-                    </a:bodyPr>
+                    <a:bodyPr/>
                     <a:lstStyle/>
                     <a:p>
-                      <a:pPr indent="0" lvl="0" marL="0" rtl="0" algn="l">
+                      <a:pPr marL="0" lvl="0" indent="0" algn="l" rtl="0">
                         <a:spcBef>
                           <a:spcPts val="0"/>
                         </a:spcBef>
@@ -10835,16 +11068,14 @@
                       <a:endParaRPr/>
                     </a:p>
                   </a:txBody>
-                  <a:tcPr marT="91425" marB="91425" marR="91425" marL="91425"/>
+                  <a:tcPr marL="91425" marR="91425" marT="91425" marB="91425"/>
                 </a:tc>
                 <a:tc>
                   <a:txBody>
-                    <a:bodyPr>
-                      <a:noAutofit/>
-                    </a:bodyPr>
+                    <a:bodyPr/>
                     <a:lstStyle/>
                     <a:p>
-                      <a:pPr indent="0" lvl="0" marL="0" rtl="0" algn="l">
+                      <a:pPr marL="0" lvl="0" indent="0" algn="l" rtl="0">
                         <a:spcBef>
                           <a:spcPts val="0"/>
                         </a:spcBef>
@@ -10860,16 +11091,14 @@
                       <a:endParaRPr/>
                     </a:p>
                   </a:txBody>
-                  <a:tcPr marT="91425" marB="91425" marR="91425" marL="91425"/>
+                  <a:tcPr marL="91425" marR="91425" marT="91425" marB="91425"/>
                 </a:tc>
                 <a:tc>
                   <a:txBody>
-                    <a:bodyPr>
-                      <a:noAutofit/>
-                    </a:bodyPr>
+                    <a:bodyPr/>
                     <a:lstStyle/>
                     <a:p>
-                      <a:pPr indent="0" lvl="0" marL="0" rtl="0" algn="l">
+                      <a:pPr marL="0" lvl="0" indent="0" algn="l" rtl="0">
                         <a:spcBef>
                           <a:spcPts val="0"/>
                         </a:spcBef>
@@ -10885,18 +11114,21 @@
                       <a:endParaRPr/>
                     </a:p>
                   </a:txBody>
-                  <a:tcPr marT="91425" marB="91425" marR="91425" marL="91425"/>
+                  <a:tcPr marL="91425" marR="91425" marT="91425" marB="91425"/>
                 </a:tc>
+                <a:extLst>
+                  <a:ext uri="{0D108BD9-81ED-4DB2-BD59-A6C34878D82A}">
+                    <a16:rowId xmlns:a16="http://schemas.microsoft.com/office/drawing/2014/main" val="10007"/>
+                  </a:ext>
+                </a:extLst>
               </a:tr>
               <a:tr h="381000">
                 <a:tc>
                   <a:txBody>
-                    <a:bodyPr>
-                      <a:noAutofit/>
-                    </a:bodyPr>
+                    <a:bodyPr/>
                     <a:lstStyle/>
                     <a:p>
-                      <a:pPr indent="0" lvl="0" marL="0" rtl="0" algn="l">
+                      <a:pPr marL="0" lvl="0" indent="0" algn="l" rtl="0">
                         <a:spcBef>
                           <a:spcPts val="0"/>
                         </a:spcBef>
@@ -10912,16 +11144,14 @@
                       <a:endParaRPr/>
                     </a:p>
                   </a:txBody>
-                  <a:tcPr marT="91425" marB="91425" marR="91425" marL="91425"/>
+                  <a:tcPr marL="91425" marR="91425" marT="91425" marB="91425"/>
                 </a:tc>
                 <a:tc>
                   <a:txBody>
-                    <a:bodyPr>
-                      <a:noAutofit/>
-                    </a:bodyPr>
+                    <a:bodyPr/>
                     <a:lstStyle/>
                     <a:p>
-                      <a:pPr indent="0" lvl="0" marL="0" rtl="0" algn="l">
+                      <a:pPr marL="0" lvl="0" indent="0" algn="l" rtl="0">
                         <a:spcBef>
                           <a:spcPts val="0"/>
                         </a:spcBef>
@@ -10937,16 +11167,14 @@
                       <a:endParaRPr/>
                     </a:p>
                   </a:txBody>
-                  <a:tcPr marT="91425" marB="91425" marR="91425" marL="91425"/>
+                  <a:tcPr marL="91425" marR="91425" marT="91425" marB="91425"/>
                 </a:tc>
                 <a:tc>
                   <a:txBody>
-                    <a:bodyPr>
-                      <a:noAutofit/>
-                    </a:bodyPr>
+                    <a:bodyPr/>
                     <a:lstStyle/>
                     <a:p>
-                      <a:pPr indent="0" lvl="0" marL="0" rtl="0" algn="l">
+                      <a:pPr marL="0" lvl="0" indent="0" algn="l" rtl="0">
                         <a:spcBef>
                           <a:spcPts val="0"/>
                         </a:spcBef>
@@ -10957,17 +11185,18 @@
                       </a:pPr>
                       <a:r>
                         <a:rPr lang="zh-TW"/>
-                        <a:t>the current </a:t>
-                      </a:r>
-                      <a:r>
-                        <a:rPr lang="zh-TW"/>
-                        <a:t>status of shipping</a:t>
+                        <a:t>the current status of shipping</a:t>
                       </a:r>
                       <a:endParaRPr/>
                     </a:p>
                   </a:txBody>
-                  <a:tcPr marT="91425" marB="91425" marR="91425" marL="91425"/>
+                  <a:tcPr marL="91425" marR="91425" marT="91425" marB="91425"/>
                 </a:tc>
+                <a:extLst>
+                  <a:ext uri="{0D108BD9-81ED-4DB2-BD59-A6C34878D82A}">
+                    <a16:rowId xmlns:a16="http://schemas.microsoft.com/office/drawing/2014/main" val="10008"/>
+                  </a:ext>
+                </a:extLst>
               </a:tr>
             </a:tbl>
           </a:graphicData>
@@ -10982,11 +11211,11 @@
 </file>
 
 <file path=ppt/slides/slide5.xml><?xml version="1.0" encoding="utf-8"?>
-<p:sld xmlns:a="http://schemas.openxmlformats.org/drawingml/2006/main" xmlns:r="http://schemas.openxmlformats.org/officeDocument/2006/relationships" xmlns:mc="http://schemas.openxmlformats.org/markup-compatibility/2006" xmlns:mv="urn:schemas-microsoft-com:mac:vml" xmlns:p="http://schemas.openxmlformats.org/presentationml/2006/main" xmlns:c="http://schemas.openxmlformats.org/drawingml/2006/chart" xmlns:dgm="http://schemas.openxmlformats.org/drawingml/2006/diagram" xmlns:o="urn:schemas-microsoft-com:office:office" xmlns:v="urn:schemas-microsoft-com:vml" xmlns:pvml="urn:schemas-microsoft-com:office:powerpoint" xmlns:com="http://schemas.openxmlformats.org/drawingml/2006/compatibility" xmlns:p14="http://schemas.microsoft.com/office/powerpoint/2010/main" xmlns:p15="http://schemas.microsoft.com/office/powerpoint/2012/main">
+<p:sld xmlns:a="http://schemas.openxmlformats.org/drawingml/2006/main" xmlns:r="http://schemas.openxmlformats.org/officeDocument/2006/relationships" xmlns:p="http://schemas.openxmlformats.org/presentationml/2006/main">
   <p:cSld>
     <p:spTree>
       <p:nvGrpSpPr>
-        <p:cNvPr id="110" name="Shape 110"/>
+        <p:cNvPr id="1" name="Shape 110"/>
         <p:cNvGrpSpPr/>
         <p:nvPr/>
       </p:nvGrpSpPr>
@@ -11001,7 +11230,9 @@
       <p:sp>
         <p:nvSpPr>
           <p:cNvPr id="111" name="Google Shape;111;p17"/>
-          <p:cNvSpPr txBox="1"/>
+          <p:cNvSpPr txBox="1">
+            <a:spLocks noGrp="1"/>
+          </p:cNvSpPr>
           <p:nvPr>
             <p:ph type="title"/>
           </p:nvPr>
@@ -11016,12 +11247,12 @@
           </a:prstGeom>
         </p:spPr>
         <p:txBody>
-          <a:bodyPr anchorCtr="0" anchor="t" bIns="91425" lIns="91425" spcFirstLastPara="1" rIns="91425" wrap="square" tIns="91425">
+          <a:bodyPr spcFirstLastPara="1" wrap="square" lIns="91425" tIns="91425" rIns="91425" bIns="91425" anchor="t" anchorCtr="0">
             <a:noAutofit/>
           </a:bodyPr>
           <a:lstStyle/>
           <a:p>
-            <a:pPr indent="0" lvl="0" marL="0" rtl="0" algn="l">
+            <a:pPr marL="0" lvl="0" indent="0" algn="l" rtl="0">
               <a:spcBef>
                 <a:spcPts val="0"/>
               </a:spcBef>
@@ -11041,9 +11272,11 @@
       <p:sp>
         <p:nvSpPr>
           <p:cNvPr id="112" name="Google Shape;112;p17"/>
-          <p:cNvSpPr txBox="1"/>
+          <p:cNvSpPr txBox="1">
+            <a:spLocks noGrp="1"/>
+          </p:cNvSpPr>
           <p:nvPr>
-            <p:ph idx="1" type="body"/>
+            <p:ph type="body" idx="1"/>
           </p:nvPr>
         </p:nvSpPr>
         <p:spPr>
@@ -11056,12 +11289,12 @@
           </a:prstGeom>
         </p:spPr>
         <p:txBody>
-          <a:bodyPr anchorCtr="0" anchor="t" bIns="91425" lIns="91425" spcFirstLastPara="1" rIns="91425" wrap="square" tIns="91425">
+          <a:bodyPr spcFirstLastPara="1" wrap="square" lIns="91425" tIns="91425" rIns="91425" bIns="91425" anchor="t" anchorCtr="0">
             <a:noAutofit/>
           </a:bodyPr>
           <a:lstStyle/>
           <a:p>
-            <a:pPr indent="0" lvl="0" marL="0" rtl="0" algn="l">
+            <a:pPr marL="0" lvl="0" indent="0" algn="l" rtl="0">
               <a:spcBef>
                 <a:spcPts val="0"/>
               </a:spcBef>
@@ -11070,9 +11303,6 @@
               </a:spcAft>
               <a:buNone/>
             </a:pPr>
-            <a:r>
-              <a:t/>
-            </a:r>
             <a:endParaRPr/>
           </a:p>
         </p:txBody>
@@ -11095,19 +11325,35 @@
                 <a:tableStyleId>{0C858607-58DB-49E4-8A73-8668C1C2D5A6}</a:tableStyleId>
               </a:tblPr>
               <a:tblGrid>
-                <a:gridCol w="2413000"/>
-                <a:gridCol w="2413000"/>
-                <a:gridCol w="2413000"/>
+                <a:gridCol w="2413000">
+                  <a:extLst>
+                    <a:ext uri="{9D8B030D-6E8A-4147-A177-3AD203B41FA5}">
+                      <a16:colId xmlns:a16="http://schemas.microsoft.com/office/drawing/2014/main" val="20000"/>
+                    </a:ext>
+                  </a:extLst>
+                </a:gridCol>
+                <a:gridCol w="2413000">
+                  <a:extLst>
+                    <a:ext uri="{9D8B030D-6E8A-4147-A177-3AD203B41FA5}">
+                      <a16:colId xmlns:a16="http://schemas.microsoft.com/office/drawing/2014/main" val="20001"/>
+                    </a:ext>
+                  </a:extLst>
+                </a:gridCol>
+                <a:gridCol w="2413000">
+                  <a:extLst>
+                    <a:ext uri="{9D8B030D-6E8A-4147-A177-3AD203B41FA5}">
+                      <a16:colId xmlns:a16="http://schemas.microsoft.com/office/drawing/2014/main" val="20002"/>
+                    </a:ext>
+                  </a:extLst>
+                </a:gridCol>
               </a:tblGrid>
               <a:tr h="381000">
                 <a:tc>
                   <a:txBody>
-                    <a:bodyPr>
-                      <a:noAutofit/>
-                    </a:bodyPr>
+                    <a:bodyPr/>
                     <a:lstStyle/>
                     <a:p>
-                      <a:pPr indent="0" lvl="0" marL="0" rtl="0" algn="l">
+                      <a:pPr marL="0" lvl="0" indent="0" algn="l" rtl="0">
                         <a:spcBef>
                           <a:spcPts val="0"/>
                         </a:spcBef>
@@ -11123,16 +11369,14 @@
                       <a:endParaRPr/>
                     </a:p>
                   </a:txBody>
-                  <a:tcPr marT="91425" marB="91425" marR="91425" marL="91425"/>
+                  <a:tcPr marL="91425" marR="91425" marT="91425" marB="91425"/>
                 </a:tc>
                 <a:tc>
                   <a:txBody>
-                    <a:bodyPr>
-                      <a:noAutofit/>
-                    </a:bodyPr>
+                    <a:bodyPr/>
                     <a:lstStyle/>
                     <a:p>
-                      <a:pPr indent="0" lvl="0" marL="0" rtl="0" algn="l">
+                      <a:pPr marL="0" lvl="0" indent="0" algn="l" rtl="0">
                         <a:spcBef>
                           <a:spcPts val="0"/>
                         </a:spcBef>
@@ -11148,16 +11392,14 @@
                       <a:endParaRPr/>
                     </a:p>
                   </a:txBody>
-                  <a:tcPr marT="91425" marB="91425" marR="91425" marL="91425"/>
+                  <a:tcPr marL="91425" marR="91425" marT="91425" marB="91425"/>
                 </a:tc>
                 <a:tc>
                   <a:txBody>
-                    <a:bodyPr>
-                      <a:noAutofit/>
-                    </a:bodyPr>
+                    <a:bodyPr/>
                     <a:lstStyle/>
                     <a:p>
-                      <a:pPr indent="0" lvl="0" marL="0" rtl="0" algn="l">
+                      <a:pPr marL="0" lvl="0" indent="0" algn="l" rtl="0">
                         <a:spcBef>
                           <a:spcPts val="0"/>
                         </a:spcBef>
@@ -11173,18 +11415,21 @@
                       <a:endParaRPr/>
                     </a:p>
                   </a:txBody>
-                  <a:tcPr marT="91425" marB="91425" marR="91425" marL="91425"/>
+                  <a:tcPr marL="91425" marR="91425" marT="91425" marB="91425"/>
                 </a:tc>
+                <a:extLst>
+                  <a:ext uri="{0D108BD9-81ED-4DB2-BD59-A6C34878D82A}">
+                    <a16:rowId xmlns:a16="http://schemas.microsoft.com/office/drawing/2014/main" val="10000"/>
+                  </a:ext>
+                </a:extLst>
               </a:tr>
               <a:tr h="381000">
                 <a:tc>
                   <a:txBody>
-                    <a:bodyPr>
-                      <a:noAutofit/>
-                    </a:bodyPr>
+                    <a:bodyPr/>
                     <a:lstStyle/>
                     <a:p>
-                      <a:pPr indent="0" lvl="0" marL="0" rtl="0" algn="l">
+                      <a:pPr marL="0" lvl="0" indent="0" algn="l" rtl="0">
                         <a:spcBef>
                           <a:spcPts val="0"/>
                         </a:spcBef>
@@ -11200,16 +11445,14 @@
                       <a:endParaRPr/>
                     </a:p>
                   </a:txBody>
-                  <a:tcPr marT="91425" marB="91425" marR="91425" marL="91425"/>
+                  <a:tcPr marL="91425" marR="91425" marT="91425" marB="91425"/>
                 </a:tc>
                 <a:tc>
                   <a:txBody>
-                    <a:bodyPr>
-                      <a:noAutofit/>
-                    </a:bodyPr>
+                    <a:bodyPr/>
                     <a:lstStyle/>
                     <a:p>
-                      <a:pPr indent="0" lvl="0" marL="0" rtl="0" algn="l">
+                      <a:pPr marL="0" lvl="0" indent="0" algn="l" rtl="0">
                         <a:spcBef>
                           <a:spcPts val="0"/>
                         </a:spcBef>
@@ -11225,16 +11468,14 @@
                       <a:endParaRPr/>
                     </a:p>
                   </a:txBody>
-                  <a:tcPr marT="91425" marB="91425" marR="91425" marL="91425"/>
+                  <a:tcPr marL="91425" marR="91425" marT="91425" marB="91425"/>
                 </a:tc>
                 <a:tc>
                   <a:txBody>
-                    <a:bodyPr>
-                      <a:noAutofit/>
-                    </a:bodyPr>
+                    <a:bodyPr/>
                     <a:lstStyle/>
                     <a:p>
-                      <a:pPr indent="0" lvl="0" marL="0" rtl="0" algn="l">
+                      <a:pPr marL="0" lvl="0" indent="0" algn="l" rtl="0">
                         <a:spcBef>
                           <a:spcPts val="0"/>
                         </a:spcBef>
@@ -11250,18 +11491,21 @@
                       <a:endParaRPr/>
                     </a:p>
                   </a:txBody>
-                  <a:tcPr marT="91425" marB="91425" marR="91425" marL="91425"/>
+                  <a:tcPr marL="91425" marR="91425" marT="91425" marB="91425"/>
                 </a:tc>
+                <a:extLst>
+                  <a:ext uri="{0D108BD9-81ED-4DB2-BD59-A6C34878D82A}">
+                    <a16:rowId xmlns:a16="http://schemas.microsoft.com/office/drawing/2014/main" val="10001"/>
+                  </a:ext>
+                </a:extLst>
               </a:tr>
               <a:tr h="381000">
                 <a:tc>
                   <a:txBody>
-                    <a:bodyPr>
-                      <a:noAutofit/>
-                    </a:bodyPr>
+                    <a:bodyPr/>
                     <a:lstStyle/>
                     <a:p>
-                      <a:pPr indent="0" lvl="0" marL="0" rtl="0" algn="l">
+                      <a:pPr marL="0" lvl="0" indent="0" algn="l" rtl="0">
                         <a:spcBef>
                           <a:spcPts val="0"/>
                         </a:spcBef>
@@ -11277,16 +11521,14 @@
                       <a:endParaRPr/>
                     </a:p>
                   </a:txBody>
-                  <a:tcPr marT="91425" marB="91425" marR="91425" marL="91425"/>
+                  <a:tcPr marL="91425" marR="91425" marT="91425" marB="91425"/>
                 </a:tc>
                 <a:tc>
                   <a:txBody>
-                    <a:bodyPr>
-                      <a:noAutofit/>
-                    </a:bodyPr>
+                    <a:bodyPr/>
                     <a:lstStyle/>
                     <a:p>
-                      <a:pPr indent="0" lvl="0" marL="0" rtl="0" algn="l">
+                      <a:pPr marL="0" lvl="0" indent="0" algn="l" rtl="0">
                         <a:spcBef>
                           <a:spcPts val="0"/>
                         </a:spcBef>
@@ -11302,16 +11544,14 @@
                       <a:endParaRPr/>
                     </a:p>
                   </a:txBody>
-                  <a:tcPr marT="91425" marB="91425" marR="91425" marL="91425"/>
+                  <a:tcPr marL="91425" marR="91425" marT="91425" marB="91425"/>
                 </a:tc>
                 <a:tc>
                   <a:txBody>
-                    <a:bodyPr>
-                      <a:noAutofit/>
-                    </a:bodyPr>
+                    <a:bodyPr/>
                     <a:lstStyle/>
                     <a:p>
-                      <a:pPr indent="0" lvl="0" marL="0" rtl="0" algn="l">
+                      <a:pPr marL="0" lvl="0" indent="0" algn="l" rtl="0">
                         <a:lnSpc>
                           <a:spcPct val="115000"/>
                         </a:lnSpc>
@@ -11330,18 +11570,21 @@
                       <a:endParaRPr/>
                     </a:p>
                   </a:txBody>
-                  <a:tcPr marT="91425" marB="91425" marR="91425" marL="91425"/>
+                  <a:tcPr marL="91425" marR="91425" marT="91425" marB="91425"/>
                 </a:tc>
+                <a:extLst>
+                  <a:ext uri="{0D108BD9-81ED-4DB2-BD59-A6C34878D82A}">
+                    <a16:rowId xmlns:a16="http://schemas.microsoft.com/office/drawing/2014/main" val="10002"/>
+                  </a:ext>
+                </a:extLst>
               </a:tr>
               <a:tr h="381000">
                 <a:tc>
                   <a:txBody>
-                    <a:bodyPr>
-                      <a:noAutofit/>
-                    </a:bodyPr>
+                    <a:bodyPr/>
                     <a:lstStyle/>
                     <a:p>
-                      <a:pPr indent="0" lvl="0" marL="0" rtl="0" algn="l">
+                      <a:pPr marL="0" lvl="0" indent="0" algn="l" rtl="0">
                         <a:spcBef>
                           <a:spcPts val="0"/>
                         </a:spcBef>
@@ -11357,16 +11600,14 @@
                       <a:endParaRPr/>
                     </a:p>
                   </a:txBody>
-                  <a:tcPr marT="91425" marB="91425" marR="91425" marL="91425"/>
+                  <a:tcPr marL="91425" marR="91425" marT="91425" marB="91425"/>
                 </a:tc>
                 <a:tc>
                   <a:txBody>
-                    <a:bodyPr>
-                      <a:noAutofit/>
-                    </a:bodyPr>
+                    <a:bodyPr/>
                     <a:lstStyle/>
                     <a:p>
-                      <a:pPr indent="0" lvl="0" marL="0" rtl="0" algn="l">
+                      <a:pPr marL="0" lvl="0" indent="0" algn="l" rtl="0">
                         <a:spcBef>
                           <a:spcPts val="0"/>
                         </a:spcBef>
@@ -11382,16 +11623,14 @@
                       <a:endParaRPr/>
                     </a:p>
                   </a:txBody>
-                  <a:tcPr marT="91425" marB="91425" marR="91425" marL="91425"/>
+                  <a:tcPr marL="91425" marR="91425" marT="91425" marB="91425"/>
                 </a:tc>
                 <a:tc>
                   <a:txBody>
-                    <a:bodyPr>
-                      <a:noAutofit/>
-                    </a:bodyPr>
+                    <a:bodyPr/>
                     <a:lstStyle/>
                     <a:p>
-                      <a:pPr indent="0" lvl="0" marL="0" rtl="0" algn="l">
+                      <a:pPr marL="0" lvl="0" indent="0" algn="l" rtl="0">
                         <a:spcBef>
                           <a:spcPts val="0"/>
                         </a:spcBef>
@@ -11407,18 +11646,21 @@
                       <a:endParaRPr/>
                     </a:p>
                   </a:txBody>
-                  <a:tcPr marT="91425" marB="91425" marR="91425" marL="91425"/>
+                  <a:tcPr marL="91425" marR="91425" marT="91425" marB="91425"/>
                 </a:tc>
+                <a:extLst>
+                  <a:ext uri="{0D108BD9-81ED-4DB2-BD59-A6C34878D82A}">
+                    <a16:rowId xmlns:a16="http://schemas.microsoft.com/office/drawing/2014/main" val="10003"/>
+                  </a:ext>
+                </a:extLst>
               </a:tr>
               <a:tr h="381000">
                 <a:tc>
                   <a:txBody>
-                    <a:bodyPr>
-                      <a:noAutofit/>
-                    </a:bodyPr>
+                    <a:bodyPr/>
                     <a:lstStyle/>
                     <a:p>
-                      <a:pPr indent="0" lvl="0" marL="0" rtl="0" algn="l">
+                      <a:pPr marL="0" lvl="0" indent="0" algn="l" rtl="0">
                         <a:spcBef>
                           <a:spcPts val="0"/>
                         </a:spcBef>
@@ -11434,16 +11676,14 @@
                       <a:endParaRPr/>
                     </a:p>
                   </a:txBody>
-                  <a:tcPr marT="91425" marB="91425" marR="91425" marL="91425"/>
+                  <a:tcPr marL="91425" marR="91425" marT="91425" marB="91425"/>
                 </a:tc>
                 <a:tc>
                   <a:txBody>
-                    <a:bodyPr>
-                      <a:noAutofit/>
-                    </a:bodyPr>
+                    <a:bodyPr/>
                     <a:lstStyle/>
                     <a:p>
-                      <a:pPr indent="0" lvl="0" marL="0" rtl="0" algn="l">
+                      <a:pPr marL="0" lvl="0" indent="0" algn="l" rtl="0">
                         <a:spcBef>
                           <a:spcPts val="0"/>
                         </a:spcBef>
@@ -11459,16 +11699,14 @@
                       <a:endParaRPr/>
                     </a:p>
                   </a:txBody>
-                  <a:tcPr marT="91425" marB="91425" marR="91425" marL="91425"/>
+                  <a:tcPr marL="91425" marR="91425" marT="91425" marB="91425"/>
                 </a:tc>
                 <a:tc>
                   <a:txBody>
-                    <a:bodyPr>
-                      <a:noAutofit/>
-                    </a:bodyPr>
+                    <a:bodyPr/>
                     <a:lstStyle/>
                     <a:p>
-                      <a:pPr indent="0" lvl="0" marL="0" rtl="0" algn="l">
+                      <a:pPr marL="0" lvl="0" indent="0" algn="l" rtl="0">
                         <a:lnSpc>
                           <a:spcPct val="115000"/>
                         </a:lnSpc>
@@ -11487,7 +11725,7 @@
                       <a:endParaRPr/>
                     </a:p>
                     <a:p>
-                      <a:pPr indent="0" lvl="0" marL="0" rtl="0" algn="l">
+                      <a:pPr marL="0" lvl="0" indent="0" algn="l" rtl="0">
                         <a:spcBef>
                           <a:spcPts val="0"/>
                         </a:spcBef>
@@ -11496,24 +11734,24 @@
                         </a:spcAft>
                         <a:buNone/>
                       </a:pPr>
-                      <a:r>
-                        <a:t/>
-                      </a:r>
                       <a:endParaRPr/>
                     </a:p>
                   </a:txBody>
-                  <a:tcPr marT="91425" marB="91425" marR="91425" marL="91425"/>
+                  <a:tcPr marL="91425" marR="91425" marT="91425" marB="91425"/>
                 </a:tc>
+                <a:extLst>
+                  <a:ext uri="{0D108BD9-81ED-4DB2-BD59-A6C34878D82A}">
+                    <a16:rowId xmlns:a16="http://schemas.microsoft.com/office/drawing/2014/main" val="10004"/>
+                  </a:ext>
+                </a:extLst>
               </a:tr>
               <a:tr h="381000">
                 <a:tc>
                   <a:txBody>
-                    <a:bodyPr>
-                      <a:noAutofit/>
-                    </a:bodyPr>
+                    <a:bodyPr/>
                     <a:lstStyle/>
                     <a:p>
-                      <a:pPr indent="0" lvl="0" marL="0" rtl="0" algn="l">
+                      <a:pPr marL="0" lvl="0" indent="0" algn="l" rtl="0">
                         <a:spcBef>
                           <a:spcPts val="0"/>
                         </a:spcBef>
@@ -11529,16 +11767,14 @@
                       <a:endParaRPr/>
                     </a:p>
                   </a:txBody>
-                  <a:tcPr marT="91425" marB="91425" marR="91425" marL="91425"/>
+                  <a:tcPr marL="91425" marR="91425" marT="91425" marB="91425"/>
                 </a:tc>
                 <a:tc>
                   <a:txBody>
-                    <a:bodyPr>
-                      <a:noAutofit/>
-                    </a:bodyPr>
+                    <a:bodyPr/>
                     <a:lstStyle/>
                     <a:p>
-                      <a:pPr indent="0" lvl="0" marL="0" rtl="0" algn="l">
+                      <a:pPr marL="0" lvl="0" indent="0" algn="l" rtl="0">
                         <a:spcBef>
                           <a:spcPts val="0"/>
                         </a:spcBef>
@@ -11554,16 +11790,14 @@
                       <a:endParaRPr/>
                     </a:p>
                   </a:txBody>
-                  <a:tcPr marT="91425" marB="91425" marR="91425" marL="91425"/>
+                  <a:tcPr marL="91425" marR="91425" marT="91425" marB="91425"/>
                 </a:tc>
                 <a:tc>
                   <a:txBody>
-                    <a:bodyPr>
-                      <a:noAutofit/>
-                    </a:bodyPr>
+                    <a:bodyPr/>
                     <a:lstStyle/>
                     <a:p>
-                      <a:pPr indent="0" lvl="0" marL="0" rtl="0" algn="l">
+                      <a:pPr marL="0" lvl="0" indent="0" algn="l" rtl="0">
                         <a:spcBef>
                           <a:spcPts val="0"/>
                         </a:spcBef>
@@ -11579,18 +11813,21 @@
                       <a:endParaRPr/>
                     </a:p>
                   </a:txBody>
-                  <a:tcPr marT="91425" marB="91425" marR="91425" marL="91425"/>
+                  <a:tcPr marL="91425" marR="91425" marT="91425" marB="91425"/>
                 </a:tc>
+                <a:extLst>
+                  <a:ext uri="{0D108BD9-81ED-4DB2-BD59-A6C34878D82A}">
+                    <a16:rowId xmlns:a16="http://schemas.microsoft.com/office/drawing/2014/main" val="10005"/>
+                  </a:ext>
+                </a:extLst>
               </a:tr>
               <a:tr h="381000">
                 <a:tc>
                   <a:txBody>
-                    <a:bodyPr>
-                      <a:noAutofit/>
-                    </a:bodyPr>
+                    <a:bodyPr/>
                     <a:lstStyle/>
                     <a:p>
-                      <a:pPr indent="0" lvl="0" marL="0" rtl="0" algn="l">
+                      <a:pPr marL="0" lvl="0" indent="0" algn="l" rtl="0">
                         <a:spcBef>
                           <a:spcPts val="0"/>
                         </a:spcBef>
@@ -11606,16 +11843,14 @@
                       <a:endParaRPr/>
                     </a:p>
                   </a:txBody>
-                  <a:tcPr marT="91425" marB="91425" marR="91425" marL="91425"/>
+                  <a:tcPr marL="91425" marR="91425" marT="91425" marB="91425"/>
                 </a:tc>
                 <a:tc>
                   <a:txBody>
-                    <a:bodyPr>
-                      <a:noAutofit/>
-                    </a:bodyPr>
+                    <a:bodyPr/>
                     <a:lstStyle/>
                     <a:p>
-                      <a:pPr indent="0" lvl="0" marL="0" rtl="0" algn="l">
+                      <a:pPr marL="0" lvl="0" indent="0" algn="l" rtl="0">
                         <a:spcBef>
                           <a:spcPts val="0"/>
                         </a:spcBef>
@@ -11631,16 +11866,14 @@
                       <a:endParaRPr/>
                     </a:p>
                   </a:txBody>
-                  <a:tcPr marT="91425" marB="91425" marR="91425" marL="91425"/>
+                  <a:tcPr marL="91425" marR="91425" marT="91425" marB="91425"/>
                 </a:tc>
                 <a:tc>
                   <a:txBody>
-                    <a:bodyPr>
-                      <a:noAutofit/>
-                    </a:bodyPr>
+                    <a:bodyPr/>
                     <a:lstStyle/>
                     <a:p>
-                      <a:pPr indent="0" lvl="0" marL="0" rtl="0" algn="l">
+                      <a:pPr marL="0" lvl="0" indent="0" algn="l" rtl="0">
                         <a:spcBef>
                           <a:spcPts val="0"/>
                         </a:spcBef>
@@ -11651,27 +11884,26 @@
                       </a:pPr>
                       <a:r>
                         <a:rPr lang="zh-TW"/>
-                        <a:t>l</a:t>
-                      </a:r>
-                      <a:r>
-                        <a:rPr lang="zh-TW"/>
-                        <a:t>ogistic_id</a:t>
+                        <a:t>logistic_id</a:t>
                       </a:r>
                       <a:endParaRPr/>
                     </a:p>
                   </a:txBody>
-                  <a:tcPr marT="91425" marB="91425" marR="91425" marL="91425"/>
+                  <a:tcPr marL="91425" marR="91425" marT="91425" marB="91425"/>
                 </a:tc>
+                <a:extLst>
+                  <a:ext uri="{0D108BD9-81ED-4DB2-BD59-A6C34878D82A}">
+                    <a16:rowId xmlns:a16="http://schemas.microsoft.com/office/drawing/2014/main" val="10006"/>
+                  </a:ext>
+                </a:extLst>
               </a:tr>
               <a:tr h="381000">
                 <a:tc>
                   <a:txBody>
-                    <a:bodyPr>
-                      <a:noAutofit/>
-                    </a:bodyPr>
+                    <a:bodyPr/>
                     <a:lstStyle/>
                     <a:p>
-                      <a:pPr indent="0" lvl="0" marL="0" rtl="0" algn="l">
+                      <a:pPr marL="0" lvl="0" indent="0" algn="l" rtl="0">
                         <a:spcBef>
                           <a:spcPts val="0"/>
                         </a:spcBef>
@@ -11687,16 +11919,14 @@
                       <a:endParaRPr/>
                     </a:p>
                   </a:txBody>
-                  <a:tcPr marT="91425" marB="91425" marR="91425" marL="91425"/>
+                  <a:tcPr marL="91425" marR="91425" marT="91425" marB="91425"/>
                 </a:tc>
                 <a:tc>
                   <a:txBody>
-                    <a:bodyPr>
-                      <a:noAutofit/>
-                    </a:bodyPr>
+                    <a:bodyPr/>
                     <a:lstStyle/>
                     <a:p>
-                      <a:pPr indent="0" lvl="0" marL="0" rtl="0" algn="l">
+                      <a:pPr marL="0" lvl="0" indent="0" algn="l" rtl="0">
                         <a:spcBef>
                           <a:spcPts val="0"/>
                         </a:spcBef>
@@ -11712,16 +11942,14 @@
                       <a:endParaRPr/>
                     </a:p>
                   </a:txBody>
-                  <a:tcPr marT="91425" marB="91425" marR="91425" marL="91425"/>
+                  <a:tcPr marL="91425" marR="91425" marT="91425" marB="91425"/>
                 </a:tc>
                 <a:tc>
                   <a:txBody>
-                    <a:bodyPr>
-                      <a:noAutofit/>
-                    </a:bodyPr>
+                    <a:bodyPr/>
                     <a:lstStyle/>
                     <a:p>
-                      <a:pPr indent="0" lvl="0" marL="0" rtl="0" algn="l">
+                      <a:pPr marL="0" lvl="0" indent="0" algn="l" rtl="0">
                         <a:spcBef>
                           <a:spcPts val="0"/>
                         </a:spcBef>
@@ -11737,18 +11965,21 @@
                       <a:endParaRPr/>
                     </a:p>
                   </a:txBody>
-                  <a:tcPr marT="91425" marB="91425" marR="91425" marL="91425"/>
+                  <a:tcPr marL="91425" marR="91425" marT="91425" marB="91425"/>
                 </a:tc>
+                <a:extLst>
+                  <a:ext uri="{0D108BD9-81ED-4DB2-BD59-A6C34878D82A}">
+                    <a16:rowId xmlns:a16="http://schemas.microsoft.com/office/drawing/2014/main" val="10007"/>
+                  </a:ext>
+                </a:extLst>
               </a:tr>
               <a:tr h="381000">
                 <a:tc>
                   <a:txBody>
-                    <a:bodyPr>
-                      <a:noAutofit/>
-                    </a:bodyPr>
+                    <a:bodyPr/>
                     <a:lstStyle/>
                     <a:p>
-                      <a:pPr indent="0" lvl="0" marL="0" rtl="0" algn="l">
+                      <a:pPr marL="0" lvl="0" indent="0" algn="l" rtl="0">
                         <a:spcBef>
                           <a:spcPts val="0"/>
                         </a:spcBef>
@@ -11764,16 +11995,14 @@
                       <a:endParaRPr/>
                     </a:p>
                   </a:txBody>
-                  <a:tcPr marT="91425" marB="91425" marR="91425" marL="91425"/>
+                  <a:tcPr marL="91425" marR="91425" marT="91425" marB="91425"/>
                 </a:tc>
                 <a:tc>
                   <a:txBody>
-                    <a:bodyPr>
-                      <a:noAutofit/>
-                    </a:bodyPr>
+                    <a:bodyPr/>
                     <a:lstStyle/>
                     <a:p>
-                      <a:pPr indent="0" lvl="0" marL="0" rtl="0" algn="l">
+                      <a:pPr marL="0" lvl="0" indent="0" algn="l" rtl="0">
                         <a:spcBef>
                           <a:spcPts val="0"/>
                         </a:spcBef>
@@ -11789,16 +12018,14 @@
                       <a:endParaRPr/>
                     </a:p>
                   </a:txBody>
-                  <a:tcPr marT="91425" marB="91425" marR="91425" marL="91425"/>
+                  <a:tcPr marL="91425" marR="91425" marT="91425" marB="91425"/>
                 </a:tc>
                 <a:tc>
                   <a:txBody>
-                    <a:bodyPr>
-                      <a:noAutofit/>
-                    </a:bodyPr>
+                    <a:bodyPr/>
                     <a:lstStyle/>
                     <a:p>
-                      <a:pPr indent="0" lvl="0" marL="0" rtl="0" algn="l">
+                      <a:pPr marL="0" lvl="0" indent="0" algn="l" rtl="0">
                         <a:spcBef>
                           <a:spcPts val="0"/>
                         </a:spcBef>
@@ -11814,8 +12041,13 @@
                       <a:endParaRPr/>
                     </a:p>
                   </a:txBody>
-                  <a:tcPr marT="91425" marB="91425" marR="91425" marL="91425"/>
+                  <a:tcPr marL="91425" marR="91425" marT="91425" marB="91425"/>
                 </a:tc>
+                <a:extLst>
+                  <a:ext uri="{0D108BD9-81ED-4DB2-BD59-A6C34878D82A}">
+                    <a16:rowId xmlns:a16="http://schemas.microsoft.com/office/drawing/2014/main" val="10008"/>
+                  </a:ext>
+                </a:extLst>
               </a:tr>
             </a:tbl>
           </a:graphicData>
@@ -11830,11 +12062,11 @@
 </file>
 
 <file path=ppt/slides/slide6.xml><?xml version="1.0" encoding="utf-8"?>
-<p:sld xmlns:a="http://schemas.openxmlformats.org/drawingml/2006/main" xmlns:r="http://schemas.openxmlformats.org/officeDocument/2006/relationships" xmlns:mc="http://schemas.openxmlformats.org/markup-compatibility/2006" xmlns:mv="urn:schemas-microsoft-com:mac:vml" xmlns:p="http://schemas.openxmlformats.org/presentationml/2006/main" xmlns:c="http://schemas.openxmlformats.org/drawingml/2006/chart" xmlns:dgm="http://schemas.openxmlformats.org/drawingml/2006/diagram" xmlns:o="urn:schemas-microsoft-com:office:office" xmlns:v="urn:schemas-microsoft-com:vml" xmlns:pvml="urn:schemas-microsoft-com:office:powerpoint" xmlns:com="http://schemas.openxmlformats.org/drawingml/2006/compatibility" xmlns:p14="http://schemas.microsoft.com/office/powerpoint/2010/main" xmlns:p15="http://schemas.microsoft.com/office/powerpoint/2012/main">
+<p:sld xmlns:a="http://schemas.openxmlformats.org/drawingml/2006/main" xmlns:r="http://schemas.openxmlformats.org/officeDocument/2006/relationships" xmlns:p="http://schemas.openxmlformats.org/presentationml/2006/main">
   <p:cSld>
     <p:spTree>
       <p:nvGrpSpPr>
-        <p:cNvPr id="117" name="Shape 117"/>
+        <p:cNvPr id="1" name="Shape 117"/>
         <p:cNvGrpSpPr/>
         <p:nvPr/>
       </p:nvGrpSpPr>
@@ -11849,7 +12081,9 @@
       <p:sp>
         <p:nvSpPr>
           <p:cNvPr id="118" name="Google Shape;118;p18"/>
-          <p:cNvSpPr txBox="1"/>
+          <p:cNvSpPr txBox="1">
+            <a:spLocks noGrp="1"/>
+          </p:cNvSpPr>
           <p:nvPr>
             <p:ph type="title"/>
           </p:nvPr>
@@ -11864,12 +12098,12 @@
           </a:prstGeom>
         </p:spPr>
         <p:txBody>
-          <a:bodyPr anchorCtr="0" anchor="t" bIns="91425" lIns="91425" spcFirstLastPara="1" rIns="91425" wrap="square" tIns="91425">
+          <a:bodyPr spcFirstLastPara="1" wrap="square" lIns="91425" tIns="91425" rIns="91425" bIns="91425" anchor="t" anchorCtr="0">
             <a:noAutofit/>
           </a:bodyPr>
           <a:lstStyle/>
           <a:p>
-            <a:pPr indent="0" lvl="0" marL="0" rtl="0" algn="l">
+            <a:pPr marL="0" lvl="0" indent="0" algn="l" rtl="0">
               <a:spcBef>
                 <a:spcPts val="0"/>
               </a:spcBef>
@@ -11889,9 +12123,11 @@
       <p:sp>
         <p:nvSpPr>
           <p:cNvPr id="119" name="Google Shape;119;p18"/>
-          <p:cNvSpPr txBox="1"/>
+          <p:cNvSpPr txBox="1">
+            <a:spLocks noGrp="1"/>
+          </p:cNvSpPr>
           <p:nvPr>
-            <p:ph idx="1" type="body"/>
+            <p:ph type="body" idx="1"/>
           </p:nvPr>
         </p:nvSpPr>
         <p:spPr>
@@ -11904,12 +12140,12 @@
           </a:prstGeom>
         </p:spPr>
         <p:txBody>
-          <a:bodyPr anchorCtr="0" anchor="t" bIns="91425" lIns="91425" spcFirstLastPara="1" rIns="91425" wrap="square" tIns="91425">
+          <a:bodyPr spcFirstLastPara="1" wrap="square" lIns="91425" tIns="91425" rIns="91425" bIns="91425" anchor="t" anchorCtr="0">
             <a:noAutofit/>
           </a:bodyPr>
           <a:lstStyle/>
           <a:p>
-            <a:pPr indent="0" lvl="0" marL="0" rtl="0" algn="l">
+            <a:pPr marL="0" lvl="0" indent="0" algn="l" rtl="0">
               <a:spcBef>
                 <a:spcPts val="0"/>
               </a:spcBef>
@@ -11918,9 +12154,6 @@
               </a:spcAft>
               <a:buNone/>
             </a:pPr>
-            <a:r>
-              <a:t/>
-            </a:r>
             <a:endParaRPr/>
           </a:p>
         </p:txBody>
@@ -11934,11 +12167,11 @@
 </file>
 
 <file path=ppt/slides/slide7.xml><?xml version="1.0" encoding="utf-8"?>
-<p:sld xmlns:a="http://schemas.openxmlformats.org/drawingml/2006/main" xmlns:r="http://schemas.openxmlformats.org/officeDocument/2006/relationships" xmlns:mc="http://schemas.openxmlformats.org/markup-compatibility/2006" xmlns:mv="urn:schemas-microsoft-com:mac:vml" xmlns:p="http://schemas.openxmlformats.org/presentationml/2006/main" xmlns:c="http://schemas.openxmlformats.org/drawingml/2006/chart" xmlns:dgm="http://schemas.openxmlformats.org/drawingml/2006/diagram" xmlns:o="urn:schemas-microsoft-com:office:office" xmlns:v="urn:schemas-microsoft-com:vml" xmlns:pvml="urn:schemas-microsoft-com:office:powerpoint" xmlns:com="http://schemas.openxmlformats.org/drawingml/2006/compatibility" xmlns:p14="http://schemas.microsoft.com/office/powerpoint/2010/main" xmlns:p15="http://schemas.microsoft.com/office/powerpoint/2012/main">
+<p:sld xmlns:a="http://schemas.openxmlformats.org/drawingml/2006/main" xmlns:r="http://schemas.openxmlformats.org/officeDocument/2006/relationships" xmlns:p="http://schemas.openxmlformats.org/presentationml/2006/main">
   <p:cSld>
     <p:spTree>
       <p:nvGrpSpPr>
-        <p:cNvPr id="123" name="Shape 123"/>
+        <p:cNvPr id="1" name="Shape 123"/>
         <p:cNvGrpSpPr/>
         <p:nvPr/>
       </p:nvGrpSpPr>
@@ -11953,7 +12186,9 @@
       <p:sp>
         <p:nvSpPr>
           <p:cNvPr id="124" name="Google Shape;124;p19"/>
-          <p:cNvSpPr txBox="1"/>
+          <p:cNvSpPr txBox="1">
+            <a:spLocks noGrp="1"/>
+          </p:cNvSpPr>
           <p:nvPr>
             <p:ph type="title"/>
           </p:nvPr>
@@ -11968,12 +12203,12 @@
           </a:prstGeom>
         </p:spPr>
         <p:txBody>
-          <a:bodyPr anchorCtr="0" anchor="t" bIns="91425" lIns="91425" spcFirstLastPara="1" rIns="91425" wrap="square" tIns="91425">
+          <a:bodyPr spcFirstLastPara="1" wrap="square" lIns="91425" tIns="91425" rIns="91425" bIns="91425" anchor="t" anchorCtr="0">
             <a:noAutofit/>
           </a:bodyPr>
           <a:lstStyle/>
           <a:p>
-            <a:pPr indent="0" lvl="0" marL="0" rtl="0" algn="l">
+            <a:pPr marL="0" lvl="0" indent="0" algn="l" rtl="0">
               <a:spcBef>
                 <a:spcPts val="0"/>
               </a:spcBef>
@@ -11982,9 +12217,6 @@
               </a:spcAft>
               <a:buNone/>
             </a:pPr>
-            <a:r>
-              <a:t/>
-            </a:r>
             <a:endParaRPr/>
           </a:p>
         </p:txBody>
@@ -11992,9 +12224,11 @@
       <p:sp>
         <p:nvSpPr>
           <p:cNvPr id="125" name="Google Shape;125;p19"/>
-          <p:cNvSpPr txBox="1"/>
+          <p:cNvSpPr txBox="1">
+            <a:spLocks noGrp="1"/>
+          </p:cNvSpPr>
           <p:nvPr>
-            <p:ph idx="1" type="body"/>
+            <p:ph type="body" idx="1"/>
           </p:nvPr>
         </p:nvSpPr>
         <p:spPr>
@@ -12007,12 +12241,12 @@
           </a:prstGeom>
         </p:spPr>
         <p:txBody>
-          <a:bodyPr anchorCtr="0" anchor="t" bIns="91425" lIns="91425" spcFirstLastPara="1" rIns="91425" wrap="square" tIns="91425">
+          <a:bodyPr spcFirstLastPara="1" wrap="square" lIns="91425" tIns="91425" rIns="91425" bIns="91425" anchor="t" anchorCtr="0">
             <a:noAutofit/>
           </a:bodyPr>
           <a:lstStyle/>
           <a:p>
-            <a:pPr indent="0" lvl="0" marL="0" rtl="0" algn="l">
+            <a:pPr marL="0" lvl="0" indent="0" algn="l" rtl="0">
               <a:spcBef>
                 <a:spcPts val="0"/>
               </a:spcBef>
@@ -12021,9 +12255,6 @@
               </a:spcAft>
               <a:buNone/>
             </a:pPr>
-            <a:r>
-              <a:t/>
-            </a:r>
             <a:endParaRPr/>
           </a:p>
         </p:txBody>
@@ -12065,11 +12296,11 @@
 </file>
 
 <file path=ppt/slides/slide8.xml><?xml version="1.0" encoding="utf-8"?>
-<p:sld xmlns:a="http://schemas.openxmlformats.org/drawingml/2006/main" xmlns:r="http://schemas.openxmlformats.org/officeDocument/2006/relationships" xmlns:mc="http://schemas.openxmlformats.org/markup-compatibility/2006" xmlns:mv="urn:schemas-microsoft-com:mac:vml" xmlns:p="http://schemas.openxmlformats.org/presentationml/2006/main" xmlns:c="http://schemas.openxmlformats.org/drawingml/2006/chart" xmlns:dgm="http://schemas.openxmlformats.org/drawingml/2006/diagram" xmlns:o="urn:schemas-microsoft-com:office:office" xmlns:v="urn:schemas-microsoft-com:vml" xmlns:pvml="urn:schemas-microsoft-com:office:powerpoint" xmlns:com="http://schemas.openxmlformats.org/drawingml/2006/compatibility" xmlns:p14="http://schemas.microsoft.com/office/powerpoint/2010/main" xmlns:p15="http://schemas.microsoft.com/office/powerpoint/2012/main">
+<p:sld xmlns:a="http://schemas.openxmlformats.org/drawingml/2006/main" xmlns:r="http://schemas.openxmlformats.org/officeDocument/2006/relationships" xmlns:p="http://schemas.openxmlformats.org/presentationml/2006/main">
   <p:cSld>
     <p:spTree>
       <p:nvGrpSpPr>
-        <p:cNvPr id="130" name="Shape 130"/>
+        <p:cNvPr id="1" name="Shape 130"/>
         <p:cNvGrpSpPr/>
         <p:nvPr/>
       </p:nvGrpSpPr>
@@ -12084,7 +12315,9 @@
       <p:sp>
         <p:nvSpPr>
           <p:cNvPr id="131" name="Google Shape;131;p20"/>
-          <p:cNvSpPr txBox="1"/>
+          <p:cNvSpPr txBox="1">
+            <a:spLocks noGrp="1"/>
+          </p:cNvSpPr>
           <p:nvPr>
             <p:ph type="title"/>
           </p:nvPr>
@@ -12099,12 +12332,12 @@
           </a:prstGeom>
         </p:spPr>
         <p:txBody>
-          <a:bodyPr anchorCtr="0" anchor="t" bIns="91425" lIns="91425" spcFirstLastPara="1" rIns="91425" wrap="square" tIns="91425">
+          <a:bodyPr spcFirstLastPara="1" wrap="square" lIns="91425" tIns="91425" rIns="91425" bIns="91425" anchor="t" anchorCtr="0">
             <a:noAutofit/>
           </a:bodyPr>
           <a:lstStyle/>
           <a:p>
-            <a:pPr indent="0" lvl="0" marL="0" rtl="0" algn="l">
+            <a:pPr marL="0" lvl="0" indent="0" algn="l" rtl="0">
               <a:spcBef>
                 <a:spcPts val="0"/>
               </a:spcBef>
@@ -12113,9 +12346,6 @@
               </a:spcAft>
               <a:buNone/>
             </a:pPr>
-            <a:r>
-              <a:t/>
-            </a:r>
             <a:endParaRPr/>
           </a:p>
         </p:txBody>
@@ -12123,9 +12353,11 @@
       <p:sp>
         <p:nvSpPr>
           <p:cNvPr id="132" name="Google Shape;132;p20"/>
-          <p:cNvSpPr txBox="1"/>
+          <p:cNvSpPr txBox="1">
+            <a:spLocks noGrp="1"/>
+          </p:cNvSpPr>
           <p:nvPr>
-            <p:ph idx="1" type="body"/>
+            <p:ph type="body" idx="1"/>
           </p:nvPr>
         </p:nvSpPr>
         <p:spPr>
@@ -12138,12 +12370,12 @@
           </a:prstGeom>
         </p:spPr>
         <p:txBody>
-          <a:bodyPr anchorCtr="0" anchor="t" bIns="91425" lIns="91425" spcFirstLastPara="1" rIns="91425" wrap="square" tIns="91425">
+          <a:bodyPr spcFirstLastPara="1" wrap="square" lIns="91425" tIns="91425" rIns="91425" bIns="91425" anchor="t" anchorCtr="0">
             <a:noAutofit/>
           </a:bodyPr>
           <a:lstStyle/>
           <a:p>
-            <a:pPr indent="0" lvl="0" marL="0" rtl="0" algn="l">
+            <a:pPr marL="0" lvl="0" indent="0" algn="l" rtl="0">
               <a:spcBef>
                 <a:spcPts val="0"/>
               </a:spcBef>
@@ -12152,9 +12384,6 @@
               </a:spcAft>
               <a:buNone/>
             </a:pPr>
-            <a:r>
-              <a:t/>
-            </a:r>
             <a:endParaRPr/>
           </a:p>
         </p:txBody>
@@ -12196,11 +12425,11 @@
 </file>
 
 <file path=ppt/slides/slide9.xml><?xml version="1.0" encoding="utf-8"?>
-<p:sld xmlns:a="http://schemas.openxmlformats.org/drawingml/2006/main" xmlns:r="http://schemas.openxmlformats.org/officeDocument/2006/relationships" xmlns:mc="http://schemas.openxmlformats.org/markup-compatibility/2006" xmlns:mv="urn:schemas-microsoft-com:mac:vml" xmlns:p="http://schemas.openxmlformats.org/presentationml/2006/main" xmlns:c="http://schemas.openxmlformats.org/drawingml/2006/chart" xmlns:dgm="http://schemas.openxmlformats.org/drawingml/2006/diagram" xmlns:o="urn:schemas-microsoft-com:office:office" xmlns:v="urn:schemas-microsoft-com:vml" xmlns:pvml="urn:schemas-microsoft-com:office:powerpoint" xmlns:com="http://schemas.openxmlformats.org/drawingml/2006/compatibility" xmlns:p14="http://schemas.microsoft.com/office/powerpoint/2010/main" xmlns:p15="http://schemas.microsoft.com/office/powerpoint/2012/main">
+<p:sld xmlns:a="http://schemas.openxmlformats.org/drawingml/2006/main" xmlns:r="http://schemas.openxmlformats.org/officeDocument/2006/relationships" xmlns:p="http://schemas.openxmlformats.org/presentationml/2006/main">
   <p:cSld>
     <p:spTree>
       <p:nvGrpSpPr>
-        <p:cNvPr id="137" name="Shape 137"/>
+        <p:cNvPr id="1" name="Shape 137"/>
         <p:cNvGrpSpPr/>
         <p:nvPr/>
       </p:nvGrpSpPr>
@@ -12215,7 +12444,9 @@
       <p:sp>
         <p:nvSpPr>
           <p:cNvPr id="138" name="Google Shape;138;p21"/>
-          <p:cNvSpPr txBox="1"/>
+          <p:cNvSpPr txBox="1">
+            <a:spLocks noGrp="1"/>
+          </p:cNvSpPr>
           <p:nvPr>
             <p:ph type="title"/>
           </p:nvPr>
@@ -12230,12 +12461,12 @@
           </a:prstGeom>
         </p:spPr>
         <p:txBody>
-          <a:bodyPr anchorCtr="0" anchor="t" bIns="91425" lIns="91425" spcFirstLastPara="1" rIns="91425" wrap="square" tIns="91425">
+          <a:bodyPr spcFirstLastPara="1" wrap="square" lIns="91425" tIns="91425" rIns="91425" bIns="91425" anchor="t" anchorCtr="0">
             <a:noAutofit/>
           </a:bodyPr>
           <a:lstStyle/>
           <a:p>
-            <a:pPr indent="0" lvl="0" marL="0" rtl="0" algn="l">
+            <a:pPr marL="0" lvl="0" indent="0" algn="l" rtl="0">
               <a:spcBef>
                 <a:spcPts val="0"/>
               </a:spcBef>
@@ -12244,9 +12475,6 @@
               </a:spcAft>
               <a:buNone/>
             </a:pPr>
-            <a:r>
-              <a:t/>
-            </a:r>
             <a:endParaRPr/>
           </a:p>
         </p:txBody>
@@ -12254,9 +12482,11 @@
       <p:sp>
         <p:nvSpPr>
           <p:cNvPr id="139" name="Google Shape;139;p21"/>
-          <p:cNvSpPr txBox="1"/>
+          <p:cNvSpPr txBox="1">
+            <a:spLocks noGrp="1"/>
+          </p:cNvSpPr>
           <p:nvPr>
-            <p:ph idx="1" type="body"/>
+            <p:ph type="body" idx="1"/>
           </p:nvPr>
         </p:nvSpPr>
         <p:spPr>
@@ -12269,12 +12499,12 @@
           </a:prstGeom>
         </p:spPr>
         <p:txBody>
-          <a:bodyPr anchorCtr="0" anchor="t" bIns="91425" lIns="91425" spcFirstLastPara="1" rIns="91425" wrap="square" tIns="91425">
+          <a:bodyPr spcFirstLastPara="1" wrap="square" lIns="91425" tIns="91425" rIns="91425" bIns="91425" anchor="t" anchorCtr="0">
             <a:noAutofit/>
           </a:bodyPr>
           <a:lstStyle/>
           <a:p>
-            <a:pPr indent="0" lvl="0" marL="0" rtl="0" algn="l">
+            <a:pPr marL="0" lvl="0" indent="0" algn="l" rtl="0">
               <a:spcBef>
                 <a:spcPts val="0"/>
               </a:spcBef>
@@ -12283,9 +12513,6 @@
               </a:spcAft>
               <a:buNone/>
             </a:pPr>
-            <a:r>
-              <a:t/>
-            </a:r>
             <a:endParaRPr/>
           </a:p>
         </p:txBody>
@@ -12327,7 +12554,7 @@
 </file>
 
 <file path=ppt/theme/theme1.xml><?xml version="1.0" encoding="utf-8"?>
-<a:theme xmlns:a="http://schemas.openxmlformats.org/drawingml/2006/main" xmlns:r="http://schemas.openxmlformats.org/officeDocument/2006/relationships" name="Streamline">
+<a:theme xmlns:a="http://schemas.openxmlformats.org/drawingml/2006/main" name="Streamline">
   <a:themeElements>
     <a:clrScheme name="Streamline">
       <a:dk1>
@@ -12602,11 +12829,13 @@
       </a:bgFillStyleLst>
     </a:fmtScheme>
   </a:themeElements>
+  <a:objectDefaults/>
+  <a:extraClrSchemeLst/>
 </a:theme>
 </file>
 
 <file path=ppt/theme/theme2.xml><?xml version="1.0" encoding="utf-8"?>
-<a:theme xmlns:a="http://schemas.openxmlformats.org/drawingml/2006/main" xmlns:r="http://schemas.openxmlformats.org/officeDocument/2006/relationships">
+<a:theme xmlns:a="http://schemas.openxmlformats.org/drawingml/2006/main">
   <a:themeElements>
     <a:clrScheme name="Default">
       <a:dk1>
@@ -12881,5 +13110,7 @@
       </a:bgFillStyleLst>
     </a:fmtScheme>
   </a:themeElements>
+  <a:objectDefaults/>
+  <a:extraClrSchemeLst/>
 </a:theme>
 </file>